--- a/docs/PECSN_Presentation.pptx
+++ b/docs/PECSN_Presentation.pptx
@@ -217,7 +217,7 @@
           <a:p>
             <a:fld id="{ADC6D302-0AC0-4EA4-A0E7-B022E5976B59}" type="datetimeFigureOut">
               <a:rPr lang="it-IT" smtClean="0"/>
-              <a:t>12/01/25</a:t>
+              <a:t>12/01/2025</a:t>
             </a:fld>
             <a:endParaRPr lang="it-IT"/>
           </a:p>
@@ -375,7 +375,7 @@
           <a:p>
             <a:fld id="{F9059C61-5EF2-40E5-89FE-A8C8552DD1C5}" type="slidenum">
               <a:rPr lang="it-IT" smtClean="0"/>
-              <a:t>‹N›</a:t>
+              <a:t>‹#›</a:t>
             </a:fld>
             <a:endParaRPr lang="it-IT"/>
           </a:p>
@@ -794,7 +794,7 @@
           <a:p>
             <a:fld id="{146F6E76-D6C4-4F41-8B56-236687B0A30A}" type="datetimeFigureOut">
               <a:rPr lang="it-IT" smtClean="0"/>
-              <a:t>12/01/25</a:t>
+              <a:t>12/01/2025</a:t>
             </a:fld>
             <a:endParaRPr lang="it-IT"/>
           </a:p>
@@ -836,7 +836,7 @@
           <a:p>
             <a:fld id="{5EA54E60-894F-4374-AF22-CC94706D8AC5}" type="slidenum">
               <a:rPr lang="it-IT" smtClean="0"/>
-              <a:t>‹N›</a:t>
+              <a:t>‹#›</a:t>
             </a:fld>
             <a:endParaRPr lang="it-IT"/>
           </a:p>
@@ -1002,7 +1002,7 @@
           <a:p>
             <a:fld id="{146F6E76-D6C4-4F41-8B56-236687B0A30A}" type="datetimeFigureOut">
               <a:rPr lang="it-IT" smtClean="0"/>
-              <a:t>12/01/25</a:t>
+              <a:t>12/01/2025</a:t>
             </a:fld>
             <a:endParaRPr lang="it-IT"/>
           </a:p>
@@ -1044,7 +1044,7 @@
           <a:p>
             <a:fld id="{5EA54E60-894F-4374-AF22-CC94706D8AC5}" type="slidenum">
               <a:rPr lang="it-IT" smtClean="0"/>
-              <a:t>‹N›</a:t>
+              <a:t>‹#›</a:t>
             </a:fld>
             <a:endParaRPr lang="it-IT"/>
           </a:p>
@@ -1258,7 +1258,7 @@
           <a:p>
             <a:fld id="{146F6E76-D6C4-4F41-8B56-236687B0A30A}" type="datetimeFigureOut">
               <a:rPr lang="it-IT" smtClean="0"/>
-              <a:t>12/01/25</a:t>
+              <a:t>12/01/2025</a:t>
             </a:fld>
             <a:endParaRPr lang="it-IT"/>
           </a:p>
@@ -1300,7 +1300,7 @@
           <a:p>
             <a:fld id="{5EA54E60-894F-4374-AF22-CC94706D8AC5}" type="slidenum">
               <a:rPr lang="it-IT" smtClean="0"/>
-              <a:t>‹N›</a:t>
+              <a:t>‹#›</a:t>
             </a:fld>
             <a:endParaRPr lang="it-IT"/>
           </a:p>
@@ -1428,7 +1428,7 @@
           <a:p>
             <a:fld id="{146F6E76-D6C4-4F41-8B56-236687B0A30A}" type="datetimeFigureOut">
               <a:rPr lang="it-IT" smtClean="0"/>
-              <a:t>12/01/25</a:t>
+              <a:t>12/01/2025</a:t>
             </a:fld>
             <a:endParaRPr lang="it-IT"/>
           </a:p>
@@ -1470,7 +1470,7 @@
           <a:p>
             <a:fld id="{5EA54E60-894F-4374-AF22-CC94706D8AC5}" type="slidenum">
               <a:rPr lang="it-IT" smtClean="0"/>
-              <a:t>‹N›</a:t>
+              <a:t>‹#›</a:t>
             </a:fld>
             <a:endParaRPr lang="it-IT"/>
           </a:p>
@@ -1771,7 +1771,7 @@
           <a:p>
             <a:fld id="{146F6E76-D6C4-4F41-8B56-236687B0A30A}" type="datetimeFigureOut">
               <a:rPr lang="it-IT" smtClean="0"/>
-              <a:t>12/01/25</a:t>
+              <a:t>12/01/2025</a:t>
             </a:fld>
             <a:endParaRPr lang="it-IT"/>
           </a:p>
@@ -1813,7 +1813,7 @@
           <a:p>
             <a:fld id="{5EA54E60-894F-4374-AF22-CC94706D8AC5}" type="slidenum">
               <a:rPr lang="it-IT" smtClean="0"/>
-              <a:t>‹N›</a:t>
+              <a:t>‹#›</a:t>
             </a:fld>
             <a:endParaRPr lang="it-IT"/>
           </a:p>
@@ -2046,7 +2046,7 @@
           <a:p>
             <a:fld id="{146F6E76-D6C4-4F41-8B56-236687B0A30A}" type="datetimeFigureOut">
               <a:rPr lang="it-IT" smtClean="0"/>
-              <a:t>12/01/25</a:t>
+              <a:t>12/01/2025</a:t>
             </a:fld>
             <a:endParaRPr lang="it-IT"/>
           </a:p>
@@ -2088,7 +2088,7 @@
           <a:p>
             <a:fld id="{5EA54E60-894F-4374-AF22-CC94706D8AC5}" type="slidenum">
               <a:rPr lang="it-IT" smtClean="0"/>
-              <a:t>‹N›</a:t>
+              <a:t>‹#›</a:t>
             </a:fld>
             <a:endParaRPr lang="it-IT"/>
           </a:p>
@@ -2425,7 +2425,7 @@
           <a:p>
             <a:fld id="{146F6E76-D6C4-4F41-8B56-236687B0A30A}" type="datetimeFigureOut">
               <a:rPr lang="it-IT" smtClean="0"/>
-              <a:t>12/01/25</a:t>
+              <a:t>12/01/2025</a:t>
             </a:fld>
             <a:endParaRPr lang="it-IT"/>
           </a:p>
@@ -2467,7 +2467,7 @@
           <a:p>
             <a:fld id="{5EA54E60-894F-4374-AF22-CC94706D8AC5}" type="slidenum">
               <a:rPr lang="it-IT" smtClean="0"/>
-              <a:t>‹N›</a:t>
+              <a:t>‹#›</a:t>
             </a:fld>
             <a:endParaRPr lang="it-IT"/>
           </a:p>
@@ -2543,7 +2543,7 @@
           <a:p>
             <a:fld id="{146F6E76-D6C4-4F41-8B56-236687B0A30A}" type="datetimeFigureOut">
               <a:rPr lang="it-IT" smtClean="0"/>
-              <a:t>12/01/25</a:t>
+              <a:t>12/01/2025</a:t>
             </a:fld>
             <a:endParaRPr lang="it-IT"/>
           </a:p>
@@ -2585,7 +2585,7 @@
           <a:p>
             <a:fld id="{5EA54E60-894F-4374-AF22-CC94706D8AC5}" type="slidenum">
               <a:rPr lang="it-IT" smtClean="0"/>
-              <a:t>‹N›</a:t>
+              <a:t>‹#›</a:t>
             </a:fld>
             <a:endParaRPr lang="it-IT"/>
           </a:p>
@@ -2714,7 +2714,7 @@
           <a:p>
             <a:fld id="{146F6E76-D6C4-4F41-8B56-236687B0A30A}" type="datetimeFigureOut">
               <a:rPr lang="it-IT" smtClean="0"/>
-              <a:t>12/01/25</a:t>
+              <a:t>12/01/2025</a:t>
             </a:fld>
             <a:endParaRPr lang="it-IT"/>
           </a:p>
@@ -2764,7 +2764,7 @@
           <a:p>
             <a:fld id="{5EA54E60-894F-4374-AF22-CC94706D8AC5}" type="slidenum">
               <a:rPr lang="it-IT" smtClean="0"/>
-              <a:t>‹N›</a:t>
+              <a:t>‹#›</a:t>
             </a:fld>
             <a:endParaRPr lang="it-IT"/>
           </a:p>
@@ -3068,7 +3068,7 @@
           <a:p>
             <a:fld id="{146F6E76-D6C4-4F41-8B56-236687B0A30A}" type="datetimeFigureOut">
               <a:rPr lang="it-IT" smtClean="0"/>
-              <a:t>12/01/25</a:t>
+              <a:t>12/01/2025</a:t>
             </a:fld>
             <a:endParaRPr lang="it-IT"/>
           </a:p>
@@ -3131,7 +3131,7 @@
           <a:p>
             <a:fld id="{5EA54E60-894F-4374-AF22-CC94706D8AC5}" type="slidenum">
               <a:rPr lang="it-IT" smtClean="0"/>
-              <a:t>‹N›</a:t>
+              <a:t>‹#›</a:t>
             </a:fld>
             <a:endParaRPr lang="it-IT"/>
           </a:p>
@@ -3445,7 +3445,7 @@
           <a:p>
             <a:fld id="{146F6E76-D6C4-4F41-8B56-236687B0A30A}" type="datetimeFigureOut">
               <a:rPr lang="it-IT" smtClean="0"/>
-              <a:t>12/01/25</a:t>
+              <a:t>12/01/2025</a:t>
             </a:fld>
             <a:endParaRPr lang="it-IT"/>
           </a:p>
@@ -3487,7 +3487,7 @@
           <a:p>
             <a:fld id="{5EA54E60-894F-4374-AF22-CC94706D8AC5}" type="slidenum">
               <a:rPr lang="it-IT" smtClean="0"/>
-              <a:t>‹N›</a:t>
+              <a:t>‹#›</a:t>
             </a:fld>
             <a:endParaRPr lang="it-IT"/>
           </a:p>
@@ -3732,7 +3732,7 @@
           <a:p>
             <a:fld id="{146F6E76-D6C4-4F41-8B56-236687B0A30A}" type="datetimeFigureOut">
               <a:rPr lang="it-IT" smtClean="0"/>
-              <a:t>12/01/25</a:t>
+              <a:t>12/01/2025</a:t>
             </a:fld>
             <a:endParaRPr lang="it-IT"/>
           </a:p>
@@ -3806,7 +3806,7 @@
           <a:p>
             <a:fld id="{5EA54E60-894F-4374-AF22-CC94706D8AC5}" type="slidenum">
               <a:rPr lang="it-IT" smtClean="0"/>
-              <a:t>‹N›</a:t>
+              <a:t>‹#›</a:t>
             </a:fld>
             <a:endParaRPr lang="it-IT"/>
           </a:p>
@@ -7633,7 +7633,7 @@
           <p:nvPr>
             <p:extLst>
               <p:ext uri="{D42A27DB-BD31-4B8C-83A1-F6EECF244321}">
-                <p14:modId xmlns:p14="http://schemas.microsoft.com/office/powerpoint/2010/main" val="2083594895"/>
+                <p14:modId xmlns:p14="http://schemas.microsoft.com/office/powerpoint/2010/main" val="2767771110"/>
               </p:ext>
             </p:extLst>
           </p:nvPr>
@@ -8269,7 +8269,7 @@
                             <a:sysClr val="windowText" lastClr="000000"/>
                           </a:solidFill>
                         </a:rPr>
-                        <a:t>istructions</a:t>
+                        <a:t>instructions</a:t>
                       </a:r>
                       <a:r>
                         <a:rPr lang="it-IT" sz="1200" kern="1200" dirty="0">
@@ -8277,15 +8277,7 @@
                             <a:sysClr val="windowText" lastClr="000000"/>
                           </a:solidFill>
                         </a:rPr>
-                        <a:t>/</a:t>
-                      </a:r>
-                      <a:r>
-                        <a:rPr lang="it-IT" sz="1200" kern="1200" dirty="0" err="1">
-                          <a:solidFill>
-                            <a:sysClr val="windowText" lastClr="000000"/>
-                          </a:solidFill>
-                        </a:rPr>
-                        <a:t>s</a:t>
+                        <a:t>/s</a:t>
                       </a:r>
                       <a:endParaRPr lang="it-IT" sz="1200" kern="1200" dirty="0">
                         <a:solidFill>
@@ -9306,7 +9298,7 @@
                             <a:sysClr val="windowText" lastClr="000000"/>
                           </a:solidFill>
                         </a:rPr>
-                        <a:t>istructions</a:t>
+                        <a:t>instructions</a:t>
                       </a:r>
                       <a:endParaRPr lang="it-IT" sz="1200" kern="1200" dirty="0">
                         <a:solidFill>
@@ -11978,21 +11970,6 @@
 </file>
 
 <file path=customXml/item1.xml><?xml version="1.0" encoding="utf-8"?>
-<p:properties xmlns:p="http://schemas.microsoft.com/office/2006/metadata/properties" xmlns:xsi="http://www.w3.org/2001/XMLSchema-instance" xmlns:pc="http://schemas.microsoft.com/office/infopath/2007/PartnerControls">
-  <documentManagement/>
-</p:properties>
-</file>
-
-<file path=customXml/item2.xml><?xml version="1.0" encoding="utf-8"?>
-<?mso-contentType ?>
-<FormTemplates xmlns="http://schemas.microsoft.com/sharepoint/v3/contenttype/forms">
-  <Display>DocumentLibraryForm</Display>
-  <Edit>DocumentLibraryForm</Edit>
-  <New>DocumentLibraryForm</New>
-</FormTemplates>
-</file>
-
-<file path=customXml/item3.xml><?xml version="1.0" encoding="utf-8"?>
 <ct:contentTypeSchema xmlns:ct="http://schemas.microsoft.com/office/2006/metadata/contentType" xmlns:ma="http://schemas.microsoft.com/office/2006/metadata/properties/metaAttributes" ct:_="" ma:_="" ma:contentTypeName="Document" ma:contentTypeID="0x010100DFBC08DA2ECE6C4A82232EFE3D9DA530" ma:contentTypeVersion="4" ma:contentTypeDescription="Create a new document." ma:contentTypeScope="" ma:versionID="5939b094f451fcf84c19959f770f2ffd">
   <xsd:schema xmlns:xsd="http://www.w3.org/2001/XMLSchema" xmlns:xs="http://www.w3.org/2001/XMLSchema" xmlns:p="http://schemas.microsoft.com/office/2006/metadata/properties" xmlns:ns2="716b397f-796d-431a-b7aa-650caf8debb4" targetNamespace="http://schemas.microsoft.com/office/2006/metadata/properties" ma:root="true" ma:fieldsID="614b3d2208c0a74a906553d7121343e2" ns2:_="">
     <xsd:import namespace="716b397f-796d-431a-b7aa-650caf8debb4"/>
@@ -12136,24 +12113,22 @@
 </ct:contentTypeSchema>
 </file>
 
-<file path=customXml/itemProps1.xml><?xml version="1.0" encoding="utf-8"?>
-<ds:datastoreItem xmlns:ds="http://schemas.openxmlformats.org/officeDocument/2006/customXml" ds:itemID="{AEE6738E-6D5F-48DC-A1F8-D1AF491FEE92}">
-  <ds:schemaRefs>
-    <ds:schemaRef ds:uri="http://schemas.microsoft.com/office/2006/metadata/properties"/>
-    <ds:schemaRef ds:uri="http://schemas.microsoft.com/office/infopath/2007/PartnerControls"/>
-  </ds:schemaRefs>
-</ds:datastoreItem>
+<file path=customXml/item2.xml><?xml version="1.0" encoding="utf-8"?>
+<?mso-contentType ?>
+<FormTemplates xmlns="http://schemas.microsoft.com/sharepoint/v3/contenttype/forms">
+  <Display>DocumentLibraryForm</Display>
+  <Edit>DocumentLibraryForm</Edit>
+  <New>DocumentLibraryForm</New>
+</FormTemplates>
 </file>
 
-<file path=customXml/itemProps2.xml><?xml version="1.0" encoding="utf-8"?>
-<ds:datastoreItem xmlns:ds="http://schemas.openxmlformats.org/officeDocument/2006/customXml" ds:itemID="{D5304DF2-6389-48C9-8F35-A690427AB6FF}">
-  <ds:schemaRefs>
-    <ds:schemaRef ds:uri="http://schemas.microsoft.com/sharepoint/v3/contenttype/forms"/>
-  </ds:schemaRefs>
-</ds:datastoreItem>
+<file path=customXml/item3.xml><?xml version="1.0" encoding="utf-8"?>
+<p:properties xmlns:p="http://schemas.microsoft.com/office/2006/metadata/properties" xmlns:xsi="http://www.w3.org/2001/XMLSchema-instance" xmlns:pc="http://schemas.microsoft.com/office/infopath/2007/PartnerControls">
+  <documentManagement/>
+</p:properties>
 </file>
 
-<file path=customXml/itemProps3.xml><?xml version="1.0" encoding="utf-8"?>
+<file path=customXml/itemProps1.xml><?xml version="1.0" encoding="utf-8"?>
 <ds:datastoreItem xmlns:ds="http://schemas.openxmlformats.org/officeDocument/2006/customXml" ds:itemID="{A9212A06-90E2-43D6-AA05-4E3BA8D73425}">
   <ds:schemaRefs>
     <ds:schemaRef ds:uri="http://schemas.microsoft.com/office/2006/metadata/contentType"/>
@@ -12169,4 +12144,21 @@
     <ds:schemaRef ds:uri="http://schemas.microsoft.com/internal/obd"/>
   </ds:schemaRefs>
 </ds:datastoreItem>
+</file>
+
+<file path=customXml/itemProps2.xml><?xml version="1.0" encoding="utf-8"?>
+<ds:datastoreItem xmlns:ds="http://schemas.openxmlformats.org/officeDocument/2006/customXml" ds:itemID="{D5304DF2-6389-48C9-8F35-A690427AB6FF}">
+  <ds:schemaRefs>
+    <ds:schemaRef ds:uri="http://schemas.microsoft.com/sharepoint/v3/contenttype/forms"/>
+  </ds:schemaRefs>
+</ds:datastoreItem>
+</file>
+
+<file path=customXml/itemProps3.xml><?xml version="1.0" encoding="utf-8"?>
+<ds:datastoreItem xmlns:ds="http://schemas.openxmlformats.org/officeDocument/2006/customXml" ds:itemID="{AEE6738E-6D5F-48DC-A1F8-D1AF491FEE92}">
+  <ds:schemaRefs>
+    <ds:schemaRef ds:uri="http://schemas.microsoft.com/office/2006/metadata/properties"/>
+    <ds:schemaRef ds:uri="http://schemas.microsoft.com/office/infopath/2007/PartnerControls"/>
+  </ds:schemaRefs>
+</ds:datastoreItem>
 </file>
--- a/docs/PECSN_Presentation.pptx
+++ b/docs/PECSN_Presentation.pptx
@@ -217,7 +217,7 @@
           <a:p>
             <a:fld id="{ADC6D302-0AC0-4EA4-A0E7-B022E5976B59}" type="datetimeFigureOut">
               <a:rPr lang="it-IT" smtClean="0"/>
-              <a:t>12/01/2025</a:t>
+              <a:t>13/01/2025</a:t>
             </a:fld>
             <a:endParaRPr lang="it-IT"/>
           </a:p>
@@ -375,7 +375,7 @@
           <a:p>
             <a:fld id="{F9059C61-5EF2-40E5-89FE-A8C8552DD1C5}" type="slidenum">
               <a:rPr lang="it-IT" smtClean="0"/>
-              <a:t>‹#›</a:t>
+              <a:t>‹N›</a:t>
             </a:fld>
             <a:endParaRPr lang="it-IT"/>
           </a:p>
@@ -794,7 +794,7 @@
           <a:p>
             <a:fld id="{146F6E76-D6C4-4F41-8B56-236687B0A30A}" type="datetimeFigureOut">
               <a:rPr lang="it-IT" smtClean="0"/>
-              <a:t>12/01/2025</a:t>
+              <a:t>13/01/2025</a:t>
             </a:fld>
             <a:endParaRPr lang="it-IT"/>
           </a:p>
@@ -836,7 +836,7 @@
           <a:p>
             <a:fld id="{5EA54E60-894F-4374-AF22-CC94706D8AC5}" type="slidenum">
               <a:rPr lang="it-IT" smtClean="0"/>
-              <a:t>‹#›</a:t>
+              <a:t>‹N›</a:t>
             </a:fld>
             <a:endParaRPr lang="it-IT"/>
           </a:p>
@@ -1002,7 +1002,7 @@
           <a:p>
             <a:fld id="{146F6E76-D6C4-4F41-8B56-236687B0A30A}" type="datetimeFigureOut">
               <a:rPr lang="it-IT" smtClean="0"/>
-              <a:t>12/01/2025</a:t>
+              <a:t>13/01/2025</a:t>
             </a:fld>
             <a:endParaRPr lang="it-IT"/>
           </a:p>
@@ -1044,7 +1044,7 @@
           <a:p>
             <a:fld id="{5EA54E60-894F-4374-AF22-CC94706D8AC5}" type="slidenum">
               <a:rPr lang="it-IT" smtClean="0"/>
-              <a:t>‹#›</a:t>
+              <a:t>‹N›</a:t>
             </a:fld>
             <a:endParaRPr lang="it-IT"/>
           </a:p>
@@ -1258,7 +1258,7 @@
           <a:p>
             <a:fld id="{146F6E76-D6C4-4F41-8B56-236687B0A30A}" type="datetimeFigureOut">
               <a:rPr lang="it-IT" smtClean="0"/>
-              <a:t>12/01/2025</a:t>
+              <a:t>13/01/2025</a:t>
             </a:fld>
             <a:endParaRPr lang="it-IT"/>
           </a:p>
@@ -1300,7 +1300,7 @@
           <a:p>
             <a:fld id="{5EA54E60-894F-4374-AF22-CC94706D8AC5}" type="slidenum">
               <a:rPr lang="it-IT" smtClean="0"/>
-              <a:t>‹#›</a:t>
+              <a:t>‹N›</a:t>
             </a:fld>
             <a:endParaRPr lang="it-IT"/>
           </a:p>
@@ -1428,7 +1428,7 @@
           <a:p>
             <a:fld id="{146F6E76-D6C4-4F41-8B56-236687B0A30A}" type="datetimeFigureOut">
               <a:rPr lang="it-IT" smtClean="0"/>
-              <a:t>12/01/2025</a:t>
+              <a:t>13/01/2025</a:t>
             </a:fld>
             <a:endParaRPr lang="it-IT"/>
           </a:p>
@@ -1470,7 +1470,7 @@
           <a:p>
             <a:fld id="{5EA54E60-894F-4374-AF22-CC94706D8AC5}" type="slidenum">
               <a:rPr lang="it-IT" smtClean="0"/>
-              <a:t>‹#›</a:t>
+              <a:t>‹N›</a:t>
             </a:fld>
             <a:endParaRPr lang="it-IT"/>
           </a:p>
@@ -1771,7 +1771,7 @@
           <a:p>
             <a:fld id="{146F6E76-D6C4-4F41-8B56-236687B0A30A}" type="datetimeFigureOut">
               <a:rPr lang="it-IT" smtClean="0"/>
-              <a:t>12/01/2025</a:t>
+              <a:t>13/01/2025</a:t>
             </a:fld>
             <a:endParaRPr lang="it-IT"/>
           </a:p>
@@ -1813,7 +1813,7 @@
           <a:p>
             <a:fld id="{5EA54E60-894F-4374-AF22-CC94706D8AC5}" type="slidenum">
               <a:rPr lang="it-IT" smtClean="0"/>
-              <a:t>‹#›</a:t>
+              <a:t>‹N›</a:t>
             </a:fld>
             <a:endParaRPr lang="it-IT"/>
           </a:p>
@@ -2046,7 +2046,7 @@
           <a:p>
             <a:fld id="{146F6E76-D6C4-4F41-8B56-236687B0A30A}" type="datetimeFigureOut">
               <a:rPr lang="it-IT" smtClean="0"/>
-              <a:t>12/01/2025</a:t>
+              <a:t>13/01/2025</a:t>
             </a:fld>
             <a:endParaRPr lang="it-IT"/>
           </a:p>
@@ -2088,7 +2088,7 @@
           <a:p>
             <a:fld id="{5EA54E60-894F-4374-AF22-CC94706D8AC5}" type="slidenum">
               <a:rPr lang="it-IT" smtClean="0"/>
-              <a:t>‹#›</a:t>
+              <a:t>‹N›</a:t>
             </a:fld>
             <a:endParaRPr lang="it-IT"/>
           </a:p>
@@ -2425,7 +2425,7 @@
           <a:p>
             <a:fld id="{146F6E76-D6C4-4F41-8B56-236687B0A30A}" type="datetimeFigureOut">
               <a:rPr lang="it-IT" smtClean="0"/>
-              <a:t>12/01/2025</a:t>
+              <a:t>13/01/2025</a:t>
             </a:fld>
             <a:endParaRPr lang="it-IT"/>
           </a:p>
@@ -2467,7 +2467,7 @@
           <a:p>
             <a:fld id="{5EA54E60-894F-4374-AF22-CC94706D8AC5}" type="slidenum">
               <a:rPr lang="it-IT" smtClean="0"/>
-              <a:t>‹#›</a:t>
+              <a:t>‹N›</a:t>
             </a:fld>
             <a:endParaRPr lang="it-IT"/>
           </a:p>
@@ -2543,7 +2543,7 @@
           <a:p>
             <a:fld id="{146F6E76-D6C4-4F41-8B56-236687B0A30A}" type="datetimeFigureOut">
               <a:rPr lang="it-IT" smtClean="0"/>
-              <a:t>12/01/2025</a:t>
+              <a:t>13/01/2025</a:t>
             </a:fld>
             <a:endParaRPr lang="it-IT"/>
           </a:p>
@@ -2585,7 +2585,7 @@
           <a:p>
             <a:fld id="{5EA54E60-894F-4374-AF22-CC94706D8AC5}" type="slidenum">
               <a:rPr lang="it-IT" smtClean="0"/>
-              <a:t>‹#›</a:t>
+              <a:t>‹N›</a:t>
             </a:fld>
             <a:endParaRPr lang="it-IT"/>
           </a:p>
@@ -2714,7 +2714,7 @@
           <a:p>
             <a:fld id="{146F6E76-D6C4-4F41-8B56-236687B0A30A}" type="datetimeFigureOut">
               <a:rPr lang="it-IT" smtClean="0"/>
-              <a:t>12/01/2025</a:t>
+              <a:t>13/01/2025</a:t>
             </a:fld>
             <a:endParaRPr lang="it-IT"/>
           </a:p>
@@ -2764,7 +2764,7 @@
           <a:p>
             <a:fld id="{5EA54E60-894F-4374-AF22-CC94706D8AC5}" type="slidenum">
               <a:rPr lang="it-IT" smtClean="0"/>
-              <a:t>‹#›</a:t>
+              <a:t>‹N›</a:t>
             </a:fld>
             <a:endParaRPr lang="it-IT"/>
           </a:p>
@@ -3068,7 +3068,7 @@
           <a:p>
             <a:fld id="{146F6E76-D6C4-4F41-8B56-236687B0A30A}" type="datetimeFigureOut">
               <a:rPr lang="it-IT" smtClean="0"/>
-              <a:t>12/01/2025</a:t>
+              <a:t>13/01/2025</a:t>
             </a:fld>
             <a:endParaRPr lang="it-IT"/>
           </a:p>
@@ -3131,7 +3131,7 @@
           <a:p>
             <a:fld id="{5EA54E60-894F-4374-AF22-CC94706D8AC5}" type="slidenum">
               <a:rPr lang="it-IT" smtClean="0"/>
-              <a:t>‹#›</a:t>
+              <a:t>‹N›</a:t>
             </a:fld>
             <a:endParaRPr lang="it-IT"/>
           </a:p>
@@ -3445,7 +3445,7 @@
           <a:p>
             <a:fld id="{146F6E76-D6C4-4F41-8B56-236687B0A30A}" type="datetimeFigureOut">
               <a:rPr lang="it-IT" smtClean="0"/>
-              <a:t>12/01/2025</a:t>
+              <a:t>13/01/2025</a:t>
             </a:fld>
             <a:endParaRPr lang="it-IT"/>
           </a:p>
@@ -3487,7 +3487,7 @@
           <a:p>
             <a:fld id="{5EA54E60-894F-4374-AF22-CC94706D8AC5}" type="slidenum">
               <a:rPr lang="it-IT" smtClean="0"/>
-              <a:t>‹#›</a:t>
+              <a:t>‹N›</a:t>
             </a:fld>
             <a:endParaRPr lang="it-IT"/>
           </a:p>
@@ -3732,7 +3732,7 @@
           <a:p>
             <a:fld id="{146F6E76-D6C4-4F41-8B56-236687B0A30A}" type="datetimeFigureOut">
               <a:rPr lang="it-IT" smtClean="0"/>
-              <a:t>12/01/2025</a:t>
+              <a:t>13/01/2025</a:t>
             </a:fld>
             <a:endParaRPr lang="it-IT"/>
           </a:p>
@@ -3806,7 +3806,7 @@
           <a:p>
             <a:fld id="{5EA54E60-894F-4374-AF22-CC94706D8AC5}" type="slidenum">
               <a:rPr lang="it-IT" smtClean="0"/>
-              <a:t>‹#›</a:t>
+              <a:t>‹N›</a:t>
             </a:fld>
             <a:endParaRPr lang="it-IT"/>
           </a:p>
@@ -4900,87 +4900,6 @@
       </p:sp>
       <p:pic>
         <p:nvPicPr>
-          <p:cNvPr id="11" name="Segnaposto contenuto 10" descr="Immagine che contiene testo, linea, Diagramma, diagramma&#10;&#10;Descrizione generata automaticamente">
-            <a:extLst>
-              <a:ext uri="{FF2B5EF4-FFF2-40B4-BE49-F238E27FC236}">
-                <a16:creationId xmlns:a16="http://schemas.microsoft.com/office/drawing/2014/main" id="{4C8539E0-995F-E968-500B-3031AECFBB9C}"/>
-              </a:ext>
-            </a:extLst>
-          </p:cNvPr>
-          <p:cNvPicPr>
-            <a:picLocks noGrp="1" noChangeAspect="1"/>
-          </p:cNvPicPr>
-          <p:nvPr>
-            <p:ph idx="1"/>
-          </p:nvPr>
-        </p:nvPicPr>
-        <p:blipFill>
-          <a:blip r:embed="rId2">
-            <a:extLst>
-              <a:ext uri="{28A0092B-C50C-407E-A947-70E740481C1C}">
-                <a14:useLocalDpi xmlns:a14="http://schemas.microsoft.com/office/drawing/2010/main" val="0"/>
-              </a:ext>
-            </a:extLst>
-          </a:blip>
-          <a:stretch>
-            <a:fillRect/>
-          </a:stretch>
-        </p:blipFill>
-        <p:spPr>
-          <a:xfrm>
-            <a:off x="1350723" y="1876409"/>
-            <a:ext cx="4240663" cy="4315645"/>
-          </a:xfrm>
-          <a:ln>
-            <a:solidFill>
-              <a:schemeClr val="tx1"/>
-            </a:solidFill>
-          </a:ln>
-        </p:spPr>
-      </p:pic>
-      <p:pic>
-        <p:nvPicPr>
-          <p:cNvPr id="13" name="Immagine 12" descr="Immagine che contiene testo, linea, Diagramma, diagramma&#10;&#10;Descrizione generata automaticamente">
-            <a:extLst>
-              <a:ext uri="{FF2B5EF4-FFF2-40B4-BE49-F238E27FC236}">
-                <a16:creationId xmlns:a16="http://schemas.microsoft.com/office/drawing/2014/main" id="{D1000744-2444-F29E-2EDE-9E85C9681C8F}"/>
-              </a:ext>
-            </a:extLst>
-          </p:cNvPr>
-          <p:cNvPicPr>
-            <a:picLocks noChangeAspect="1"/>
-          </p:cNvPicPr>
-          <p:nvPr/>
-        </p:nvPicPr>
-        <p:blipFill>
-          <a:blip r:embed="rId3">
-            <a:extLst>
-              <a:ext uri="{28A0092B-C50C-407E-A947-70E740481C1C}">
-                <a14:useLocalDpi xmlns:a14="http://schemas.microsoft.com/office/drawing/2010/main" val="0"/>
-              </a:ext>
-            </a:extLst>
-          </a:blip>
-          <a:stretch>
-            <a:fillRect/>
-          </a:stretch>
-        </p:blipFill>
-        <p:spPr>
-          <a:xfrm>
-            <a:off x="6600615" y="1876408"/>
-            <a:ext cx="4331992" cy="4315645"/>
-          </a:xfrm>
-          <a:prstGeom prst="rect">
-            <a:avLst/>
-          </a:prstGeom>
-          <a:ln>
-            <a:solidFill>
-              <a:schemeClr val="tx1"/>
-            </a:solidFill>
-          </a:ln>
-        </p:spPr>
-      </p:pic>
-      <p:pic>
-        <p:nvPicPr>
           <p:cNvPr id="3" name="Picture 34" descr="marchio_unipi_pant541_288">
             <a:extLst>
               <a:ext uri="{FF2B5EF4-FFF2-40B4-BE49-F238E27FC236}">
@@ -4994,7 +4913,7 @@
           <p:nvPr/>
         </p:nvPicPr>
         <p:blipFill>
-          <a:blip r:embed="rId4" cstate="print"/>
+          <a:blip r:embed="rId2" cstate="print"/>
           <a:srcRect/>
           <a:stretch>
             <a:fillRect/>
@@ -5161,6 +5080,77 @@
           </a:p>
         </p:txBody>
       </p:sp>
+      <p:pic>
+        <p:nvPicPr>
+          <p:cNvPr id="9" name="Segnaposto contenuto 8" descr="Immagine che contiene testo, schermata, linea, Diagramma&#10;&#10;Descrizione generata automaticamente">
+            <a:extLst>
+              <a:ext uri="{FF2B5EF4-FFF2-40B4-BE49-F238E27FC236}">
+                <a16:creationId xmlns:a16="http://schemas.microsoft.com/office/drawing/2014/main" id="{20DD7BE2-A944-1F5C-E681-E5CB4604C71D}"/>
+              </a:ext>
+            </a:extLst>
+          </p:cNvPr>
+          <p:cNvPicPr>
+            <a:picLocks noGrp="1" noChangeAspect="1"/>
+          </p:cNvPicPr>
+          <p:nvPr>
+            <p:ph idx="1"/>
+          </p:nvPr>
+        </p:nvPicPr>
+        <p:blipFill>
+          <a:blip r:embed="rId3">
+            <a:extLst>
+              <a:ext uri="{28A0092B-C50C-407E-A947-70E740481C1C}">
+                <a14:useLocalDpi xmlns:a14="http://schemas.microsoft.com/office/drawing/2010/main" val="0"/>
+              </a:ext>
+            </a:extLst>
+          </a:blip>
+          <a:stretch>
+            <a:fillRect/>
+          </a:stretch>
+        </p:blipFill>
+        <p:spPr>
+          <a:xfrm>
+            <a:off x="144132" y="2170493"/>
+            <a:ext cx="5438277" cy="3262967"/>
+          </a:xfrm>
+        </p:spPr>
+      </p:pic>
+      <p:pic>
+        <p:nvPicPr>
+          <p:cNvPr id="12" name="Immagine 11" descr="Immagine che contiene testo, schermata, linea, numero&#10;&#10;Descrizione generata automaticamente">
+            <a:extLst>
+              <a:ext uri="{FF2B5EF4-FFF2-40B4-BE49-F238E27FC236}">
+                <a16:creationId xmlns:a16="http://schemas.microsoft.com/office/drawing/2014/main" id="{47EB67A2-7C53-B5A4-6E06-A2BA5FAAC7D4}"/>
+              </a:ext>
+            </a:extLst>
+          </p:cNvPr>
+          <p:cNvPicPr>
+            <a:picLocks noChangeAspect="1"/>
+          </p:cNvPicPr>
+          <p:nvPr/>
+        </p:nvPicPr>
+        <p:blipFill>
+          <a:blip r:embed="rId4">
+            <a:extLst>
+              <a:ext uri="{28A0092B-C50C-407E-A947-70E740481C1C}">
+                <a14:useLocalDpi xmlns:a14="http://schemas.microsoft.com/office/drawing/2010/main" val="0"/>
+              </a:ext>
+            </a:extLst>
+          </a:blip>
+          <a:stretch>
+            <a:fillRect/>
+          </a:stretch>
+        </p:blipFill>
+        <p:spPr>
+          <a:xfrm>
+            <a:off x="6362702" y="2170492"/>
+            <a:ext cx="5438278" cy="3262967"/>
+          </a:xfrm>
+          <a:prstGeom prst="rect">
+            <a:avLst/>
+          </a:prstGeom>
+        </p:spPr>
+      </p:pic>
     </p:spTree>
     <p:extLst>
       <p:ext uri="{BB962C8B-B14F-4D97-AF65-F5344CB8AC3E}">
@@ -7618,2128 +7608,4184 @@
           </a:ln>
         </p:spPr>
       </p:pic>
-      <p:graphicFrame>
-        <p:nvGraphicFramePr>
-          <p:cNvPr id="6" name="Tabella 5">
-            <a:extLst>
-              <a:ext uri="{FF2B5EF4-FFF2-40B4-BE49-F238E27FC236}">
-                <a16:creationId xmlns:a16="http://schemas.microsoft.com/office/drawing/2014/main" id="{10158AEF-0213-5952-F87D-005A96BD66E3}"/>
-              </a:ext>
-            </a:extLst>
-          </p:cNvPr>
-          <p:cNvGraphicFramePr>
-            <a:graphicFrameLocks noGrp="1"/>
-          </p:cNvGraphicFramePr>
-          <p:nvPr>
-            <p:extLst>
-              <p:ext uri="{D42A27DB-BD31-4B8C-83A1-F6EECF244321}">
-                <p14:modId xmlns:p14="http://schemas.microsoft.com/office/powerpoint/2010/main" val="2767771110"/>
-              </p:ext>
-            </p:extLst>
-          </p:nvPr>
-        </p:nvGraphicFramePr>
-        <p:xfrm>
-          <a:off x="772885" y="1900673"/>
-          <a:ext cx="10646230" cy="4130689"/>
-        </p:xfrm>
-        <a:graphic>
-          <a:graphicData uri="http://schemas.openxmlformats.org/drawingml/2006/table">
-            <a:tbl>
-              <a:tblPr bandRow="1">
-                <a:tableStyleId>{0660B408-B3CF-4A94-85FC-2B1E0A45F4A2}</a:tableStyleId>
-              </a:tblPr>
-              <a:tblGrid>
-                <a:gridCol w="5323115">
-                  <a:extLst>
-                    <a:ext uri="{9D8B030D-6E8A-4147-A177-3AD203B41FA5}">
-                      <a16:colId xmlns:a16="http://schemas.microsoft.com/office/drawing/2014/main" val="3983390492"/>
-                    </a:ext>
-                  </a:extLst>
-                </a:gridCol>
-                <a:gridCol w="5323115">
-                  <a:extLst>
-                    <a:ext uri="{9D8B030D-6E8A-4147-A177-3AD203B41FA5}">
-                      <a16:colId xmlns:a16="http://schemas.microsoft.com/office/drawing/2014/main" val="423646684"/>
-                    </a:ext>
-                  </a:extLst>
-                </a:gridCol>
-              </a:tblGrid>
-              <a:tr h="285771">
-                <a:tc>
-                  <a:txBody>
-                    <a:bodyPr/>
-                    <a:lstStyle/>
-                    <a:p>
-                      <a:r>
-                        <a:rPr lang="it-IT" sz="1200" b="1" dirty="0">
-                          <a:solidFill>
-                            <a:sysClr val="windowText" lastClr="000000"/>
-                          </a:solidFill>
-                        </a:rPr>
-                        <a:t>NUMBERS OF BASE STATIONS </a:t>
-                      </a:r>
-                      <a:endParaRPr lang="it-IT" sz="1200" b="1" dirty="0">
-                        <a:solidFill>
-                          <a:sysClr val="windowText" lastClr="000000"/>
-                        </a:solidFill>
-                        <a:latin typeface="+mj-lt"/>
-                      </a:endParaRPr>
-                    </a:p>
-                  </a:txBody>
-                  <a:tcPr>
-                    <a:lnL w="12700" cap="flat" cmpd="sng" algn="ctr">
-                      <a:solidFill>
-                        <a:schemeClr val="tx1"/>
-                      </a:solidFill>
-                      <a:prstDash val="solid"/>
-                      <a:round/>
-                      <a:headEnd type="none" w="med" len="med"/>
-                      <a:tailEnd type="none" w="med" len="med"/>
-                    </a:lnL>
-                    <a:lnR w="12700" cap="flat" cmpd="sng" algn="ctr">
-                      <a:solidFill>
-                        <a:schemeClr val="tx1"/>
-                      </a:solidFill>
-                      <a:prstDash val="solid"/>
-                      <a:round/>
-                      <a:headEnd type="none" w="med" len="med"/>
-                      <a:tailEnd type="none" w="med" len="med"/>
-                    </a:lnR>
-                    <a:lnT w="12700" cap="flat" cmpd="sng" algn="ctr">
-                      <a:solidFill>
-                        <a:schemeClr val="tx1"/>
-                      </a:solidFill>
-                      <a:prstDash val="solid"/>
-                      <a:round/>
-                      <a:headEnd type="none" w="med" len="med"/>
-                      <a:tailEnd type="none" w="med" len="med"/>
-                    </a:lnT>
-                    <a:lnB w="12700" cap="flat" cmpd="sng" algn="ctr">
-                      <a:solidFill>
-                        <a:schemeClr val="tx1"/>
-                      </a:solidFill>
-                      <a:prstDash val="solid"/>
-                      <a:round/>
-                      <a:headEnd type="none" w="med" len="med"/>
-                      <a:tailEnd type="none" w="med" len="med"/>
-                    </a:lnB>
-                  </a:tcPr>
-                </a:tc>
-                <a:tc>
-                  <a:txBody>
-                    <a:bodyPr/>
-                    <a:lstStyle/>
-                    <a:p>
-                      <a:r>
-                        <a:rPr lang="it-IT" sz="1200" dirty="0">
-                          <a:solidFill>
-                            <a:sysClr val="windowText" lastClr="000000"/>
-                          </a:solidFill>
-                        </a:rPr>
-                        <a:t>9</a:t>
-                      </a:r>
-                      <a:endParaRPr lang="it-IT" sz="1200" dirty="0">
-                        <a:solidFill>
-                          <a:sysClr val="windowText" lastClr="000000"/>
-                        </a:solidFill>
-                        <a:latin typeface="+mj-lt"/>
-                      </a:endParaRPr>
-                    </a:p>
-                  </a:txBody>
-                  <a:tcPr>
-                    <a:lnL w="12700" cap="flat" cmpd="sng" algn="ctr">
-                      <a:solidFill>
-                        <a:schemeClr val="tx1"/>
-                      </a:solidFill>
-                      <a:prstDash val="solid"/>
-                      <a:round/>
-                      <a:headEnd type="none" w="med" len="med"/>
-                      <a:tailEnd type="none" w="med" len="med"/>
-                    </a:lnL>
-                    <a:lnR w="12700" cap="flat" cmpd="sng" algn="ctr">
-                      <a:solidFill>
-                        <a:schemeClr val="tx1"/>
-                      </a:solidFill>
-                      <a:prstDash val="solid"/>
-                      <a:round/>
-                      <a:headEnd type="none" w="med" len="med"/>
-                      <a:tailEnd type="none" w="med" len="med"/>
-                    </a:lnR>
-                    <a:lnT w="12700" cap="flat" cmpd="sng" algn="ctr">
-                      <a:solidFill>
-                        <a:schemeClr val="tx1"/>
-                      </a:solidFill>
-                      <a:prstDash val="solid"/>
-                      <a:round/>
-                      <a:headEnd type="none" w="med" len="med"/>
-                      <a:tailEnd type="none" w="med" len="med"/>
-                    </a:lnT>
-                    <a:lnB w="12700" cap="flat" cmpd="sng" algn="ctr">
-                      <a:solidFill>
-                        <a:schemeClr val="tx1"/>
-                      </a:solidFill>
-                      <a:prstDash val="solid"/>
-                      <a:round/>
-                      <a:headEnd type="none" w="med" len="med"/>
-                      <a:tailEnd type="none" w="med" len="med"/>
-                    </a:lnB>
-                  </a:tcPr>
-                </a:tc>
+      <mc:AlternateContent xmlns:mc="http://schemas.openxmlformats.org/markup-compatibility/2006">
+        <mc:Choice xmlns:a14="http://schemas.microsoft.com/office/drawing/2010/main" Requires="a14">
+          <p:graphicFrame>
+            <p:nvGraphicFramePr>
+              <p:cNvPr id="6" name="Tabella 5">
                 <a:extLst>
-                  <a:ext uri="{0D108BD9-81ED-4DB2-BD59-A6C34878D82A}">
-                    <a16:rowId xmlns:a16="http://schemas.microsoft.com/office/drawing/2014/main" val="3847775981"/>
+                  <a:ext uri="{FF2B5EF4-FFF2-40B4-BE49-F238E27FC236}">
+                    <a16:creationId xmlns:a16="http://schemas.microsoft.com/office/drawing/2014/main" id="{10158AEF-0213-5952-F87D-005A96BD66E3}"/>
                   </a:ext>
                 </a:extLst>
-              </a:tr>
-              <a:tr h="285771">
-                <a:tc>
-                  <a:txBody>
-                    <a:bodyPr/>
-                    <a:lstStyle/>
-                    <a:p>
-                      <a:r>
-                        <a:rPr lang="it-IT" sz="1200" b="1" dirty="0">
-                          <a:solidFill>
-                            <a:sysClr val="windowText" lastClr="000000"/>
-                          </a:solidFill>
-                        </a:rPr>
-                        <a:t>QUEUE SIZE </a:t>
-                      </a:r>
-                      <a:endParaRPr lang="it-IT" sz="1200" b="1" dirty="0">
-                        <a:solidFill>
-                          <a:sysClr val="windowText" lastClr="000000"/>
-                        </a:solidFill>
-                        <a:latin typeface="+mj-lt"/>
-                      </a:endParaRPr>
-                    </a:p>
-                  </a:txBody>
-                  <a:tcPr>
-                    <a:lnL w="12700" cap="flat" cmpd="sng" algn="ctr">
-                      <a:solidFill>
-                        <a:schemeClr val="tx1"/>
-                      </a:solidFill>
-                      <a:prstDash val="solid"/>
-                      <a:round/>
-                      <a:headEnd type="none" w="med" len="med"/>
-                      <a:tailEnd type="none" w="med" len="med"/>
-                    </a:lnL>
-                    <a:lnR w="12700" cap="flat" cmpd="sng" algn="ctr">
-                      <a:solidFill>
-                        <a:schemeClr val="tx1"/>
-                      </a:solidFill>
-                      <a:prstDash val="solid"/>
-                      <a:round/>
-                      <a:headEnd type="none" w="med" len="med"/>
-                      <a:tailEnd type="none" w="med" len="med"/>
-                    </a:lnR>
-                    <a:lnT w="12700" cap="flat" cmpd="sng" algn="ctr">
-                      <a:solidFill>
-                        <a:schemeClr val="tx1"/>
-                      </a:solidFill>
-                      <a:prstDash val="solid"/>
-                      <a:round/>
-                      <a:headEnd type="none" w="med" len="med"/>
-                      <a:tailEnd type="none" w="med" len="med"/>
-                    </a:lnT>
-                    <a:lnB w="12700" cap="flat" cmpd="sng" algn="ctr">
-                      <a:solidFill>
-                        <a:schemeClr val="tx1"/>
-                      </a:solidFill>
-                      <a:prstDash val="solid"/>
-                      <a:round/>
-                      <a:headEnd type="none" w="med" len="med"/>
-                      <a:tailEnd type="none" w="med" len="med"/>
-                    </a:lnB>
-                  </a:tcPr>
-                </a:tc>
-                <a:tc>
-                  <a:txBody>
-                    <a:bodyPr/>
-                    <a:lstStyle/>
-                    <a:p>
-                      <a:r>
-                        <a:rPr lang="it-IT" sz="1200" dirty="0">
-                          <a:solidFill>
-                            <a:sysClr val="windowText" lastClr="000000"/>
-                          </a:solidFill>
-                        </a:rPr>
-                        <a:t>50</a:t>
-                      </a:r>
-                      <a:endParaRPr lang="it-IT" sz="1200" dirty="0">
-                        <a:solidFill>
-                          <a:sysClr val="windowText" lastClr="000000"/>
-                        </a:solidFill>
-                        <a:latin typeface="+mj-lt"/>
-                      </a:endParaRPr>
-                    </a:p>
-                  </a:txBody>
-                  <a:tcPr>
-                    <a:lnL w="12700" cap="flat" cmpd="sng" algn="ctr">
-                      <a:solidFill>
-                        <a:schemeClr val="tx1"/>
-                      </a:solidFill>
-                      <a:prstDash val="solid"/>
-                      <a:round/>
-                      <a:headEnd type="none" w="med" len="med"/>
-                      <a:tailEnd type="none" w="med" len="med"/>
-                    </a:lnL>
-                    <a:lnR w="12700" cap="flat" cmpd="sng" algn="ctr">
-                      <a:solidFill>
-                        <a:schemeClr val="tx1"/>
-                      </a:solidFill>
-                      <a:prstDash val="solid"/>
-                      <a:round/>
-                      <a:headEnd type="none" w="med" len="med"/>
-                      <a:tailEnd type="none" w="med" len="med"/>
-                    </a:lnR>
-                    <a:lnT w="12700" cap="flat" cmpd="sng" algn="ctr">
-                      <a:solidFill>
-                        <a:schemeClr val="tx1"/>
-                      </a:solidFill>
-                      <a:prstDash val="solid"/>
-                      <a:round/>
-                      <a:headEnd type="none" w="med" len="med"/>
-                      <a:tailEnd type="none" w="med" len="med"/>
-                    </a:lnT>
-                    <a:lnB w="12700" cap="flat" cmpd="sng" algn="ctr">
-                      <a:solidFill>
-                        <a:schemeClr val="tx1"/>
-                      </a:solidFill>
-                      <a:prstDash val="solid"/>
-                      <a:round/>
-                      <a:headEnd type="none" w="med" len="med"/>
-                      <a:tailEnd type="none" w="med" len="med"/>
-                    </a:lnB>
-                  </a:tcPr>
-                </a:tc>
+              </p:cNvPr>
+              <p:cNvGraphicFramePr>
+                <a:graphicFrameLocks noGrp="1"/>
+              </p:cNvGraphicFramePr>
+              <p:nvPr>
+                <p:extLst>
+                  <p:ext uri="{D42A27DB-BD31-4B8C-83A1-F6EECF244321}">
+                    <p14:modId xmlns:p14="http://schemas.microsoft.com/office/powerpoint/2010/main" val="844714992"/>
+                  </p:ext>
+                </p:extLst>
+              </p:nvPr>
+            </p:nvGraphicFramePr>
+            <p:xfrm>
+              <a:off x="772885" y="1900673"/>
+              <a:ext cx="10646230" cy="4130689"/>
+            </p:xfrm>
+            <a:graphic>
+              <a:graphicData uri="http://schemas.openxmlformats.org/drawingml/2006/table">
+                <a:tbl>
+                  <a:tblPr bandRow="1">
+                    <a:tableStyleId>{0660B408-B3CF-4A94-85FC-2B1E0A45F4A2}</a:tableStyleId>
+                  </a:tblPr>
+                  <a:tblGrid>
+                    <a:gridCol w="5323115">
+                      <a:extLst>
+                        <a:ext uri="{9D8B030D-6E8A-4147-A177-3AD203B41FA5}">
+                          <a16:colId xmlns:a16="http://schemas.microsoft.com/office/drawing/2014/main" val="3983390492"/>
+                        </a:ext>
+                      </a:extLst>
+                    </a:gridCol>
+                    <a:gridCol w="5323115">
+                      <a:extLst>
+                        <a:ext uri="{9D8B030D-6E8A-4147-A177-3AD203B41FA5}">
+                          <a16:colId xmlns:a16="http://schemas.microsoft.com/office/drawing/2014/main" val="423646684"/>
+                        </a:ext>
+                      </a:extLst>
+                    </a:gridCol>
+                  </a:tblGrid>
+                  <a:tr h="285771">
+                    <a:tc>
+                      <a:txBody>
+                        <a:bodyPr/>
+                        <a:lstStyle/>
+                        <a:p>
+                          <a:r>
+                            <a:rPr lang="it-IT" sz="1200" b="1" dirty="0">
+                              <a:solidFill>
+                                <a:sysClr val="windowText" lastClr="000000"/>
+                              </a:solidFill>
+                            </a:rPr>
+                            <a:t>NUMBERS OF BASE STATIONS </a:t>
+                          </a:r>
+                          <a:endParaRPr lang="it-IT" sz="1200" b="1" dirty="0">
+                            <a:solidFill>
+                              <a:sysClr val="windowText" lastClr="000000"/>
+                            </a:solidFill>
+                            <a:latin typeface="+mj-lt"/>
+                          </a:endParaRPr>
+                        </a:p>
+                      </a:txBody>
+                      <a:tcPr>
+                        <a:lnL w="12700" cap="flat" cmpd="sng" algn="ctr">
+                          <a:solidFill>
+                            <a:schemeClr val="tx1"/>
+                          </a:solidFill>
+                          <a:prstDash val="solid"/>
+                          <a:round/>
+                          <a:headEnd type="none" w="med" len="med"/>
+                          <a:tailEnd type="none" w="med" len="med"/>
+                        </a:lnL>
+                        <a:lnR w="12700" cap="flat" cmpd="sng" algn="ctr">
+                          <a:solidFill>
+                            <a:schemeClr val="tx1"/>
+                          </a:solidFill>
+                          <a:prstDash val="solid"/>
+                          <a:round/>
+                          <a:headEnd type="none" w="med" len="med"/>
+                          <a:tailEnd type="none" w="med" len="med"/>
+                        </a:lnR>
+                        <a:lnT w="12700" cap="flat" cmpd="sng" algn="ctr">
+                          <a:solidFill>
+                            <a:schemeClr val="tx1"/>
+                          </a:solidFill>
+                          <a:prstDash val="solid"/>
+                          <a:round/>
+                          <a:headEnd type="none" w="med" len="med"/>
+                          <a:tailEnd type="none" w="med" len="med"/>
+                        </a:lnT>
+                        <a:lnB w="12700" cap="flat" cmpd="sng" algn="ctr">
+                          <a:solidFill>
+                            <a:schemeClr val="tx1"/>
+                          </a:solidFill>
+                          <a:prstDash val="solid"/>
+                          <a:round/>
+                          <a:headEnd type="none" w="med" len="med"/>
+                          <a:tailEnd type="none" w="med" len="med"/>
+                        </a:lnB>
+                      </a:tcPr>
+                    </a:tc>
+                    <a:tc>
+                      <a:txBody>
+                        <a:bodyPr/>
+                        <a:lstStyle/>
+                        <a:p>
+                          <a:r>
+                            <a:rPr lang="it-IT" sz="1200" dirty="0">
+                              <a:solidFill>
+                                <a:sysClr val="windowText" lastClr="000000"/>
+                              </a:solidFill>
+                            </a:rPr>
+                            <a:t>9</a:t>
+                          </a:r>
+                          <a:endParaRPr lang="it-IT" sz="1200" dirty="0">
+                            <a:solidFill>
+                              <a:sysClr val="windowText" lastClr="000000"/>
+                            </a:solidFill>
+                            <a:latin typeface="+mj-lt"/>
+                          </a:endParaRPr>
+                        </a:p>
+                      </a:txBody>
+                      <a:tcPr>
+                        <a:lnL w="12700" cap="flat" cmpd="sng" algn="ctr">
+                          <a:solidFill>
+                            <a:schemeClr val="tx1"/>
+                          </a:solidFill>
+                          <a:prstDash val="solid"/>
+                          <a:round/>
+                          <a:headEnd type="none" w="med" len="med"/>
+                          <a:tailEnd type="none" w="med" len="med"/>
+                        </a:lnL>
+                        <a:lnR w="12700" cap="flat" cmpd="sng" algn="ctr">
+                          <a:solidFill>
+                            <a:schemeClr val="tx1"/>
+                          </a:solidFill>
+                          <a:prstDash val="solid"/>
+                          <a:round/>
+                          <a:headEnd type="none" w="med" len="med"/>
+                          <a:tailEnd type="none" w="med" len="med"/>
+                        </a:lnR>
+                        <a:lnT w="12700" cap="flat" cmpd="sng" algn="ctr">
+                          <a:solidFill>
+                            <a:schemeClr val="tx1"/>
+                          </a:solidFill>
+                          <a:prstDash val="solid"/>
+                          <a:round/>
+                          <a:headEnd type="none" w="med" len="med"/>
+                          <a:tailEnd type="none" w="med" len="med"/>
+                        </a:lnT>
+                        <a:lnB w="12700" cap="flat" cmpd="sng" algn="ctr">
+                          <a:solidFill>
+                            <a:schemeClr val="tx1"/>
+                          </a:solidFill>
+                          <a:prstDash val="solid"/>
+                          <a:round/>
+                          <a:headEnd type="none" w="med" len="med"/>
+                          <a:tailEnd type="none" w="med" len="med"/>
+                        </a:lnB>
+                      </a:tcPr>
+                    </a:tc>
+                    <a:extLst>
+                      <a:ext uri="{0D108BD9-81ED-4DB2-BD59-A6C34878D82A}">
+                        <a16:rowId xmlns:a16="http://schemas.microsoft.com/office/drawing/2014/main" val="3847775981"/>
+                      </a:ext>
+                    </a:extLst>
+                  </a:tr>
+                  <a:tr h="285771">
+                    <a:tc>
+                      <a:txBody>
+                        <a:bodyPr/>
+                        <a:lstStyle/>
+                        <a:p>
+                          <a:r>
+                            <a:rPr lang="it-IT" sz="1200" b="1" dirty="0">
+                              <a:solidFill>
+                                <a:sysClr val="windowText" lastClr="000000"/>
+                              </a:solidFill>
+                            </a:rPr>
+                            <a:t>QUEUE SIZE </a:t>
+                          </a:r>
+                          <a:endParaRPr lang="it-IT" sz="1200" b="1" dirty="0">
+                            <a:solidFill>
+                              <a:sysClr val="windowText" lastClr="000000"/>
+                            </a:solidFill>
+                            <a:latin typeface="+mj-lt"/>
+                          </a:endParaRPr>
+                        </a:p>
+                      </a:txBody>
+                      <a:tcPr>
+                        <a:lnL w="12700" cap="flat" cmpd="sng" algn="ctr">
+                          <a:solidFill>
+                            <a:schemeClr val="tx1"/>
+                          </a:solidFill>
+                          <a:prstDash val="solid"/>
+                          <a:round/>
+                          <a:headEnd type="none" w="med" len="med"/>
+                          <a:tailEnd type="none" w="med" len="med"/>
+                        </a:lnL>
+                        <a:lnR w="12700" cap="flat" cmpd="sng" algn="ctr">
+                          <a:solidFill>
+                            <a:schemeClr val="tx1"/>
+                          </a:solidFill>
+                          <a:prstDash val="solid"/>
+                          <a:round/>
+                          <a:headEnd type="none" w="med" len="med"/>
+                          <a:tailEnd type="none" w="med" len="med"/>
+                        </a:lnR>
+                        <a:lnT w="12700" cap="flat" cmpd="sng" algn="ctr">
+                          <a:solidFill>
+                            <a:schemeClr val="tx1"/>
+                          </a:solidFill>
+                          <a:prstDash val="solid"/>
+                          <a:round/>
+                          <a:headEnd type="none" w="med" len="med"/>
+                          <a:tailEnd type="none" w="med" len="med"/>
+                        </a:lnT>
+                        <a:lnB w="12700" cap="flat" cmpd="sng" algn="ctr">
+                          <a:solidFill>
+                            <a:schemeClr val="tx1"/>
+                          </a:solidFill>
+                          <a:prstDash val="solid"/>
+                          <a:round/>
+                          <a:headEnd type="none" w="med" len="med"/>
+                          <a:tailEnd type="none" w="med" len="med"/>
+                        </a:lnB>
+                      </a:tcPr>
+                    </a:tc>
+                    <a:tc>
+                      <a:txBody>
+                        <a:bodyPr/>
+                        <a:lstStyle/>
+                        <a:p>
+                          <a:r>
+                            <a:rPr lang="it-IT" sz="1200" dirty="0">
+                              <a:solidFill>
+                                <a:sysClr val="windowText" lastClr="000000"/>
+                              </a:solidFill>
+                            </a:rPr>
+                            <a:t>50</a:t>
+                          </a:r>
+                          <a:endParaRPr lang="it-IT" sz="1200" dirty="0">
+                            <a:solidFill>
+                              <a:sysClr val="windowText" lastClr="000000"/>
+                            </a:solidFill>
+                            <a:latin typeface="+mj-lt"/>
+                          </a:endParaRPr>
+                        </a:p>
+                      </a:txBody>
+                      <a:tcPr>
+                        <a:lnL w="12700" cap="flat" cmpd="sng" algn="ctr">
+                          <a:solidFill>
+                            <a:schemeClr val="tx1"/>
+                          </a:solidFill>
+                          <a:prstDash val="solid"/>
+                          <a:round/>
+                          <a:headEnd type="none" w="med" len="med"/>
+                          <a:tailEnd type="none" w="med" len="med"/>
+                        </a:lnL>
+                        <a:lnR w="12700" cap="flat" cmpd="sng" algn="ctr">
+                          <a:solidFill>
+                            <a:schemeClr val="tx1"/>
+                          </a:solidFill>
+                          <a:prstDash val="solid"/>
+                          <a:round/>
+                          <a:headEnd type="none" w="med" len="med"/>
+                          <a:tailEnd type="none" w="med" len="med"/>
+                        </a:lnR>
+                        <a:lnT w="12700" cap="flat" cmpd="sng" algn="ctr">
+                          <a:solidFill>
+                            <a:schemeClr val="tx1"/>
+                          </a:solidFill>
+                          <a:prstDash val="solid"/>
+                          <a:round/>
+                          <a:headEnd type="none" w="med" len="med"/>
+                          <a:tailEnd type="none" w="med" len="med"/>
+                        </a:lnT>
+                        <a:lnB w="12700" cap="flat" cmpd="sng" algn="ctr">
+                          <a:solidFill>
+                            <a:schemeClr val="tx1"/>
+                          </a:solidFill>
+                          <a:prstDash val="solid"/>
+                          <a:round/>
+                          <a:headEnd type="none" w="med" len="med"/>
+                          <a:tailEnd type="none" w="med" len="med"/>
+                        </a:lnB>
+                      </a:tcPr>
+                    </a:tc>
+                    <a:extLst>
+                      <a:ext uri="{0D108BD9-81ED-4DB2-BD59-A6C34878D82A}">
+                        <a16:rowId xmlns:a16="http://schemas.microsoft.com/office/drawing/2014/main" val="3225530755"/>
+                      </a:ext>
+                    </a:extLst>
+                  </a:tr>
+                  <a:tr h="285771">
+                    <a:tc>
+                      <a:txBody>
+                        <a:bodyPr/>
+                        <a:lstStyle/>
+                        <a:p>
+                          <a:r>
+                            <a:rPr lang="it-IT" sz="1200" b="1" dirty="0">
+                              <a:solidFill>
+                                <a:sysClr val="windowText" lastClr="000000"/>
+                              </a:solidFill>
+                            </a:rPr>
+                            <a:t>WIDTH</a:t>
+                          </a:r>
+                          <a:endParaRPr lang="it-IT" sz="1200" b="1" dirty="0">
+                            <a:solidFill>
+                              <a:sysClr val="windowText" lastClr="000000"/>
+                            </a:solidFill>
+                            <a:latin typeface="+mj-lt"/>
+                          </a:endParaRPr>
+                        </a:p>
+                      </a:txBody>
+                      <a:tcPr>
+                        <a:lnL w="12700" cap="flat" cmpd="sng" algn="ctr">
+                          <a:solidFill>
+                            <a:schemeClr val="tx1"/>
+                          </a:solidFill>
+                          <a:prstDash val="solid"/>
+                          <a:round/>
+                          <a:headEnd type="none" w="med" len="med"/>
+                          <a:tailEnd type="none" w="med" len="med"/>
+                        </a:lnL>
+                        <a:lnR w="12700" cap="flat" cmpd="sng" algn="ctr">
+                          <a:solidFill>
+                            <a:schemeClr val="tx1"/>
+                          </a:solidFill>
+                          <a:prstDash val="solid"/>
+                          <a:round/>
+                          <a:headEnd type="none" w="med" len="med"/>
+                          <a:tailEnd type="none" w="med" len="med"/>
+                        </a:lnR>
+                        <a:lnT w="12700" cap="flat" cmpd="sng" algn="ctr">
+                          <a:solidFill>
+                            <a:schemeClr val="tx1"/>
+                          </a:solidFill>
+                          <a:prstDash val="solid"/>
+                          <a:round/>
+                          <a:headEnd type="none" w="med" len="med"/>
+                          <a:tailEnd type="none" w="med" len="med"/>
+                        </a:lnT>
+                        <a:lnB w="12700" cap="flat" cmpd="sng" algn="ctr">
+                          <a:solidFill>
+                            <a:schemeClr val="tx1"/>
+                          </a:solidFill>
+                          <a:prstDash val="solid"/>
+                          <a:round/>
+                          <a:headEnd type="none" w="med" len="med"/>
+                          <a:tailEnd type="none" w="med" len="med"/>
+                        </a:lnB>
+                      </a:tcPr>
+                    </a:tc>
+                    <a:tc>
+                      <a:txBody>
+                        <a:bodyPr/>
+                        <a:lstStyle/>
+                        <a:p>
+                          <a:r>
+                            <a:rPr lang="it-IT" sz="1200" dirty="0">
+                              <a:solidFill>
+                                <a:sysClr val="windowText" lastClr="000000"/>
+                              </a:solidFill>
+                            </a:rPr>
+                            <a:t>1800</a:t>
+                          </a:r>
+                          <a:endParaRPr lang="it-IT" sz="1200" dirty="0">
+                            <a:solidFill>
+                              <a:sysClr val="windowText" lastClr="000000"/>
+                            </a:solidFill>
+                            <a:latin typeface="+mj-lt"/>
+                          </a:endParaRPr>
+                        </a:p>
+                      </a:txBody>
+                      <a:tcPr>
+                        <a:lnL w="12700" cap="flat" cmpd="sng" algn="ctr">
+                          <a:solidFill>
+                            <a:schemeClr val="tx1"/>
+                          </a:solidFill>
+                          <a:prstDash val="solid"/>
+                          <a:round/>
+                          <a:headEnd type="none" w="med" len="med"/>
+                          <a:tailEnd type="none" w="med" len="med"/>
+                        </a:lnL>
+                        <a:lnR w="12700" cap="flat" cmpd="sng" algn="ctr">
+                          <a:solidFill>
+                            <a:schemeClr val="tx1"/>
+                          </a:solidFill>
+                          <a:prstDash val="solid"/>
+                          <a:round/>
+                          <a:headEnd type="none" w="med" len="med"/>
+                          <a:tailEnd type="none" w="med" len="med"/>
+                        </a:lnR>
+                        <a:lnT w="12700" cap="flat" cmpd="sng" algn="ctr">
+                          <a:solidFill>
+                            <a:schemeClr val="tx1"/>
+                          </a:solidFill>
+                          <a:prstDash val="solid"/>
+                          <a:round/>
+                          <a:headEnd type="none" w="med" len="med"/>
+                          <a:tailEnd type="none" w="med" len="med"/>
+                        </a:lnT>
+                        <a:lnB w="12700" cap="flat" cmpd="sng" algn="ctr">
+                          <a:solidFill>
+                            <a:schemeClr val="tx1"/>
+                          </a:solidFill>
+                          <a:prstDash val="solid"/>
+                          <a:round/>
+                          <a:headEnd type="none" w="med" len="med"/>
+                          <a:tailEnd type="none" w="med" len="med"/>
+                        </a:lnB>
+                      </a:tcPr>
+                    </a:tc>
+                    <a:extLst>
+                      <a:ext uri="{0D108BD9-81ED-4DB2-BD59-A6C34878D82A}">
+                        <a16:rowId xmlns:a16="http://schemas.microsoft.com/office/drawing/2014/main" val="1098530153"/>
+                      </a:ext>
+                    </a:extLst>
+                  </a:tr>
+                  <a:tr h="285771">
+                    <a:tc>
+                      <a:txBody>
+                        <a:bodyPr/>
+                        <a:lstStyle/>
+                        <a:p>
+                          <a:r>
+                            <a:rPr lang="it-IT" sz="1200" b="1" dirty="0">
+                              <a:solidFill>
+                                <a:sysClr val="windowText" lastClr="000000"/>
+                              </a:solidFill>
+                            </a:rPr>
+                            <a:t>HEIGHT</a:t>
+                          </a:r>
+                          <a:endParaRPr lang="it-IT" sz="1200" b="1" dirty="0">
+                            <a:solidFill>
+                              <a:sysClr val="windowText" lastClr="000000"/>
+                            </a:solidFill>
+                            <a:latin typeface="+mj-lt"/>
+                          </a:endParaRPr>
+                        </a:p>
+                      </a:txBody>
+                      <a:tcPr>
+                        <a:lnL w="12700" cap="flat" cmpd="sng" algn="ctr">
+                          <a:solidFill>
+                            <a:schemeClr val="tx1"/>
+                          </a:solidFill>
+                          <a:prstDash val="solid"/>
+                          <a:round/>
+                          <a:headEnd type="none" w="med" len="med"/>
+                          <a:tailEnd type="none" w="med" len="med"/>
+                        </a:lnL>
+                        <a:lnR w="12700" cap="flat" cmpd="sng" algn="ctr">
+                          <a:solidFill>
+                            <a:schemeClr val="tx1"/>
+                          </a:solidFill>
+                          <a:prstDash val="solid"/>
+                          <a:round/>
+                          <a:headEnd type="none" w="med" len="med"/>
+                          <a:tailEnd type="none" w="med" len="med"/>
+                        </a:lnR>
+                        <a:lnT w="12700" cap="flat" cmpd="sng" algn="ctr">
+                          <a:solidFill>
+                            <a:schemeClr val="tx1"/>
+                          </a:solidFill>
+                          <a:prstDash val="solid"/>
+                          <a:round/>
+                          <a:headEnd type="none" w="med" len="med"/>
+                          <a:tailEnd type="none" w="med" len="med"/>
+                        </a:lnT>
+                        <a:lnB w="12700" cap="flat" cmpd="sng" algn="ctr">
+                          <a:solidFill>
+                            <a:schemeClr val="tx1"/>
+                          </a:solidFill>
+                          <a:prstDash val="solid"/>
+                          <a:round/>
+                          <a:headEnd type="none" w="med" len="med"/>
+                          <a:tailEnd type="none" w="med" len="med"/>
+                        </a:lnB>
+                      </a:tcPr>
+                    </a:tc>
+                    <a:tc>
+                      <a:txBody>
+                        <a:bodyPr/>
+                        <a:lstStyle/>
+                        <a:p>
+                          <a:r>
+                            <a:rPr lang="it-IT" sz="1200" dirty="0">
+                              <a:solidFill>
+                                <a:sysClr val="windowText" lastClr="000000"/>
+                              </a:solidFill>
+                            </a:rPr>
+                            <a:t>1800</a:t>
+                          </a:r>
+                          <a:endParaRPr lang="it-IT" sz="1200" dirty="0">
+                            <a:solidFill>
+                              <a:sysClr val="windowText" lastClr="000000"/>
+                            </a:solidFill>
+                            <a:latin typeface="+mj-lt"/>
+                          </a:endParaRPr>
+                        </a:p>
+                      </a:txBody>
+                      <a:tcPr>
+                        <a:lnL w="12700" cap="flat" cmpd="sng" algn="ctr">
+                          <a:solidFill>
+                            <a:schemeClr val="tx1"/>
+                          </a:solidFill>
+                          <a:prstDash val="solid"/>
+                          <a:round/>
+                          <a:headEnd type="none" w="med" len="med"/>
+                          <a:tailEnd type="none" w="med" len="med"/>
+                        </a:lnL>
+                        <a:lnR w="12700" cap="flat" cmpd="sng" algn="ctr">
+                          <a:solidFill>
+                            <a:schemeClr val="tx1"/>
+                          </a:solidFill>
+                          <a:prstDash val="solid"/>
+                          <a:round/>
+                          <a:headEnd type="none" w="med" len="med"/>
+                          <a:tailEnd type="none" w="med" len="med"/>
+                        </a:lnR>
+                        <a:lnT w="12700" cap="flat" cmpd="sng" algn="ctr">
+                          <a:solidFill>
+                            <a:schemeClr val="tx1"/>
+                          </a:solidFill>
+                          <a:prstDash val="solid"/>
+                          <a:round/>
+                          <a:headEnd type="none" w="med" len="med"/>
+                          <a:tailEnd type="none" w="med" len="med"/>
+                        </a:lnT>
+                        <a:lnB w="12700" cap="flat" cmpd="sng" algn="ctr">
+                          <a:solidFill>
+                            <a:schemeClr val="tx1"/>
+                          </a:solidFill>
+                          <a:prstDash val="solid"/>
+                          <a:round/>
+                          <a:headEnd type="none" w="med" len="med"/>
+                          <a:tailEnd type="none" w="med" len="med"/>
+                        </a:lnB>
+                      </a:tcPr>
+                    </a:tc>
+                    <a:extLst>
+                      <a:ext uri="{0D108BD9-81ED-4DB2-BD59-A6C34878D82A}">
+                        <a16:rowId xmlns:a16="http://schemas.microsoft.com/office/drawing/2014/main" val="2339486655"/>
+                      </a:ext>
+                    </a:extLst>
+                  </a:tr>
+                  <a:tr h="285771">
+                    <a:tc>
+                      <a:txBody>
+                        <a:bodyPr/>
+                        <a:lstStyle/>
+                        <a:p>
+                          <a:r>
+                            <a:rPr lang="it-IT" sz="1200" b="1" dirty="0">
+                              <a:solidFill>
+                                <a:sysClr val="windowText" lastClr="000000"/>
+                              </a:solidFill>
+                            </a:rPr>
+                            <a:t>SERVICE RATE </a:t>
+                          </a:r>
+                          <a:endParaRPr lang="it-IT" sz="1200" b="1" dirty="0">
+                            <a:solidFill>
+                              <a:sysClr val="windowText" lastClr="000000"/>
+                            </a:solidFill>
+                            <a:latin typeface="+mj-lt"/>
+                          </a:endParaRPr>
+                        </a:p>
+                      </a:txBody>
+                      <a:tcPr>
+                        <a:lnL w="12700" cap="flat" cmpd="sng" algn="ctr">
+                          <a:solidFill>
+                            <a:schemeClr val="tx1"/>
+                          </a:solidFill>
+                          <a:prstDash val="solid"/>
+                          <a:round/>
+                          <a:headEnd type="none" w="med" len="med"/>
+                          <a:tailEnd type="none" w="med" len="med"/>
+                        </a:lnL>
+                        <a:lnR w="12700" cap="flat" cmpd="sng" algn="ctr">
+                          <a:solidFill>
+                            <a:schemeClr val="tx1"/>
+                          </a:solidFill>
+                          <a:prstDash val="solid"/>
+                          <a:round/>
+                          <a:headEnd type="none" w="med" len="med"/>
+                          <a:tailEnd type="none" w="med" len="med"/>
+                        </a:lnR>
+                        <a:lnT w="12700" cap="flat" cmpd="sng" algn="ctr">
+                          <a:solidFill>
+                            <a:schemeClr val="tx1"/>
+                          </a:solidFill>
+                          <a:prstDash val="solid"/>
+                          <a:round/>
+                          <a:headEnd type="none" w="med" len="med"/>
+                          <a:tailEnd type="none" w="med" len="med"/>
+                        </a:lnT>
+                        <a:lnB w="12700" cap="flat" cmpd="sng" algn="ctr">
+                          <a:solidFill>
+                            <a:schemeClr val="tx1"/>
+                          </a:solidFill>
+                          <a:prstDash val="solid"/>
+                          <a:round/>
+                          <a:headEnd type="none" w="med" len="med"/>
+                          <a:tailEnd type="none" w="med" len="med"/>
+                        </a:lnB>
+                      </a:tcPr>
+                    </a:tc>
+                    <a:tc>
+                      <a:txBody>
+                        <a:bodyPr/>
+                        <a:lstStyle/>
+                        <a:p>
+                          <a:pPr marL="0" marR="0" lvl="0" indent="0" algn="l" defTabSz="914400" rtl="0" eaLnBrk="1" fontAlgn="auto" latinLnBrk="0" hangingPunct="1">
+                            <a:lnSpc>
+                              <a:spcPct val="100000"/>
+                            </a:lnSpc>
+                            <a:spcBef>
+                              <a:spcPts val="0"/>
+                            </a:spcBef>
+                            <a:spcAft>
+                              <a:spcPts val="0"/>
+                            </a:spcAft>
+                            <a:buClrTx/>
+                            <a:buSzTx/>
+                            <a:buFontTx/>
+                            <a:buNone/>
+                            <a:tabLst/>
+                            <a:defRPr/>
+                          </a:pPr>
+                          <a14:m>
+                            <m:oMath xmlns:m="http://schemas.openxmlformats.org/officeDocument/2006/math">
+                              <m:sSup>
+                                <m:sSupPr>
+                                  <m:ctrlPr>
+                                    <a:rPr lang="it-IT" sz="1200" i="1" kern="1200" dirty="0" smtClean="0">
+                                      <a:solidFill>
+                                        <a:sysClr val="windowText" lastClr="000000"/>
+                                      </a:solidFill>
+                                      <a:latin typeface="Cambria Math" panose="02040503050406030204" pitchFamily="18" charset="0"/>
+                                    </a:rPr>
+                                  </m:ctrlPr>
+                                </m:sSupPr>
+                                <m:e>
+                                  <m:r>
+                                    <a:rPr lang="it-IT" sz="1200" b="0" i="1" kern="1200" dirty="0" smtClean="0">
+                                      <a:solidFill>
+                                        <a:sysClr val="windowText" lastClr="000000"/>
+                                      </a:solidFill>
+                                      <a:latin typeface="Cambria Math" panose="02040503050406030204" pitchFamily="18" charset="0"/>
+                                    </a:rPr>
+                                    <m:t>10</m:t>
+                                  </m:r>
+                                </m:e>
+                                <m:sup>
+                                  <m:r>
+                                    <a:rPr lang="it-IT" sz="1200" b="0" i="1" kern="1200" dirty="0" smtClean="0">
+                                      <a:solidFill>
+                                        <a:sysClr val="windowText" lastClr="000000"/>
+                                      </a:solidFill>
+                                      <a:latin typeface="Cambria Math" panose="02040503050406030204" pitchFamily="18" charset="0"/>
+                                    </a:rPr>
+                                    <m:t>5</m:t>
+                                  </m:r>
+                                </m:sup>
+                              </m:sSup>
+                            </m:oMath>
+                          </a14:m>
+                          <a:r>
+                            <a:rPr lang="it-IT" sz="1200" kern="1200" dirty="0">
+                              <a:solidFill>
+                                <a:sysClr val="windowText" lastClr="000000"/>
+                              </a:solidFill>
+                            </a:rPr>
+                            <a:t> instructions/</a:t>
+                          </a:r>
+                          <a:r>
+                            <a:rPr lang="it-IT" sz="1200" kern="1200" dirty="0" err="1">
+                              <a:solidFill>
+                                <a:sysClr val="windowText" lastClr="000000"/>
+                              </a:solidFill>
+                            </a:rPr>
+                            <a:t>s</a:t>
+                          </a:r>
+                          <a:endParaRPr lang="it-IT" sz="1200" kern="1200" dirty="0">
+                            <a:solidFill>
+                              <a:sysClr val="windowText" lastClr="000000"/>
+                            </a:solidFill>
+                            <a:latin typeface="+mj-lt"/>
+                            <a:ea typeface="+mn-ea"/>
+                            <a:cs typeface="+mn-cs"/>
+                          </a:endParaRPr>
+                        </a:p>
+                      </a:txBody>
+                      <a:tcPr>
+                        <a:lnL w="12700" cap="flat" cmpd="sng" algn="ctr">
+                          <a:solidFill>
+                            <a:schemeClr val="tx1"/>
+                          </a:solidFill>
+                          <a:prstDash val="solid"/>
+                          <a:round/>
+                          <a:headEnd type="none" w="med" len="med"/>
+                          <a:tailEnd type="none" w="med" len="med"/>
+                        </a:lnL>
+                        <a:lnR w="12700" cap="flat" cmpd="sng" algn="ctr">
+                          <a:solidFill>
+                            <a:schemeClr val="tx1"/>
+                          </a:solidFill>
+                          <a:prstDash val="solid"/>
+                          <a:round/>
+                          <a:headEnd type="none" w="med" len="med"/>
+                          <a:tailEnd type="none" w="med" len="med"/>
+                        </a:lnR>
+                        <a:lnT w="12700" cap="flat" cmpd="sng" algn="ctr">
+                          <a:solidFill>
+                            <a:schemeClr val="tx1"/>
+                          </a:solidFill>
+                          <a:prstDash val="solid"/>
+                          <a:round/>
+                          <a:headEnd type="none" w="med" len="med"/>
+                          <a:tailEnd type="none" w="med" len="med"/>
+                        </a:lnT>
+                        <a:lnB w="12700" cap="flat" cmpd="sng" algn="ctr">
+                          <a:solidFill>
+                            <a:schemeClr val="tx1"/>
+                          </a:solidFill>
+                          <a:prstDash val="solid"/>
+                          <a:round/>
+                          <a:headEnd type="none" w="med" len="med"/>
+                          <a:tailEnd type="none" w="med" len="med"/>
+                        </a:lnB>
+                      </a:tcPr>
+                    </a:tc>
+                    <a:extLst>
+                      <a:ext uri="{0D108BD9-81ED-4DB2-BD59-A6C34878D82A}">
+                        <a16:rowId xmlns:a16="http://schemas.microsoft.com/office/drawing/2014/main" val="1143669215"/>
+                      </a:ext>
+                    </a:extLst>
+                  </a:tr>
+                  <a:tr h="493604">
+                    <a:tc>
+                      <a:txBody>
+                        <a:bodyPr/>
+                        <a:lstStyle/>
+                        <a:p>
+                          <a:r>
+                            <a:rPr lang="it-IT" sz="1200" b="1" dirty="0">
+                              <a:solidFill>
+                                <a:sysClr val="windowText" lastClr="000000"/>
+                              </a:solidFill>
+                            </a:rPr>
+                            <a:t>UNIFORM</a:t>
+                          </a:r>
+                          <a:endParaRPr lang="it-IT" sz="1200" b="1" dirty="0">
+                            <a:solidFill>
+                              <a:sysClr val="windowText" lastClr="000000"/>
+                            </a:solidFill>
+                            <a:latin typeface="+mj-lt"/>
+                          </a:endParaRPr>
+                        </a:p>
+                      </a:txBody>
+                      <a:tcPr>
+                        <a:lnL w="12700" cap="flat" cmpd="sng" algn="ctr">
+                          <a:solidFill>
+                            <a:schemeClr val="tx1"/>
+                          </a:solidFill>
+                          <a:prstDash val="solid"/>
+                          <a:round/>
+                          <a:headEnd type="none" w="med" len="med"/>
+                          <a:tailEnd type="none" w="med" len="med"/>
+                        </a:lnL>
+                        <a:lnR w="12700" cap="flat" cmpd="sng" algn="ctr">
+                          <a:solidFill>
+                            <a:schemeClr val="tx1"/>
+                          </a:solidFill>
+                          <a:prstDash val="solid"/>
+                          <a:round/>
+                          <a:headEnd type="none" w="med" len="med"/>
+                          <a:tailEnd type="none" w="med" len="med"/>
+                        </a:lnR>
+                        <a:lnT w="12700" cap="flat" cmpd="sng" algn="ctr">
+                          <a:solidFill>
+                            <a:schemeClr val="tx1"/>
+                          </a:solidFill>
+                          <a:prstDash val="solid"/>
+                          <a:round/>
+                          <a:headEnd type="none" w="med" len="med"/>
+                          <a:tailEnd type="none" w="med" len="med"/>
+                        </a:lnT>
+                        <a:lnB w="12700" cap="flat" cmpd="sng" algn="ctr">
+                          <a:solidFill>
+                            <a:schemeClr val="tx1"/>
+                          </a:solidFill>
+                          <a:prstDash val="solid"/>
+                          <a:round/>
+                          <a:headEnd type="none" w="med" len="med"/>
+                          <a:tailEnd type="none" w="med" len="med"/>
+                        </a:lnB>
+                      </a:tcPr>
+                    </a:tc>
+                    <a:tc>
+                      <a:txBody>
+                        <a:bodyPr/>
+                        <a:lstStyle/>
+                        <a:p>
+                          <a:pPr marL="285750" indent="-285750">
+                            <a:buFont typeface="Wingdings" pitchFamily="2" charset="2"/>
+                            <a:buChar char="§"/>
+                          </a:pPr>
+                          <a:r>
+                            <a:rPr kumimoji="0" lang="it-IT" altLang="it-IT" sz="1200" b="0" u="none" strike="noStrike" kern="1200" cap="none" normalizeH="0" baseline="0" dirty="0" err="1">
+                              <a:ln>
+                                <a:noFill/>
+                              </a:ln>
+                              <a:solidFill>
+                                <a:sysClr val="windowText" lastClr="000000"/>
+                              </a:solidFill>
+                              <a:effectLst/>
+                            </a:rPr>
+                            <a:t>x∼U</a:t>
+                          </a:r>
+                          <a:r>
+                            <a:rPr kumimoji="0" lang="it-IT" altLang="it-IT" sz="1200" b="0" u="none" strike="noStrike" kern="1200" cap="none" normalizeH="0" baseline="0" dirty="0">
+                              <a:ln>
+                                <a:noFill/>
+                              </a:ln>
+                              <a:solidFill>
+                                <a:sysClr val="windowText" lastClr="000000"/>
+                              </a:solidFill>
+                              <a:effectLst/>
+                            </a:rPr>
+                            <a:t>(0, </a:t>
+                          </a:r>
+                          <a:r>
+                            <a:rPr kumimoji="0" lang="it-IT" altLang="it-IT" sz="1200" b="0" u="none" strike="noStrike" kern="1200" cap="none" normalizeH="0" baseline="0" dirty="0" err="1">
+                              <a:ln>
+                                <a:noFill/>
+                              </a:ln>
+                              <a:solidFill>
+                                <a:sysClr val="windowText" lastClr="000000"/>
+                              </a:solidFill>
+                              <a:effectLst/>
+                            </a:rPr>
+                            <a:t>Width</a:t>
+                          </a:r>
+                          <a:r>
+                            <a:rPr kumimoji="0" lang="it-IT" altLang="it-IT" sz="1200" b="0" u="none" strike="noStrike" kern="1200" cap="none" normalizeH="0" baseline="0" dirty="0">
+                              <a:ln>
+                                <a:noFill/>
+                              </a:ln>
+                              <a:solidFill>
+                                <a:sysClr val="windowText" lastClr="000000"/>
+                              </a:solidFill>
+                              <a:effectLst/>
+                            </a:rPr>
+                            <a:t>)</a:t>
+                          </a:r>
+                        </a:p>
+                        <a:p>
+                          <a:pPr marL="285750" indent="-285750">
+                            <a:buFont typeface="Wingdings" pitchFamily="2" charset="2"/>
+                            <a:buChar char="§"/>
+                          </a:pPr>
+                          <a:r>
+                            <a:rPr kumimoji="0" lang="it-IT" altLang="it-IT" sz="1200" b="0" u="none" strike="noStrike" kern="1200" cap="none" normalizeH="0" baseline="0" dirty="0" err="1">
+                              <a:ln>
+                                <a:noFill/>
+                              </a:ln>
+                              <a:solidFill>
+                                <a:sysClr val="windowText" lastClr="000000"/>
+                              </a:solidFill>
+                              <a:effectLst/>
+                            </a:rPr>
+                            <a:t>y∼U</a:t>
+                          </a:r>
+                          <a:r>
+                            <a:rPr kumimoji="0" lang="it-IT" altLang="it-IT" sz="1200" b="0" u="none" strike="noStrike" kern="1200" cap="none" normalizeH="0" baseline="0" dirty="0">
+                              <a:ln>
+                                <a:noFill/>
+                              </a:ln>
+                              <a:solidFill>
+                                <a:sysClr val="windowText" lastClr="000000"/>
+                              </a:solidFill>
+                              <a:effectLst/>
+                            </a:rPr>
+                            <a:t>(0, </a:t>
+                          </a:r>
+                          <a:r>
+                            <a:rPr kumimoji="0" lang="it-IT" altLang="it-IT" sz="1200" b="0" u="none" strike="noStrike" kern="1200" cap="none" normalizeH="0" baseline="0" dirty="0" err="1">
+                              <a:ln>
+                                <a:noFill/>
+                              </a:ln>
+                              <a:solidFill>
+                                <a:sysClr val="windowText" lastClr="000000"/>
+                              </a:solidFill>
+                              <a:effectLst/>
+                            </a:rPr>
+                            <a:t>Height</a:t>
+                          </a:r>
+                          <a:r>
+                            <a:rPr kumimoji="0" lang="it-IT" altLang="it-IT" sz="1200" b="0" u="none" strike="noStrike" kern="1200" cap="none" normalizeH="0" baseline="0" dirty="0">
+                              <a:ln>
+                                <a:noFill/>
+                              </a:ln>
+                              <a:solidFill>
+                                <a:sysClr val="windowText" lastClr="000000"/>
+                              </a:solidFill>
+                              <a:effectLst/>
+                            </a:rPr>
+                            <a:t>)</a:t>
+                          </a:r>
+                          <a:endParaRPr kumimoji="0" lang="it-IT" altLang="it-IT" sz="1200" b="0" i="0" u="none" strike="noStrike" kern="1200" cap="none" normalizeH="0" baseline="0" dirty="0">
+                            <a:ln>
+                              <a:noFill/>
+                            </a:ln>
+                            <a:solidFill>
+                              <a:sysClr val="windowText" lastClr="000000"/>
+                            </a:solidFill>
+                            <a:effectLst/>
+                            <a:latin typeface="+mj-lt"/>
+                            <a:ea typeface="+mn-ea"/>
+                            <a:cs typeface="+mn-cs"/>
+                          </a:endParaRPr>
+                        </a:p>
+                      </a:txBody>
+                      <a:tcPr>
+                        <a:lnL w="12700" cap="flat" cmpd="sng" algn="ctr">
+                          <a:solidFill>
+                            <a:schemeClr val="tx1"/>
+                          </a:solidFill>
+                          <a:prstDash val="solid"/>
+                          <a:round/>
+                          <a:headEnd type="none" w="med" len="med"/>
+                          <a:tailEnd type="none" w="med" len="med"/>
+                        </a:lnL>
+                        <a:lnR w="12700" cap="flat" cmpd="sng" algn="ctr">
+                          <a:solidFill>
+                            <a:schemeClr val="tx1"/>
+                          </a:solidFill>
+                          <a:prstDash val="solid"/>
+                          <a:round/>
+                          <a:headEnd type="none" w="med" len="med"/>
+                          <a:tailEnd type="none" w="med" len="med"/>
+                        </a:lnR>
+                        <a:lnT w="12700" cap="flat" cmpd="sng" algn="ctr">
+                          <a:solidFill>
+                            <a:schemeClr val="tx1"/>
+                          </a:solidFill>
+                          <a:prstDash val="solid"/>
+                          <a:round/>
+                          <a:headEnd type="none" w="med" len="med"/>
+                          <a:tailEnd type="none" w="med" len="med"/>
+                        </a:lnT>
+                        <a:lnB w="12700" cap="flat" cmpd="sng" algn="ctr">
+                          <a:solidFill>
+                            <a:schemeClr val="tx1"/>
+                          </a:solidFill>
+                          <a:prstDash val="solid"/>
+                          <a:round/>
+                          <a:headEnd type="none" w="med" len="med"/>
+                          <a:tailEnd type="none" w="med" len="med"/>
+                        </a:lnB>
+                      </a:tcPr>
+                    </a:tc>
+                    <a:extLst>
+                      <a:ext uri="{0D108BD9-81ED-4DB2-BD59-A6C34878D82A}">
+                        <a16:rowId xmlns:a16="http://schemas.microsoft.com/office/drawing/2014/main" val="2878744497"/>
+                      </a:ext>
+                    </a:extLst>
+                  </a:tr>
+                  <a:tr h="493604">
+                    <a:tc>
+                      <a:txBody>
+                        <a:bodyPr/>
+                        <a:lstStyle/>
+                        <a:p>
+                          <a:r>
+                            <a:rPr lang="it-IT" sz="1200" b="1" dirty="0">
+                              <a:solidFill>
+                                <a:sysClr val="windowText" lastClr="000000"/>
+                              </a:solidFill>
+                            </a:rPr>
+                            <a:t>LOGNORMAL</a:t>
+                          </a:r>
+                          <a:endParaRPr lang="it-IT" sz="1200" b="1" dirty="0">
+                            <a:solidFill>
+                              <a:sysClr val="windowText" lastClr="000000"/>
+                            </a:solidFill>
+                            <a:latin typeface="+mj-lt"/>
+                          </a:endParaRPr>
+                        </a:p>
+                      </a:txBody>
+                      <a:tcPr>
+                        <a:lnL w="12700" cap="flat" cmpd="sng" algn="ctr">
+                          <a:solidFill>
+                            <a:schemeClr val="tx1"/>
+                          </a:solidFill>
+                          <a:prstDash val="solid"/>
+                          <a:round/>
+                          <a:headEnd type="none" w="med" len="med"/>
+                          <a:tailEnd type="none" w="med" len="med"/>
+                        </a:lnL>
+                        <a:lnR w="12700" cap="flat" cmpd="sng" algn="ctr">
+                          <a:solidFill>
+                            <a:schemeClr val="tx1"/>
+                          </a:solidFill>
+                          <a:prstDash val="solid"/>
+                          <a:round/>
+                          <a:headEnd type="none" w="med" len="med"/>
+                          <a:tailEnd type="none" w="med" len="med"/>
+                        </a:lnR>
+                        <a:lnT w="12700" cap="flat" cmpd="sng" algn="ctr">
+                          <a:solidFill>
+                            <a:schemeClr val="tx1"/>
+                          </a:solidFill>
+                          <a:prstDash val="solid"/>
+                          <a:round/>
+                          <a:headEnd type="none" w="med" len="med"/>
+                          <a:tailEnd type="none" w="med" len="med"/>
+                        </a:lnT>
+                        <a:lnB w="12700" cap="flat" cmpd="sng" algn="ctr">
+                          <a:solidFill>
+                            <a:schemeClr val="tx1"/>
+                          </a:solidFill>
+                          <a:prstDash val="solid"/>
+                          <a:round/>
+                          <a:headEnd type="none" w="med" len="med"/>
+                          <a:tailEnd type="none" w="med" len="med"/>
+                        </a:lnB>
+                      </a:tcPr>
+                    </a:tc>
+                    <a:tc>
+                      <a:txBody>
+                        <a:bodyPr/>
+                        <a:lstStyle/>
+                        <a:p>
+                          <a:pPr marL="29718" lvl="0" indent="-285750">
+                            <a:buFont typeface="Wingdings" pitchFamily="2" charset="2"/>
+                            <a:buChar char="§"/>
+                          </a:pPr>
+                          <a:r>
+                            <a:rPr lang="it-IT" sz="1200" kern="1200" dirty="0">
+                              <a:solidFill>
+                                <a:sysClr val="windowText" lastClr="000000"/>
+                              </a:solidFill>
+                            </a:rPr>
+                            <a:t>x∼Lognormal(</a:t>
+                          </a:r>
+                          <a:r>
+                            <a:rPr lang="el-GR" sz="1200" kern="1200" dirty="0">
+                              <a:solidFill>
+                                <a:sysClr val="windowText" lastClr="000000"/>
+                              </a:solidFill>
+                            </a:rPr>
+                            <a:t>μ=</a:t>
+                          </a:r>
+                          <a:r>
+                            <a:rPr lang="it-IT" sz="1200" kern="1200" dirty="0">
+                              <a:solidFill>
+                                <a:sysClr val="windowText" lastClr="000000"/>
+                              </a:solidFill>
+                            </a:rPr>
+                            <a:t>ln(</a:t>
+                          </a:r>
+                          <a:r>
+                            <a:rPr kumimoji="0" lang="it-IT" altLang="it-IT" sz="1200" b="0" u="none" strike="noStrike" kern="1200" cap="none" normalizeH="0" baseline="0" dirty="0" err="1">
+                              <a:ln>
+                                <a:noFill/>
+                              </a:ln>
+                              <a:solidFill>
+                                <a:sysClr val="windowText" lastClr="000000"/>
+                              </a:solidFill>
+                              <a:effectLst/>
+                            </a:rPr>
+                            <a:t>Width</a:t>
+                          </a:r>
+                          <a:r>
+                            <a:rPr kumimoji="0" lang="it-IT" altLang="it-IT" sz="1200" b="0" u="none" strike="noStrike" kern="1200" cap="none" normalizeH="0" baseline="0" dirty="0">
+                              <a:ln>
+                                <a:noFill/>
+                              </a:ln>
+                              <a:solidFill>
+                                <a:sysClr val="windowText" lastClr="000000"/>
+                              </a:solidFill>
+                              <a:effectLst/>
+                            </a:rPr>
+                            <a:t> </a:t>
+                          </a:r>
+                          <a:r>
+                            <a:rPr lang="it-IT" sz="1200" kern="1200" dirty="0">
+                              <a:solidFill>
+                                <a:sysClr val="windowText" lastClr="000000"/>
+                              </a:solidFill>
+                            </a:rPr>
+                            <a:t>/2),</a:t>
+                          </a:r>
+                          <a:r>
+                            <a:rPr kumimoji="0" lang="it-IT" altLang="it-IT" sz="1200" b="0" u="none" strike="noStrike" kern="1200" cap="none" normalizeH="0" baseline="0" dirty="0">
+                              <a:ln>
+                                <a:noFill/>
+                              </a:ln>
+                              <a:solidFill>
+                                <a:sysClr val="windowText" lastClr="000000"/>
+                              </a:solidFill>
+                              <a:effectLst/>
+                            </a:rPr>
+                            <a:t> </a:t>
+                          </a:r>
+                          <a14:m>
+                            <m:oMath xmlns:m="http://schemas.openxmlformats.org/officeDocument/2006/math">
+                              <m:sSup>
+                                <m:sSupPr>
+                                  <m:ctrlPr>
+                                    <a:rPr kumimoji="0" lang="it-IT" altLang="it-IT" sz="1200" b="0" i="1" u="none" strike="noStrike" kern="1200" cap="none" normalizeH="0" baseline="0" smtClean="0">
+                                      <a:ln>
+                                        <a:noFill/>
+                                      </a:ln>
+                                      <a:solidFill>
+                                        <a:sysClr val="windowText" lastClr="000000"/>
+                                      </a:solidFill>
+                                      <a:effectLst/>
+                                      <a:latin typeface="Cambria Math" panose="02040503050406030204" pitchFamily="18" charset="0"/>
+                                    </a:rPr>
+                                  </m:ctrlPr>
+                                </m:sSupPr>
+                                <m:e>
+                                  <m:r>
+                                    <m:rPr>
+                                      <m:nor/>
+                                    </m:rPr>
+                                    <a:rPr kumimoji="0" lang="el-GR" altLang="it-IT" sz="1200" b="0" u="none" strike="noStrike" kern="1200" cap="none" normalizeH="0" baseline="0" dirty="0" smtClean="0">
+                                      <a:ln>
+                                        <a:noFill/>
+                                      </a:ln>
+                                      <a:solidFill>
+                                        <a:sysClr val="windowText" lastClr="000000"/>
+                                      </a:solidFill>
+                                      <a:effectLst/>
+                                    </a:rPr>
+                                    <m:t>σ</m:t>
+                                  </m:r>
+                                </m:e>
+                                <m:sup>
+                                  <m:r>
+                                    <a:rPr kumimoji="0" lang="it-IT" altLang="it-IT" sz="1200" b="0" i="1" u="none" strike="noStrike" kern="1200" cap="none" normalizeH="0" baseline="0" smtClean="0">
+                                      <a:ln>
+                                        <a:noFill/>
+                                      </a:ln>
+                                      <a:solidFill>
+                                        <a:sysClr val="windowText" lastClr="000000"/>
+                                      </a:solidFill>
+                                      <a:effectLst/>
+                                      <a:latin typeface="Cambria Math" panose="02040503050406030204" pitchFamily="18" charset="0"/>
+                                    </a:rPr>
+                                    <m:t>2</m:t>
+                                  </m:r>
+                                </m:sup>
+                              </m:sSup>
+                            </m:oMath>
+                          </a14:m>
+                          <a:r>
+                            <a:rPr lang="el-GR" sz="1200" kern="1200" dirty="0">
+                              <a:solidFill>
+                                <a:sysClr val="windowText" lastClr="000000"/>
+                              </a:solidFill>
+                            </a:rPr>
+                            <a:t>=0.4)</a:t>
+                          </a:r>
+                          <a:endParaRPr lang="it-IT" sz="1200" kern="1200" dirty="0">
+                            <a:solidFill>
+                              <a:sysClr val="windowText" lastClr="000000"/>
+                            </a:solidFill>
+                          </a:endParaRPr>
+                        </a:p>
+                        <a:p>
+                          <a:pPr marL="29718" lvl="0" indent="-285750">
+                            <a:buFont typeface="Wingdings" pitchFamily="2" charset="2"/>
+                            <a:buChar char="§"/>
+                          </a:pPr>
+                          <a:r>
+                            <a:rPr kumimoji="0" lang="it-IT" altLang="it-IT" sz="1200" b="0" u="none" strike="noStrike" kern="1200" cap="none" normalizeH="0" baseline="0" dirty="0" err="1">
+                              <a:ln>
+                                <a:noFill/>
+                              </a:ln>
+                              <a:solidFill>
+                                <a:sysClr val="windowText" lastClr="000000"/>
+                              </a:solidFill>
+                              <a:effectLst/>
+                            </a:rPr>
+                            <a:t>y∼Lognormal</a:t>
+                          </a:r>
+                          <a:r>
+                            <a:rPr kumimoji="0" lang="it-IT" altLang="it-IT" sz="1200" b="0" u="none" strike="noStrike" kern="1200" cap="none" normalizeH="0" baseline="0" dirty="0">
+                              <a:ln>
+                                <a:noFill/>
+                              </a:ln>
+                              <a:solidFill>
+                                <a:sysClr val="windowText" lastClr="000000"/>
+                              </a:solidFill>
+                              <a:effectLst/>
+                            </a:rPr>
+                            <a:t>(</a:t>
+                          </a:r>
+                          <a:r>
+                            <a:rPr kumimoji="0" lang="el-GR" altLang="it-IT" sz="1200" b="0" u="none" strike="noStrike" kern="1200" cap="none" normalizeH="0" baseline="0" dirty="0">
+                              <a:ln>
+                                <a:noFill/>
+                              </a:ln>
+                              <a:solidFill>
+                                <a:sysClr val="windowText" lastClr="000000"/>
+                              </a:solidFill>
+                              <a:effectLst/>
+                            </a:rPr>
+                            <a:t>μ=</a:t>
+                          </a:r>
+                          <a:r>
+                            <a:rPr kumimoji="0" lang="it-IT" altLang="it-IT" sz="1200" b="0" u="none" strike="noStrike" kern="1200" cap="none" normalizeH="0" baseline="0" dirty="0">
+                              <a:ln>
+                                <a:noFill/>
+                              </a:ln>
+                              <a:solidFill>
+                                <a:sysClr val="windowText" lastClr="000000"/>
+                              </a:solidFill>
+                              <a:effectLst/>
+                            </a:rPr>
+                            <a:t>ln(</a:t>
+                          </a:r>
+                          <a:r>
+                            <a:rPr kumimoji="0" lang="it-IT" altLang="it-IT" sz="1200" b="0" u="none" strike="noStrike" kern="1200" cap="none" normalizeH="0" baseline="0" dirty="0" err="1">
+                              <a:ln>
+                                <a:noFill/>
+                              </a:ln>
+                              <a:solidFill>
+                                <a:sysClr val="windowText" lastClr="000000"/>
+                              </a:solidFill>
+                              <a:effectLst/>
+                            </a:rPr>
+                            <a:t>Height</a:t>
+                          </a:r>
+                          <a:r>
+                            <a:rPr kumimoji="0" lang="it-IT" altLang="it-IT" sz="1200" b="0" u="none" strike="noStrike" kern="1200" cap="none" normalizeH="0" baseline="0" dirty="0">
+                              <a:ln>
+                                <a:noFill/>
+                              </a:ln>
+                              <a:solidFill>
+                                <a:sysClr val="windowText" lastClr="000000"/>
+                              </a:solidFill>
+                              <a:effectLst/>
+                            </a:rPr>
+                            <a:t> /2),</a:t>
+                          </a:r>
+                          <a14:m>
+                            <m:oMath xmlns:m="http://schemas.openxmlformats.org/officeDocument/2006/math">
+                              <m:sSup>
+                                <m:sSupPr>
+                                  <m:ctrlPr>
+                                    <a:rPr kumimoji="0" lang="it-IT" altLang="it-IT" sz="1200" b="0" i="1" u="none" strike="noStrike" kern="1200" cap="none" normalizeH="0" baseline="0" smtClean="0">
+                                      <a:ln>
+                                        <a:noFill/>
+                                      </a:ln>
+                                      <a:solidFill>
+                                        <a:sysClr val="windowText" lastClr="000000"/>
+                                      </a:solidFill>
+                                      <a:effectLst/>
+                                      <a:latin typeface="Cambria Math" panose="02040503050406030204" pitchFamily="18" charset="0"/>
+                                    </a:rPr>
+                                  </m:ctrlPr>
+                                </m:sSupPr>
+                                <m:e>
+                                  <m:r>
+                                    <m:rPr>
+                                      <m:nor/>
+                                    </m:rPr>
+                                    <a:rPr kumimoji="0" lang="el-GR" altLang="it-IT" sz="1200" b="0" u="none" strike="noStrike" kern="1200" cap="none" normalizeH="0" baseline="0" dirty="0" smtClean="0">
+                                      <a:ln>
+                                        <a:noFill/>
+                                      </a:ln>
+                                      <a:solidFill>
+                                        <a:sysClr val="windowText" lastClr="000000"/>
+                                      </a:solidFill>
+                                      <a:effectLst/>
+                                    </a:rPr>
+                                    <m:t>σ</m:t>
+                                  </m:r>
+                                </m:e>
+                                <m:sup>
+                                  <m:r>
+                                    <a:rPr kumimoji="0" lang="it-IT" altLang="it-IT" sz="1200" b="0" i="1" u="none" strike="noStrike" kern="1200" cap="none" normalizeH="0" baseline="0" smtClean="0">
+                                      <a:ln>
+                                        <a:noFill/>
+                                      </a:ln>
+                                      <a:solidFill>
+                                        <a:sysClr val="windowText" lastClr="000000"/>
+                                      </a:solidFill>
+                                      <a:effectLst/>
+                                      <a:latin typeface="Cambria Math" panose="02040503050406030204" pitchFamily="18" charset="0"/>
+                                    </a:rPr>
+                                    <m:t>2</m:t>
+                                  </m:r>
+                                </m:sup>
+                              </m:sSup>
+                            </m:oMath>
+                          </a14:m>
+                          <a:r>
+                            <a:rPr kumimoji="0" lang="el-GR" altLang="it-IT" sz="1200" b="0" u="none" strike="noStrike" kern="1200" cap="none" normalizeH="0" baseline="0" dirty="0">
+                              <a:ln>
+                                <a:noFill/>
+                              </a:ln>
+                              <a:solidFill>
+                                <a:sysClr val="windowText" lastClr="000000"/>
+                              </a:solidFill>
+                              <a:effectLst/>
+                            </a:rPr>
+                            <a:t>=0.4)</a:t>
+                          </a:r>
+                          <a:endParaRPr kumimoji="0" lang="it-IT" altLang="it-IT" sz="1200" b="0" i="0" u="none" strike="noStrike" kern="1200" cap="none" normalizeH="0" baseline="0" dirty="0">
+                            <a:ln>
+                              <a:noFill/>
+                            </a:ln>
+                            <a:solidFill>
+                              <a:sysClr val="windowText" lastClr="000000"/>
+                            </a:solidFill>
+                            <a:effectLst/>
+                            <a:latin typeface="+mj-lt"/>
+                            <a:ea typeface="Calibri" panose="020F0502020204030204" pitchFamily="34" charset="0"/>
+                            <a:cs typeface="Calibri" panose="020F0502020204030204" pitchFamily="34" charset="0"/>
+                          </a:endParaRPr>
+                        </a:p>
+                      </a:txBody>
+                      <a:tcPr>
+                        <a:lnL w="12700" cap="flat" cmpd="sng" algn="ctr">
+                          <a:solidFill>
+                            <a:schemeClr val="tx1"/>
+                          </a:solidFill>
+                          <a:prstDash val="solid"/>
+                          <a:round/>
+                          <a:headEnd type="none" w="med" len="med"/>
+                          <a:tailEnd type="none" w="med" len="med"/>
+                        </a:lnL>
+                        <a:lnR w="12700" cap="flat" cmpd="sng" algn="ctr">
+                          <a:solidFill>
+                            <a:schemeClr val="tx1"/>
+                          </a:solidFill>
+                          <a:prstDash val="solid"/>
+                          <a:round/>
+                          <a:headEnd type="none" w="med" len="med"/>
+                          <a:tailEnd type="none" w="med" len="med"/>
+                        </a:lnR>
+                        <a:lnT w="12700" cap="flat" cmpd="sng" algn="ctr">
+                          <a:solidFill>
+                            <a:schemeClr val="tx1"/>
+                          </a:solidFill>
+                          <a:prstDash val="solid"/>
+                          <a:round/>
+                          <a:headEnd type="none" w="med" len="med"/>
+                          <a:tailEnd type="none" w="med" len="med"/>
+                        </a:lnT>
+                        <a:lnB w="12700" cap="flat" cmpd="sng" algn="ctr">
+                          <a:solidFill>
+                            <a:schemeClr val="tx1"/>
+                          </a:solidFill>
+                          <a:prstDash val="solid"/>
+                          <a:round/>
+                          <a:headEnd type="none" w="med" len="med"/>
+                          <a:tailEnd type="none" w="med" len="med"/>
+                        </a:lnB>
+                      </a:tcPr>
+                    </a:tc>
+                    <a:extLst>
+                      <a:ext uri="{0D108BD9-81ED-4DB2-BD59-A6C34878D82A}">
+                        <a16:rowId xmlns:a16="http://schemas.microsoft.com/office/drawing/2014/main" val="3565715207"/>
+                      </a:ext>
+                    </a:extLst>
+                  </a:tr>
+                  <a:tr h="285771">
+                    <a:tc>
+                      <a:txBody>
+                        <a:bodyPr/>
+                        <a:lstStyle/>
+                        <a:p>
+                          <a:r>
+                            <a:rPr lang="it-IT" sz="1200" b="1" dirty="0">
+                              <a:solidFill>
+                                <a:sysClr val="windowText" lastClr="000000"/>
+                              </a:solidFill>
+                            </a:rPr>
+                            <a:t>NUMBER OF USERS </a:t>
+                          </a:r>
+                          <a:endParaRPr lang="it-IT" sz="1200" b="1" dirty="0">
+                            <a:solidFill>
+                              <a:sysClr val="windowText" lastClr="000000"/>
+                            </a:solidFill>
+                            <a:latin typeface="+mj-lt"/>
+                          </a:endParaRPr>
+                        </a:p>
+                      </a:txBody>
+                      <a:tcPr>
+                        <a:lnL w="12700" cap="flat" cmpd="sng" algn="ctr">
+                          <a:solidFill>
+                            <a:schemeClr val="tx1"/>
+                          </a:solidFill>
+                          <a:prstDash val="solid"/>
+                          <a:round/>
+                          <a:headEnd type="none" w="med" len="med"/>
+                          <a:tailEnd type="none" w="med" len="med"/>
+                        </a:lnL>
+                        <a:lnR w="12700" cap="flat" cmpd="sng" algn="ctr">
+                          <a:solidFill>
+                            <a:schemeClr val="tx1"/>
+                          </a:solidFill>
+                          <a:prstDash val="solid"/>
+                          <a:round/>
+                          <a:headEnd type="none" w="med" len="med"/>
+                          <a:tailEnd type="none" w="med" len="med"/>
+                        </a:lnR>
+                        <a:lnT w="12700" cap="flat" cmpd="sng" algn="ctr">
+                          <a:solidFill>
+                            <a:schemeClr val="tx1"/>
+                          </a:solidFill>
+                          <a:prstDash val="solid"/>
+                          <a:round/>
+                          <a:headEnd type="none" w="med" len="med"/>
+                          <a:tailEnd type="none" w="med" len="med"/>
+                        </a:lnT>
+                        <a:lnB w="12700" cap="flat" cmpd="sng" algn="ctr">
+                          <a:solidFill>
+                            <a:schemeClr val="tx1"/>
+                          </a:solidFill>
+                          <a:prstDash val="solid"/>
+                          <a:round/>
+                          <a:headEnd type="none" w="med" len="med"/>
+                          <a:tailEnd type="none" w="med" len="med"/>
+                        </a:lnB>
+                      </a:tcPr>
+                    </a:tc>
+                    <a:tc>
+                      <a:txBody>
+                        <a:bodyPr/>
+                        <a:lstStyle/>
+                        <a:p>
+                          <a:pPr marL="0" marR="0" lvl="0" indent="0" algn="l" defTabSz="914400" rtl="0" eaLnBrk="1" fontAlgn="auto" latinLnBrk="0" hangingPunct="1">
+                            <a:lnSpc>
+                              <a:spcPct val="100000"/>
+                            </a:lnSpc>
+                            <a:spcBef>
+                              <a:spcPts val="0"/>
+                            </a:spcBef>
+                            <a:spcAft>
+                              <a:spcPts val="0"/>
+                            </a:spcAft>
+                            <a:buClrTx/>
+                            <a:buSzTx/>
+                            <a:buFontTx/>
+                            <a:buNone/>
+                            <a:tabLst/>
+                            <a:defRPr/>
+                          </a:pPr>
+                          <a:r>
+                            <a:rPr lang="it-IT" sz="1200" kern="1200" dirty="0">
+                              <a:solidFill>
+                                <a:sysClr val="windowText" lastClr="000000"/>
+                              </a:solidFill>
+                            </a:rPr>
+                            <a:t>[100, 200, 300, 400, 500]</a:t>
+                          </a:r>
+                          <a:endParaRPr lang="it-IT" sz="1200" kern="1200" dirty="0">
+                            <a:solidFill>
+                              <a:sysClr val="windowText" lastClr="000000"/>
+                            </a:solidFill>
+                            <a:latin typeface="+mj-lt"/>
+                            <a:ea typeface="+mn-ea"/>
+                            <a:cs typeface="+mn-cs"/>
+                          </a:endParaRPr>
+                        </a:p>
+                      </a:txBody>
+                      <a:tcPr>
+                        <a:lnL w="12700" cap="flat" cmpd="sng" algn="ctr">
+                          <a:solidFill>
+                            <a:schemeClr val="tx1"/>
+                          </a:solidFill>
+                          <a:prstDash val="solid"/>
+                          <a:round/>
+                          <a:headEnd type="none" w="med" len="med"/>
+                          <a:tailEnd type="none" w="med" len="med"/>
+                        </a:lnL>
+                        <a:lnR w="12700" cap="flat" cmpd="sng" algn="ctr">
+                          <a:solidFill>
+                            <a:schemeClr val="tx1"/>
+                          </a:solidFill>
+                          <a:prstDash val="solid"/>
+                          <a:round/>
+                          <a:headEnd type="none" w="med" len="med"/>
+                          <a:tailEnd type="none" w="med" len="med"/>
+                        </a:lnR>
+                        <a:lnT w="12700" cap="flat" cmpd="sng" algn="ctr">
+                          <a:solidFill>
+                            <a:schemeClr val="tx1"/>
+                          </a:solidFill>
+                          <a:prstDash val="solid"/>
+                          <a:round/>
+                          <a:headEnd type="none" w="med" len="med"/>
+                          <a:tailEnd type="none" w="med" len="med"/>
+                        </a:lnT>
+                        <a:lnB w="12700" cap="flat" cmpd="sng" algn="ctr">
+                          <a:solidFill>
+                            <a:schemeClr val="tx1"/>
+                          </a:solidFill>
+                          <a:prstDash val="solid"/>
+                          <a:round/>
+                          <a:headEnd type="none" w="med" len="med"/>
+                          <a:tailEnd type="none" w="med" len="med"/>
+                        </a:lnB>
+                      </a:tcPr>
+                    </a:tc>
+                    <a:extLst>
+                      <a:ext uri="{0D108BD9-81ED-4DB2-BD59-A6C34878D82A}">
+                        <a16:rowId xmlns:a16="http://schemas.microsoft.com/office/drawing/2014/main" val="1930219407"/>
+                      </a:ext>
+                    </a:extLst>
+                  </a:tr>
+                  <a:tr h="285771">
+                    <a:tc>
+                      <a:txBody>
+                        <a:bodyPr/>
+                        <a:lstStyle/>
+                        <a:p>
+                          <a:r>
+                            <a:rPr lang="it-IT" sz="1200" b="1" dirty="0">
+                              <a:solidFill>
+                                <a:sysClr val="windowText" lastClr="000000"/>
+                              </a:solidFill>
+                            </a:rPr>
+                            <a:t>INTERVAL RATE </a:t>
+                          </a:r>
+                          <a:endParaRPr lang="it-IT" sz="1200" b="1" dirty="0">
+                            <a:solidFill>
+                              <a:sysClr val="windowText" lastClr="000000"/>
+                            </a:solidFill>
+                            <a:latin typeface="+mj-lt"/>
+                          </a:endParaRPr>
+                        </a:p>
+                      </a:txBody>
+                      <a:tcPr>
+                        <a:lnL w="12700" cap="flat" cmpd="sng" algn="ctr">
+                          <a:solidFill>
+                            <a:schemeClr val="tx1"/>
+                          </a:solidFill>
+                          <a:prstDash val="solid"/>
+                          <a:round/>
+                          <a:headEnd type="none" w="med" len="med"/>
+                          <a:tailEnd type="none" w="med" len="med"/>
+                        </a:lnL>
+                        <a:lnR w="12700" cap="flat" cmpd="sng" algn="ctr">
+                          <a:solidFill>
+                            <a:schemeClr val="tx1"/>
+                          </a:solidFill>
+                          <a:prstDash val="solid"/>
+                          <a:round/>
+                          <a:headEnd type="none" w="med" len="med"/>
+                          <a:tailEnd type="none" w="med" len="med"/>
+                        </a:lnR>
+                        <a:lnT w="12700" cap="flat" cmpd="sng" algn="ctr">
+                          <a:solidFill>
+                            <a:schemeClr val="tx1"/>
+                          </a:solidFill>
+                          <a:prstDash val="solid"/>
+                          <a:round/>
+                          <a:headEnd type="none" w="med" len="med"/>
+                          <a:tailEnd type="none" w="med" len="med"/>
+                        </a:lnT>
+                        <a:lnB w="12700" cap="flat" cmpd="sng" algn="ctr">
+                          <a:solidFill>
+                            <a:schemeClr val="tx1"/>
+                          </a:solidFill>
+                          <a:prstDash val="solid"/>
+                          <a:round/>
+                          <a:headEnd type="none" w="med" len="med"/>
+                          <a:tailEnd type="none" w="med" len="med"/>
+                        </a:lnB>
+                      </a:tcPr>
+                    </a:tc>
+                    <a:tc>
+                      <a:txBody>
+                        <a:bodyPr/>
+                        <a:lstStyle/>
+                        <a:p>
+                          <a:pPr marL="0" marR="0" lvl="0" indent="0" algn="l" defTabSz="914400" rtl="0" eaLnBrk="1" fontAlgn="auto" latinLnBrk="0" hangingPunct="1">
+                            <a:lnSpc>
+                              <a:spcPct val="100000"/>
+                            </a:lnSpc>
+                            <a:spcBef>
+                              <a:spcPts val="0"/>
+                            </a:spcBef>
+                            <a:spcAft>
+                              <a:spcPts val="0"/>
+                            </a:spcAft>
+                            <a:buClrTx/>
+                            <a:buSzTx/>
+                            <a:buFontTx/>
+                            <a:buNone/>
+                            <a:tabLst/>
+                            <a:defRPr/>
+                          </a:pPr>
+                          <a:r>
+                            <a:rPr lang="it-IT" sz="1200" kern="1200" dirty="0">
+                              <a:solidFill>
+                                <a:sysClr val="windowText" lastClr="000000"/>
+                              </a:solidFill>
+                            </a:rPr>
+                            <a:t>[1/1, 1/0.5, 1/0,1] 1/s</a:t>
+                          </a:r>
+                          <a:endParaRPr lang="it-IT" sz="1200" kern="1200" dirty="0">
+                            <a:solidFill>
+                              <a:sysClr val="windowText" lastClr="000000"/>
+                            </a:solidFill>
+                            <a:latin typeface="+mj-lt"/>
+                            <a:ea typeface="+mn-ea"/>
+                            <a:cs typeface="+mn-cs"/>
+                          </a:endParaRPr>
+                        </a:p>
+                      </a:txBody>
+                      <a:tcPr>
+                        <a:lnL w="12700" cap="flat" cmpd="sng" algn="ctr">
+                          <a:solidFill>
+                            <a:schemeClr val="tx1"/>
+                          </a:solidFill>
+                          <a:prstDash val="solid"/>
+                          <a:round/>
+                          <a:headEnd type="none" w="med" len="med"/>
+                          <a:tailEnd type="none" w="med" len="med"/>
+                        </a:lnL>
+                        <a:lnR w="12700" cap="flat" cmpd="sng" algn="ctr">
+                          <a:solidFill>
+                            <a:schemeClr val="tx1"/>
+                          </a:solidFill>
+                          <a:prstDash val="solid"/>
+                          <a:round/>
+                          <a:headEnd type="none" w="med" len="med"/>
+                          <a:tailEnd type="none" w="med" len="med"/>
+                        </a:lnR>
+                        <a:lnT w="12700" cap="flat" cmpd="sng" algn="ctr">
+                          <a:solidFill>
+                            <a:schemeClr val="tx1"/>
+                          </a:solidFill>
+                          <a:prstDash val="solid"/>
+                          <a:round/>
+                          <a:headEnd type="none" w="med" len="med"/>
+                          <a:tailEnd type="none" w="med" len="med"/>
+                        </a:lnT>
+                        <a:lnB w="12700" cap="flat" cmpd="sng" algn="ctr">
+                          <a:solidFill>
+                            <a:schemeClr val="tx1"/>
+                          </a:solidFill>
+                          <a:prstDash val="solid"/>
+                          <a:round/>
+                          <a:headEnd type="none" w="med" len="med"/>
+                          <a:tailEnd type="none" w="med" len="med"/>
+                        </a:lnB>
+                      </a:tcPr>
+                    </a:tc>
+                    <a:extLst>
+                      <a:ext uri="{0D108BD9-81ED-4DB2-BD59-A6C34878D82A}">
+                        <a16:rowId xmlns:a16="http://schemas.microsoft.com/office/drawing/2014/main" val="57858945"/>
+                      </a:ext>
+                    </a:extLst>
+                  </a:tr>
+                  <a:tr h="285771">
+                    <a:tc>
+                      <a:txBody>
+                        <a:bodyPr/>
+                        <a:lstStyle/>
+                        <a:p>
+                          <a:r>
+                            <a:rPr lang="it-IT" sz="1200" b="1" dirty="0">
+                              <a:solidFill>
+                                <a:sysClr val="windowText" lastClr="000000"/>
+                              </a:solidFill>
+                            </a:rPr>
+                            <a:t>SIZE RATE </a:t>
+                          </a:r>
+                          <a:endParaRPr lang="it-IT" sz="1200" b="1" dirty="0">
+                            <a:solidFill>
+                              <a:sysClr val="windowText" lastClr="000000"/>
+                            </a:solidFill>
+                            <a:latin typeface="+mj-lt"/>
+                          </a:endParaRPr>
+                        </a:p>
+                      </a:txBody>
+                      <a:tcPr>
+                        <a:lnL w="12700" cap="flat" cmpd="sng" algn="ctr">
+                          <a:solidFill>
+                            <a:schemeClr val="tx1"/>
+                          </a:solidFill>
+                          <a:prstDash val="solid"/>
+                          <a:round/>
+                          <a:headEnd type="none" w="med" len="med"/>
+                          <a:tailEnd type="none" w="med" len="med"/>
+                        </a:lnL>
+                        <a:lnR w="12700" cap="flat" cmpd="sng" algn="ctr">
+                          <a:solidFill>
+                            <a:schemeClr val="tx1"/>
+                          </a:solidFill>
+                          <a:prstDash val="solid"/>
+                          <a:round/>
+                          <a:headEnd type="none" w="med" len="med"/>
+                          <a:tailEnd type="none" w="med" len="med"/>
+                        </a:lnR>
+                        <a:lnT w="12700" cap="flat" cmpd="sng" algn="ctr">
+                          <a:solidFill>
+                            <a:schemeClr val="tx1"/>
+                          </a:solidFill>
+                          <a:prstDash val="solid"/>
+                          <a:round/>
+                          <a:headEnd type="none" w="med" len="med"/>
+                          <a:tailEnd type="none" w="med" len="med"/>
+                        </a:lnT>
+                        <a:lnB w="12700" cap="flat" cmpd="sng" algn="ctr">
+                          <a:solidFill>
+                            <a:schemeClr val="tx1"/>
+                          </a:solidFill>
+                          <a:prstDash val="solid"/>
+                          <a:round/>
+                          <a:headEnd type="none" w="med" len="med"/>
+                          <a:tailEnd type="none" w="med" len="med"/>
+                        </a:lnB>
+                      </a:tcPr>
+                    </a:tc>
+                    <a:tc>
+                      <a:txBody>
+                        <a:bodyPr/>
+                        <a:lstStyle/>
+                        <a:p>
+                          <a:pPr marL="0" marR="0" lvl="0" indent="0" algn="l" defTabSz="914400" rtl="0" eaLnBrk="1" fontAlgn="auto" latinLnBrk="0" hangingPunct="1">
+                            <a:lnSpc>
+                              <a:spcPct val="100000"/>
+                            </a:lnSpc>
+                            <a:spcBef>
+                              <a:spcPts val="0"/>
+                            </a:spcBef>
+                            <a:spcAft>
+                              <a:spcPts val="0"/>
+                            </a:spcAft>
+                            <a:buClrTx/>
+                            <a:buSzTx/>
+                            <a:buFontTx/>
+                            <a:buNone/>
+                            <a:tabLst/>
+                            <a:defRPr/>
+                          </a:pPr>
+                          <a:r>
+                            <a:rPr lang="it-IT" sz="1200" kern="1200" dirty="0">
+                              <a:solidFill>
+                                <a:sysClr val="windowText" lastClr="000000"/>
+                              </a:solidFill>
+                            </a:rPr>
+                            <a:t>[1/</a:t>
+                          </a:r>
+                          <a14:m>
+                            <m:oMath xmlns:m="http://schemas.openxmlformats.org/officeDocument/2006/math">
+                              <m:sSup>
+                                <m:sSupPr>
+                                  <m:ctrlPr>
+                                    <a:rPr lang="it-IT" sz="1200" i="1" kern="1200" smtClean="0">
+                                      <a:solidFill>
+                                        <a:sysClr val="windowText" lastClr="000000"/>
+                                      </a:solidFill>
+                                      <a:latin typeface="Cambria Math" panose="02040503050406030204" pitchFamily="18" charset="0"/>
+                                    </a:rPr>
+                                  </m:ctrlPr>
+                                </m:sSupPr>
+                                <m:e>
+                                  <m:r>
+                                    <a:rPr lang="it-IT" sz="1200" b="0" i="1" kern="1200" smtClean="0">
+                                      <a:solidFill>
+                                        <a:sysClr val="windowText" lastClr="000000"/>
+                                      </a:solidFill>
+                                      <a:latin typeface="Cambria Math" panose="02040503050406030204" pitchFamily="18" charset="0"/>
+                                    </a:rPr>
+                                    <m:t>10</m:t>
+                                  </m:r>
+                                </m:e>
+                                <m:sup>
+                                  <m:r>
+                                    <a:rPr lang="it-IT" sz="1200" b="0" i="1" kern="1200" smtClean="0">
+                                      <a:solidFill>
+                                        <a:sysClr val="windowText" lastClr="000000"/>
+                                      </a:solidFill>
+                                      <a:latin typeface="Cambria Math" panose="02040503050406030204" pitchFamily="18" charset="0"/>
+                                    </a:rPr>
+                                    <m:t>3</m:t>
+                                  </m:r>
+                                </m:sup>
+                              </m:sSup>
+                            </m:oMath>
+                          </a14:m>
+                          <a:r>
+                            <a:rPr lang="it-IT" sz="1200" kern="1200" dirty="0">
+                              <a:solidFill>
+                                <a:sysClr val="windowText" lastClr="000000"/>
+                              </a:solidFill>
+                            </a:rPr>
+                            <a:t>, 5*</a:t>
+                          </a:r>
+                          <a14:m>
+                            <m:oMath xmlns:m="http://schemas.openxmlformats.org/officeDocument/2006/math">
+                              <m:sSup>
+                                <m:sSupPr>
+                                  <m:ctrlPr>
+                                    <a:rPr lang="it-IT" sz="1200" i="1" kern="1200" smtClean="0">
+                                      <a:solidFill>
+                                        <a:sysClr val="windowText" lastClr="000000"/>
+                                      </a:solidFill>
+                                      <a:latin typeface="Cambria Math" panose="02040503050406030204" pitchFamily="18" charset="0"/>
+                                    </a:rPr>
+                                  </m:ctrlPr>
+                                </m:sSupPr>
+                                <m:e>
+                                  <m:r>
+                                    <a:rPr lang="it-IT" sz="1200" b="0" i="1" kern="1200" smtClean="0">
+                                      <a:solidFill>
+                                        <a:sysClr val="windowText" lastClr="000000"/>
+                                      </a:solidFill>
+                                      <a:latin typeface="Cambria Math" panose="02040503050406030204" pitchFamily="18" charset="0"/>
+                                    </a:rPr>
+                                    <m:t>10</m:t>
+                                  </m:r>
+                                </m:e>
+                                <m:sup>
+                                  <m:r>
+                                    <a:rPr lang="it-IT" sz="1200" b="0" i="1" kern="1200" smtClean="0">
+                                      <a:solidFill>
+                                        <a:sysClr val="windowText" lastClr="000000"/>
+                                      </a:solidFill>
+                                      <a:latin typeface="Cambria Math" panose="02040503050406030204" pitchFamily="18" charset="0"/>
+                                    </a:rPr>
+                                    <m:t>3</m:t>
+                                  </m:r>
+                                </m:sup>
+                              </m:sSup>
+                            </m:oMath>
+                          </a14:m>
+                          <a:r>
+                            <a:rPr lang="it-IT" sz="1200" kern="1200" dirty="0">
+                              <a:solidFill>
+                                <a:sysClr val="windowText" lastClr="000000"/>
+                              </a:solidFill>
+                            </a:rPr>
+                            <a:t>, 1/</a:t>
+                          </a:r>
+                          <a14:m>
+                            <m:oMath xmlns:m="http://schemas.openxmlformats.org/officeDocument/2006/math">
+                              <m:sSup>
+                                <m:sSupPr>
+                                  <m:ctrlPr>
+                                    <a:rPr lang="it-IT" sz="1200" i="1" kern="1200" smtClean="0">
+                                      <a:solidFill>
+                                        <a:sysClr val="windowText" lastClr="000000"/>
+                                      </a:solidFill>
+                                      <a:latin typeface="Cambria Math" panose="02040503050406030204" pitchFamily="18" charset="0"/>
+                                    </a:rPr>
+                                  </m:ctrlPr>
+                                </m:sSupPr>
+                                <m:e>
+                                  <m:r>
+                                    <a:rPr lang="it-IT" sz="1200" b="0" i="1" kern="1200" smtClean="0">
+                                      <a:solidFill>
+                                        <a:sysClr val="windowText" lastClr="000000"/>
+                                      </a:solidFill>
+                                      <a:latin typeface="Cambria Math" panose="02040503050406030204" pitchFamily="18" charset="0"/>
+                                    </a:rPr>
+                                    <m:t>10</m:t>
+                                  </m:r>
+                                </m:e>
+                                <m:sup>
+                                  <m:r>
+                                    <a:rPr lang="it-IT" sz="1200" b="0" i="1" kern="1200" smtClean="0">
+                                      <a:solidFill>
+                                        <a:sysClr val="windowText" lastClr="000000"/>
+                                      </a:solidFill>
+                                      <a:latin typeface="Cambria Math" panose="02040503050406030204" pitchFamily="18" charset="0"/>
+                                    </a:rPr>
+                                    <m:t>4</m:t>
+                                  </m:r>
+                                </m:sup>
+                              </m:sSup>
+                            </m:oMath>
+                          </a14:m>
+                          <a:r>
+                            <a:rPr lang="it-IT" sz="1200" kern="1200" dirty="0">
+                              <a:solidFill>
+                                <a:sysClr val="windowText" lastClr="000000"/>
+                              </a:solidFill>
+                            </a:rPr>
+                            <a:t>] 1/</a:t>
+                          </a:r>
+                          <a:r>
+                            <a:rPr lang="it-IT" sz="1200" kern="1200" dirty="0" err="1">
+                              <a:solidFill>
+                                <a:sysClr val="windowText" lastClr="000000"/>
+                              </a:solidFill>
+                            </a:rPr>
+                            <a:t>instructions</a:t>
+                          </a:r>
+                          <a:endParaRPr lang="it-IT" sz="1200" kern="1200" dirty="0">
+                            <a:solidFill>
+                              <a:sysClr val="windowText" lastClr="000000"/>
+                            </a:solidFill>
+                            <a:latin typeface="+mj-lt"/>
+                            <a:ea typeface="+mn-ea"/>
+                            <a:cs typeface="+mn-cs"/>
+                          </a:endParaRPr>
+                        </a:p>
+                      </a:txBody>
+                      <a:tcPr>
+                        <a:lnL w="12700" cap="flat" cmpd="sng" algn="ctr">
+                          <a:solidFill>
+                            <a:schemeClr val="tx1"/>
+                          </a:solidFill>
+                          <a:prstDash val="solid"/>
+                          <a:round/>
+                          <a:headEnd type="none" w="med" len="med"/>
+                          <a:tailEnd type="none" w="med" len="med"/>
+                        </a:lnL>
+                        <a:lnR w="12700" cap="flat" cmpd="sng" algn="ctr">
+                          <a:solidFill>
+                            <a:schemeClr val="tx1"/>
+                          </a:solidFill>
+                          <a:prstDash val="solid"/>
+                          <a:round/>
+                          <a:headEnd type="none" w="med" len="med"/>
+                          <a:tailEnd type="none" w="med" len="med"/>
+                        </a:lnR>
+                        <a:lnT w="12700" cap="flat" cmpd="sng" algn="ctr">
+                          <a:solidFill>
+                            <a:schemeClr val="tx1"/>
+                          </a:solidFill>
+                          <a:prstDash val="solid"/>
+                          <a:round/>
+                          <a:headEnd type="none" w="med" len="med"/>
+                          <a:tailEnd type="none" w="med" len="med"/>
+                        </a:lnT>
+                        <a:lnB w="12700" cap="flat" cmpd="sng" algn="ctr">
+                          <a:solidFill>
+                            <a:schemeClr val="tx1"/>
+                          </a:solidFill>
+                          <a:prstDash val="solid"/>
+                          <a:round/>
+                          <a:headEnd type="none" w="med" len="med"/>
+                          <a:tailEnd type="none" w="med" len="med"/>
+                        </a:lnB>
+                      </a:tcPr>
+                    </a:tc>
+                    <a:extLst>
+                      <a:ext uri="{0D108BD9-81ED-4DB2-BD59-A6C34878D82A}">
+                        <a16:rowId xmlns:a16="http://schemas.microsoft.com/office/drawing/2014/main" val="1317677281"/>
+                      </a:ext>
+                    </a:extLst>
+                  </a:tr>
+                  <a:tr h="285771">
+                    <a:tc>
+                      <a:txBody>
+                        <a:bodyPr/>
+                        <a:lstStyle/>
+                        <a:p>
+                          <a:r>
+                            <a:rPr lang="it-IT" sz="1200" b="1" dirty="0">
+                              <a:solidFill>
+                                <a:sysClr val="windowText" lastClr="000000"/>
+                              </a:solidFill>
+                            </a:rPr>
+                            <a:t>NUMBER OF REPETITIONS</a:t>
+                          </a:r>
+                          <a:endParaRPr lang="it-IT" sz="1200" b="1" dirty="0">
+                            <a:solidFill>
+                              <a:sysClr val="windowText" lastClr="000000"/>
+                            </a:solidFill>
+                            <a:latin typeface="+mj-lt"/>
+                          </a:endParaRPr>
+                        </a:p>
+                      </a:txBody>
+                      <a:tcPr>
+                        <a:lnL w="12700" cap="flat" cmpd="sng" algn="ctr">
+                          <a:solidFill>
+                            <a:schemeClr val="tx1"/>
+                          </a:solidFill>
+                          <a:prstDash val="solid"/>
+                          <a:round/>
+                          <a:headEnd type="none" w="med" len="med"/>
+                          <a:tailEnd type="none" w="med" len="med"/>
+                        </a:lnL>
+                        <a:lnR w="12700" cap="flat" cmpd="sng" algn="ctr">
+                          <a:solidFill>
+                            <a:schemeClr val="tx1"/>
+                          </a:solidFill>
+                          <a:prstDash val="solid"/>
+                          <a:round/>
+                          <a:headEnd type="none" w="med" len="med"/>
+                          <a:tailEnd type="none" w="med" len="med"/>
+                        </a:lnR>
+                        <a:lnT w="12700" cap="flat" cmpd="sng" algn="ctr">
+                          <a:solidFill>
+                            <a:schemeClr val="tx1"/>
+                          </a:solidFill>
+                          <a:prstDash val="solid"/>
+                          <a:round/>
+                          <a:headEnd type="none" w="med" len="med"/>
+                          <a:tailEnd type="none" w="med" len="med"/>
+                        </a:lnT>
+                        <a:lnB w="12700" cap="flat" cmpd="sng" algn="ctr">
+                          <a:solidFill>
+                            <a:schemeClr val="tx1"/>
+                          </a:solidFill>
+                          <a:prstDash val="solid"/>
+                          <a:round/>
+                          <a:headEnd type="none" w="med" len="med"/>
+                          <a:tailEnd type="none" w="med" len="med"/>
+                        </a:lnB>
+                      </a:tcPr>
+                    </a:tc>
+                    <a:tc>
+                      <a:txBody>
+                        <a:bodyPr/>
+                        <a:lstStyle/>
+                        <a:p>
+                          <a:r>
+                            <a:rPr lang="it-IT" sz="1200" dirty="0">
+                              <a:solidFill>
+                                <a:sysClr val="windowText" lastClr="000000"/>
+                              </a:solidFill>
+                            </a:rPr>
+                            <a:t>30</a:t>
+                          </a:r>
+                          <a:endParaRPr lang="it-IT" sz="1200" dirty="0">
+                            <a:solidFill>
+                              <a:sysClr val="windowText" lastClr="000000"/>
+                            </a:solidFill>
+                            <a:latin typeface="+mj-lt"/>
+                          </a:endParaRPr>
+                        </a:p>
+                      </a:txBody>
+                      <a:tcPr>
+                        <a:lnL w="12700" cap="flat" cmpd="sng" algn="ctr">
+                          <a:solidFill>
+                            <a:schemeClr val="tx1"/>
+                          </a:solidFill>
+                          <a:prstDash val="solid"/>
+                          <a:round/>
+                          <a:headEnd type="none" w="med" len="med"/>
+                          <a:tailEnd type="none" w="med" len="med"/>
+                        </a:lnL>
+                        <a:lnR w="12700" cap="flat" cmpd="sng" algn="ctr">
+                          <a:solidFill>
+                            <a:schemeClr val="tx1"/>
+                          </a:solidFill>
+                          <a:prstDash val="solid"/>
+                          <a:round/>
+                          <a:headEnd type="none" w="med" len="med"/>
+                          <a:tailEnd type="none" w="med" len="med"/>
+                        </a:lnR>
+                        <a:lnT w="12700" cap="flat" cmpd="sng" algn="ctr">
+                          <a:solidFill>
+                            <a:schemeClr val="tx1"/>
+                          </a:solidFill>
+                          <a:prstDash val="solid"/>
+                          <a:round/>
+                          <a:headEnd type="none" w="med" len="med"/>
+                          <a:tailEnd type="none" w="med" len="med"/>
+                        </a:lnT>
+                        <a:lnB w="12700" cap="flat" cmpd="sng" algn="ctr">
+                          <a:solidFill>
+                            <a:schemeClr val="tx1"/>
+                          </a:solidFill>
+                          <a:prstDash val="solid"/>
+                          <a:round/>
+                          <a:headEnd type="none" w="med" len="med"/>
+                          <a:tailEnd type="none" w="med" len="med"/>
+                        </a:lnB>
+                      </a:tcPr>
+                    </a:tc>
+                    <a:extLst>
+                      <a:ext uri="{0D108BD9-81ED-4DB2-BD59-A6C34878D82A}">
+                        <a16:rowId xmlns:a16="http://schemas.microsoft.com/office/drawing/2014/main" val="464696541"/>
+                      </a:ext>
+                    </a:extLst>
+                  </a:tr>
+                  <a:tr h="285771">
+                    <a:tc>
+                      <a:txBody>
+                        <a:bodyPr/>
+                        <a:lstStyle/>
+                        <a:p>
+                          <a:r>
+                            <a:rPr lang="it-IT" sz="1200" b="1" dirty="0">
+                              <a:solidFill>
+                                <a:sysClr val="windowText" lastClr="000000"/>
+                              </a:solidFill>
+                            </a:rPr>
+                            <a:t>SIMULATION TIME</a:t>
+                          </a:r>
+                          <a:endParaRPr lang="it-IT" sz="1200" b="1" dirty="0">
+                            <a:solidFill>
+                              <a:sysClr val="windowText" lastClr="000000"/>
+                            </a:solidFill>
+                            <a:latin typeface="+mj-lt"/>
+                          </a:endParaRPr>
+                        </a:p>
+                      </a:txBody>
+                      <a:tcPr>
+                        <a:lnL w="12700" cap="flat" cmpd="sng" algn="ctr">
+                          <a:solidFill>
+                            <a:schemeClr val="tx1"/>
+                          </a:solidFill>
+                          <a:prstDash val="solid"/>
+                          <a:round/>
+                          <a:headEnd type="none" w="med" len="med"/>
+                          <a:tailEnd type="none" w="med" len="med"/>
+                        </a:lnL>
+                        <a:lnR w="12700" cap="flat" cmpd="sng" algn="ctr">
+                          <a:solidFill>
+                            <a:schemeClr val="tx1"/>
+                          </a:solidFill>
+                          <a:prstDash val="solid"/>
+                          <a:round/>
+                          <a:headEnd type="none" w="med" len="med"/>
+                          <a:tailEnd type="none" w="med" len="med"/>
+                        </a:lnR>
+                        <a:lnT w="12700" cap="flat" cmpd="sng" algn="ctr">
+                          <a:solidFill>
+                            <a:schemeClr val="tx1"/>
+                          </a:solidFill>
+                          <a:prstDash val="solid"/>
+                          <a:round/>
+                          <a:headEnd type="none" w="med" len="med"/>
+                          <a:tailEnd type="none" w="med" len="med"/>
+                        </a:lnT>
+                        <a:lnB w="12700" cap="flat" cmpd="sng" algn="ctr">
+                          <a:solidFill>
+                            <a:schemeClr val="tx1"/>
+                          </a:solidFill>
+                          <a:prstDash val="solid"/>
+                          <a:round/>
+                          <a:headEnd type="none" w="med" len="med"/>
+                          <a:tailEnd type="none" w="med" len="med"/>
+                        </a:lnB>
+                      </a:tcPr>
+                    </a:tc>
+                    <a:tc>
+                      <a:txBody>
+                        <a:bodyPr/>
+                        <a:lstStyle/>
+                        <a:p>
+                          <a:r>
+                            <a:rPr lang="it-IT" sz="1200" dirty="0">
+                              <a:solidFill>
+                                <a:sysClr val="windowText" lastClr="000000"/>
+                              </a:solidFill>
+                            </a:rPr>
+                            <a:t>1000s</a:t>
+                          </a:r>
+                          <a:endParaRPr lang="it-IT" sz="1200" dirty="0">
+                            <a:solidFill>
+                              <a:sysClr val="windowText" lastClr="000000"/>
+                            </a:solidFill>
+                            <a:latin typeface="+mj-lt"/>
+                          </a:endParaRPr>
+                        </a:p>
+                      </a:txBody>
+                      <a:tcPr>
+                        <a:lnL w="12700" cap="flat" cmpd="sng" algn="ctr">
+                          <a:solidFill>
+                            <a:schemeClr val="tx1"/>
+                          </a:solidFill>
+                          <a:prstDash val="solid"/>
+                          <a:round/>
+                          <a:headEnd type="none" w="med" len="med"/>
+                          <a:tailEnd type="none" w="med" len="med"/>
+                        </a:lnL>
+                        <a:lnR w="12700" cap="flat" cmpd="sng" algn="ctr">
+                          <a:solidFill>
+                            <a:schemeClr val="tx1"/>
+                          </a:solidFill>
+                          <a:prstDash val="solid"/>
+                          <a:round/>
+                          <a:headEnd type="none" w="med" len="med"/>
+                          <a:tailEnd type="none" w="med" len="med"/>
+                        </a:lnR>
+                        <a:lnT w="12700" cap="flat" cmpd="sng" algn="ctr">
+                          <a:solidFill>
+                            <a:schemeClr val="tx1"/>
+                          </a:solidFill>
+                          <a:prstDash val="solid"/>
+                          <a:round/>
+                          <a:headEnd type="none" w="med" len="med"/>
+                          <a:tailEnd type="none" w="med" len="med"/>
+                        </a:lnT>
+                        <a:lnB w="12700" cap="flat" cmpd="sng" algn="ctr">
+                          <a:solidFill>
+                            <a:schemeClr val="tx1"/>
+                          </a:solidFill>
+                          <a:prstDash val="solid"/>
+                          <a:round/>
+                          <a:headEnd type="none" w="med" len="med"/>
+                          <a:tailEnd type="none" w="med" len="med"/>
+                        </a:lnB>
+                      </a:tcPr>
+                    </a:tc>
+                    <a:extLst>
+                      <a:ext uri="{0D108BD9-81ED-4DB2-BD59-A6C34878D82A}">
+                        <a16:rowId xmlns:a16="http://schemas.microsoft.com/office/drawing/2014/main" val="851438376"/>
+                      </a:ext>
+                    </a:extLst>
+                  </a:tr>
+                  <a:tr h="285771">
+                    <a:tc>
+                      <a:txBody>
+                        <a:bodyPr/>
+                        <a:lstStyle/>
+                        <a:p>
+                          <a:r>
+                            <a:rPr lang="it-IT" sz="1200" b="1" dirty="0">
+                              <a:solidFill>
+                                <a:sysClr val="windowText" lastClr="000000"/>
+                              </a:solidFill>
+                            </a:rPr>
+                            <a:t>WARM-UP TIME</a:t>
+                          </a:r>
+                          <a:endParaRPr lang="it-IT" sz="1200" b="1" dirty="0">
+                            <a:solidFill>
+                              <a:sysClr val="windowText" lastClr="000000"/>
+                            </a:solidFill>
+                            <a:latin typeface="+mj-lt"/>
+                          </a:endParaRPr>
+                        </a:p>
+                      </a:txBody>
+                      <a:tcPr>
+                        <a:lnL w="12700" cap="flat" cmpd="sng" algn="ctr">
+                          <a:solidFill>
+                            <a:schemeClr val="tx1"/>
+                          </a:solidFill>
+                          <a:prstDash val="solid"/>
+                          <a:round/>
+                          <a:headEnd type="none" w="med" len="med"/>
+                          <a:tailEnd type="none" w="med" len="med"/>
+                        </a:lnL>
+                        <a:lnR w="12700" cap="flat" cmpd="sng" algn="ctr">
+                          <a:solidFill>
+                            <a:schemeClr val="tx1"/>
+                          </a:solidFill>
+                          <a:prstDash val="solid"/>
+                          <a:round/>
+                          <a:headEnd type="none" w="med" len="med"/>
+                          <a:tailEnd type="none" w="med" len="med"/>
+                        </a:lnR>
+                        <a:lnT w="12700" cap="flat" cmpd="sng" algn="ctr">
+                          <a:solidFill>
+                            <a:schemeClr val="tx1"/>
+                          </a:solidFill>
+                          <a:prstDash val="solid"/>
+                          <a:round/>
+                          <a:headEnd type="none" w="med" len="med"/>
+                          <a:tailEnd type="none" w="med" len="med"/>
+                        </a:lnT>
+                        <a:lnB w="12700" cap="flat" cmpd="sng" algn="ctr">
+                          <a:solidFill>
+                            <a:schemeClr val="tx1"/>
+                          </a:solidFill>
+                          <a:prstDash val="solid"/>
+                          <a:round/>
+                          <a:headEnd type="none" w="med" len="med"/>
+                          <a:tailEnd type="none" w="med" len="med"/>
+                        </a:lnB>
+                      </a:tcPr>
+                    </a:tc>
+                    <a:tc>
+                      <a:txBody>
+                        <a:bodyPr/>
+                        <a:lstStyle/>
+                        <a:p>
+                          <a:r>
+                            <a:rPr lang="it-IT" sz="1200" dirty="0">
+                              <a:solidFill>
+                                <a:sysClr val="windowText" lastClr="000000"/>
+                              </a:solidFill>
+                            </a:rPr>
+                            <a:t>100s</a:t>
+                          </a:r>
+                          <a:endParaRPr lang="it-IT" sz="1200" dirty="0">
+                            <a:solidFill>
+                              <a:sysClr val="windowText" lastClr="000000"/>
+                            </a:solidFill>
+                            <a:latin typeface="+mj-lt"/>
+                          </a:endParaRPr>
+                        </a:p>
+                      </a:txBody>
+                      <a:tcPr>
+                        <a:lnL w="12700" cap="flat" cmpd="sng" algn="ctr">
+                          <a:solidFill>
+                            <a:schemeClr val="tx1"/>
+                          </a:solidFill>
+                          <a:prstDash val="solid"/>
+                          <a:round/>
+                          <a:headEnd type="none" w="med" len="med"/>
+                          <a:tailEnd type="none" w="med" len="med"/>
+                        </a:lnL>
+                        <a:lnR w="12700" cap="flat" cmpd="sng" algn="ctr">
+                          <a:solidFill>
+                            <a:schemeClr val="tx1"/>
+                          </a:solidFill>
+                          <a:prstDash val="solid"/>
+                          <a:round/>
+                          <a:headEnd type="none" w="med" len="med"/>
+                          <a:tailEnd type="none" w="med" len="med"/>
+                        </a:lnR>
+                        <a:lnT w="12700" cap="flat" cmpd="sng" algn="ctr">
+                          <a:solidFill>
+                            <a:schemeClr val="tx1"/>
+                          </a:solidFill>
+                          <a:prstDash val="solid"/>
+                          <a:round/>
+                          <a:headEnd type="none" w="med" len="med"/>
+                          <a:tailEnd type="none" w="med" len="med"/>
+                        </a:lnT>
+                        <a:lnB w="12700" cap="flat" cmpd="sng" algn="ctr">
+                          <a:solidFill>
+                            <a:schemeClr val="tx1"/>
+                          </a:solidFill>
+                          <a:prstDash val="solid"/>
+                          <a:round/>
+                          <a:headEnd type="none" w="med" len="med"/>
+                          <a:tailEnd type="none" w="med" len="med"/>
+                        </a:lnB>
+                      </a:tcPr>
+                    </a:tc>
+                    <a:extLst>
+                      <a:ext uri="{0D108BD9-81ED-4DB2-BD59-A6C34878D82A}">
+                        <a16:rowId xmlns:a16="http://schemas.microsoft.com/office/drawing/2014/main" val="355416652"/>
+                      </a:ext>
+                    </a:extLst>
+                  </a:tr>
+                </a:tbl>
+              </a:graphicData>
+            </a:graphic>
+          </p:graphicFrame>
+        </mc:Choice>
+        <mc:Fallback>
+          <p:graphicFrame>
+            <p:nvGraphicFramePr>
+              <p:cNvPr id="6" name="Tabella 5">
                 <a:extLst>
-                  <a:ext uri="{0D108BD9-81ED-4DB2-BD59-A6C34878D82A}">
-                    <a16:rowId xmlns:a16="http://schemas.microsoft.com/office/drawing/2014/main" val="3225530755"/>
+                  <a:ext uri="{FF2B5EF4-FFF2-40B4-BE49-F238E27FC236}">
+                    <a16:creationId xmlns:a16="http://schemas.microsoft.com/office/drawing/2014/main" id="{10158AEF-0213-5952-F87D-005A96BD66E3}"/>
                   </a:ext>
                 </a:extLst>
-              </a:tr>
-              <a:tr h="285771">
-                <a:tc>
-                  <a:txBody>
-                    <a:bodyPr/>
-                    <a:lstStyle/>
-                    <a:p>
-                      <a:r>
-                        <a:rPr lang="it-IT" sz="1200" b="1" dirty="0">
-                          <a:solidFill>
-                            <a:sysClr val="windowText" lastClr="000000"/>
-                          </a:solidFill>
-                        </a:rPr>
-                        <a:t>WIDTH</a:t>
-                      </a:r>
-                      <a:endParaRPr lang="it-IT" sz="1200" b="1" dirty="0">
-                        <a:solidFill>
-                          <a:sysClr val="windowText" lastClr="000000"/>
-                        </a:solidFill>
-                        <a:latin typeface="+mj-lt"/>
-                      </a:endParaRPr>
-                    </a:p>
-                  </a:txBody>
-                  <a:tcPr>
-                    <a:lnL w="12700" cap="flat" cmpd="sng" algn="ctr">
-                      <a:solidFill>
-                        <a:schemeClr val="tx1"/>
-                      </a:solidFill>
-                      <a:prstDash val="solid"/>
-                      <a:round/>
-                      <a:headEnd type="none" w="med" len="med"/>
-                      <a:tailEnd type="none" w="med" len="med"/>
-                    </a:lnL>
-                    <a:lnR w="12700" cap="flat" cmpd="sng" algn="ctr">
-                      <a:solidFill>
-                        <a:schemeClr val="tx1"/>
-                      </a:solidFill>
-                      <a:prstDash val="solid"/>
-                      <a:round/>
-                      <a:headEnd type="none" w="med" len="med"/>
-                      <a:tailEnd type="none" w="med" len="med"/>
-                    </a:lnR>
-                    <a:lnT w="12700" cap="flat" cmpd="sng" algn="ctr">
-                      <a:solidFill>
-                        <a:schemeClr val="tx1"/>
-                      </a:solidFill>
-                      <a:prstDash val="solid"/>
-                      <a:round/>
-                      <a:headEnd type="none" w="med" len="med"/>
-                      <a:tailEnd type="none" w="med" len="med"/>
-                    </a:lnT>
-                    <a:lnB w="12700" cap="flat" cmpd="sng" algn="ctr">
-                      <a:solidFill>
-                        <a:schemeClr val="tx1"/>
-                      </a:solidFill>
-                      <a:prstDash val="solid"/>
-                      <a:round/>
-                      <a:headEnd type="none" w="med" len="med"/>
-                      <a:tailEnd type="none" w="med" len="med"/>
-                    </a:lnB>
-                  </a:tcPr>
-                </a:tc>
-                <a:tc>
-                  <a:txBody>
-                    <a:bodyPr/>
-                    <a:lstStyle/>
-                    <a:p>
-                      <a:r>
-                        <a:rPr lang="it-IT" sz="1200" dirty="0">
-                          <a:solidFill>
-                            <a:sysClr val="windowText" lastClr="000000"/>
-                          </a:solidFill>
-                        </a:rPr>
-                        <a:t>1800</a:t>
-                      </a:r>
-                      <a:endParaRPr lang="it-IT" sz="1200" dirty="0">
-                        <a:solidFill>
-                          <a:sysClr val="windowText" lastClr="000000"/>
-                        </a:solidFill>
-                        <a:latin typeface="+mj-lt"/>
-                      </a:endParaRPr>
-                    </a:p>
-                  </a:txBody>
-                  <a:tcPr>
-                    <a:lnL w="12700" cap="flat" cmpd="sng" algn="ctr">
-                      <a:solidFill>
-                        <a:schemeClr val="tx1"/>
-                      </a:solidFill>
-                      <a:prstDash val="solid"/>
-                      <a:round/>
-                      <a:headEnd type="none" w="med" len="med"/>
-                      <a:tailEnd type="none" w="med" len="med"/>
-                    </a:lnL>
-                    <a:lnR w="12700" cap="flat" cmpd="sng" algn="ctr">
-                      <a:solidFill>
-                        <a:schemeClr val="tx1"/>
-                      </a:solidFill>
-                      <a:prstDash val="solid"/>
-                      <a:round/>
-                      <a:headEnd type="none" w="med" len="med"/>
-                      <a:tailEnd type="none" w="med" len="med"/>
-                    </a:lnR>
-                    <a:lnT w="12700" cap="flat" cmpd="sng" algn="ctr">
-                      <a:solidFill>
-                        <a:schemeClr val="tx1"/>
-                      </a:solidFill>
-                      <a:prstDash val="solid"/>
-                      <a:round/>
-                      <a:headEnd type="none" w="med" len="med"/>
-                      <a:tailEnd type="none" w="med" len="med"/>
-                    </a:lnT>
-                    <a:lnB w="12700" cap="flat" cmpd="sng" algn="ctr">
-                      <a:solidFill>
-                        <a:schemeClr val="tx1"/>
-                      </a:solidFill>
-                      <a:prstDash val="solid"/>
-                      <a:round/>
-                      <a:headEnd type="none" w="med" len="med"/>
-                      <a:tailEnd type="none" w="med" len="med"/>
-                    </a:lnB>
-                  </a:tcPr>
-                </a:tc>
-                <a:extLst>
-                  <a:ext uri="{0D108BD9-81ED-4DB2-BD59-A6C34878D82A}">
-                    <a16:rowId xmlns:a16="http://schemas.microsoft.com/office/drawing/2014/main" val="1098530153"/>
-                  </a:ext>
-                </a:extLst>
-              </a:tr>
-              <a:tr h="285771">
-                <a:tc>
-                  <a:txBody>
-                    <a:bodyPr/>
-                    <a:lstStyle/>
-                    <a:p>
-                      <a:r>
-                        <a:rPr lang="it-IT" sz="1200" b="1" dirty="0">
-                          <a:solidFill>
-                            <a:sysClr val="windowText" lastClr="000000"/>
-                          </a:solidFill>
-                        </a:rPr>
-                        <a:t>HEIGHT</a:t>
-                      </a:r>
-                      <a:endParaRPr lang="it-IT" sz="1200" b="1" dirty="0">
-                        <a:solidFill>
-                          <a:sysClr val="windowText" lastClr="000000"/>
-                        </a:solidFill>
-                        <a:latin typeface="+mj-lt"/>
-                      </a:endParaRPr>
-                    </a:p>
-                  </a:txBody>
-                  <a:tcPr>
-                    <a:lnL w="12700" cap="flat" cmpd="sng" algn="ctr">
-                      <a:solidFill>
-                        <a:schemeClr val="tx1"/>
-                      </a:solidFill>
-                      <a:prstDash val="solid"/>
-                      <a:round/>
-                      <a:headEnd type="none" w="med" len="med"/>
-                      <a:tailEnd type="none" w="med" len="med"/>
-                    </a:lnL>
-                    <a:lnR w="12700" cap="flat" cmpd="sng" algn="ctr">
-                      <a:solidFill>
-                        <a:schemeClr val="tx1"/>
-                      </a:solidFill>
-                      <a:prstDash val="solid"/>
-                      <a:round/>
-                      <a:headEnd type="none" w="med" len="med"/>
-                      <a:tailEnd type="none" w="med" len="med"/>
-                    </a:lnR>
-                    <a:lnT w="12700" cap="flat" cmpd="sng" algn="ctr">
-                      <a:solidFill>
-                        <a:schemeClr val="tx1"/>
-                      </a:solidFill>
-                      <a:prstDash val="solid"/>
-                      <a:round/>
-                      <a:headEnd type="none" w="med" len="med"/>
-                      <a:tailEnd type="none" w="med" len="med"/>
-                    </a:lnT>
-                    <a:lnB w="12700" cap="flat" cmpd="sng" algn="ctr">
-                      <a:solidFill>
-                        <a:schemeClr val="tx1"/>
-                      </a:solidFill>
-                      <a:prstDash val="solid"/>
-                      <a:round/>
-                      <a:headEnd type="none" w="med" len="med"/>
-                      <a:tailEnd type="none" w="med" len="med"/>
-                    </a:lnB>
-                  </a:tcPr>
-                </a:tc>
-                <a:tc>
-                  <a:txBody>
-                    <a:bodyPr/>
-                    <a:lstStyle/>
-                    <a:p>
-                      <a:r>
-                        <a:rPr lang="it-IT" sz="1200" dirty="0">
-                          <a:solidFill>
-                            <a:sysClr val="windowText" lastClr="000000"/>
-                          </a:solidFill>
-                        </a:rPr>
-                        <a:t>1800</a:t>
-                      </a:r>
-                      <a:endParaRPr lang="it-IT" sz="1200" dirty="0">
-                        <a:solidFill>
-                          <a:sysClr val="windowText" lastClr="000000"/>
-                        </a:solidFill>
-                        <a:latin typeface="+mj-lt"/>
-                      </a:endParaRPr>
-                    </a:p>
-                  </a:txBody>
-                  <a:tcPr>
-                    <a:lnL w="12700" cap="flat" cmpd="sng" algn="ctr">
-                      <a:solidFill>
-                        <a:schemeClr val="tx1"/>
-                      </a:solidFill>
-                      <a:prstDash val="solid"/>
-                      <a:round/>
-                      <a:headEnd type="none" w="med" len="med"/>
-                      <a:tailEnd type="none" w="med" len="med"/>
-                    </a:lnL>
-                    <a:lnR w="12700" cap="flat" cmpd="sng" algn="ctr">
-                      <a:solidFill>
-                        <a:schemeClr val="tx1"/>
-                      </a:solidFill>
-                      <a:prstDash val="solid"/>
-                      <a:round/>
-                      <a:headEnd type="none" w="med" len="med"/>
-                      <a:tailEnd type="none" w="med" len="med"/>
-                    </a:lnR>
-                    <a:lnT w="12700" cap="flat" cmpd="sng" algn="ctr">
-                      <a:solidFill>
-                        <a:schemeClr val="tx1"/>
-                      </a:solidFill>
-                      <a:prstDash val="solid"/>
-                      <a:round/>
-                      <a:headEnd type="none" w="med" len="med"/>
-                      <a:tailEnd type="none" w="med" len="med"/>
-                    </a:lnT>
-                    <a:lnB w="12700" cap="flat" cmpd="sng" algn="ctr">
-                      <a:solidFill>
-                        <a:schemeClr val="tx1"/>
-                      </a:solidFill>
-                      <a:prstDash val="solid"/>
-                      <a:round/>
-                      <a:headEnd type="none" w="med" len="med"/>
-                      <a:tailEnd type="none" w="med" len="med"/>
-                    </a:lnB>
-                  </a:tcPr>
-                </a:tc>
-                <a:extLst>
-                  <a:ext uri="{0D108BD9-81ED-4DB2-BD59-A6C34878D82A}">
-                    <a16:rowId xmlns:a16="http://schemas.microsoft.com/office/drawing/2014/main" val="2339486655"/>
-                  </a:ext>
-                </a:extLst>
-              </a:tr>
-              <a:tr h="285771">
-                <a:tc>
-                  <a:txBody>
-                    <a:bodyPr/>
-                    <a:lstStyle/>
-                    <a:p>
-                      <a:r>
-                        <a:rPr lang="it-IT" sz="1200" b="1" dirty="0">
-                          <a:solidFill>
-                            <a:sysClr val="windowText" lastClr="000000"/>
-                          </a:solidFill>
-                        </a:rPr>
-                        <a:t>SERVICE RATE </a:t>
-                      </a:r>
-                      <a:endParaRPr lang="it-IT" sz="1200" b="1" dirty="0">
-                        <a:solidFill>
-                          <a:sysClr val="windowText" lastClr="000000"/>
-                        </a:solidFill>
-                        <a:latin typeface="+mj-lt"/>
-                      </a:endParaRPr>
-                    </a:p>
-                  </a:txBody>
-                  <a:tcPr>
-                    <a:lnL w="12700" cap="flat" cmpd="sng" algn="ctr">
-                      <a:solidFill>
-                        <a:schemeClr val="tx1"/>
-                      </a:solidFill>
-                      <a:prstDash val="solid"/>
-                      <a:round/>
-                      <a:headEnd type="none" w="med" len="med"/>
-                      <a:tailEnd type="none" w="med" len="med"/>
-                    </a:lnL>
-                    <a:lnR w="12700" cap="flat" cmpd="sng" algn="ctr">
-                      <a:solidFill>
-                        <a:schemeClr val="tx1"/>
-                      </a:solidFill>
-                      <a:prstDash val="solid"/>
-                      <a:round/>
-                      <a:headEnd type="none" w="med" len="med"/>
-                      <a:tailEnd type="none" w="med" len="med"/>
-                    </a:lnR>
-                    <a:lnT w="12700" cap="flat" cmpd="sng" algn="ctr">
-                      <a:solidFill>
-                        <a:schemeClr val="tx1"/>
-                      </a:solidFill>
-                      <a:prstDash val="solid"/>
-                      <a:round/>
-                      <a:headEnd type="none" w="med" len="med"/>
-                      <a:tailEnd type="none" w="med" len="med"/>
-                    </a:lnT>
-                    <a:lnB w="12700" cap="flat" cmpd="sng" algn="ctr">
-                      <a:solidFill>
-                        <a:schemeClr val="tx1"/>
-                      </a:solidFill>
-                      <a:prstDash val="solid"/>
-                      <a:round/>
-                      <a:headEnd type="none" w="med" len="med"/>
-                      <a:tailEnd type="none" w="med" len="med"/>
-                    </a:lnB>
-                  </a:tcPr>
-                </a:tc>
-                <a:tc>
-                  <a:txBody>
-                    <a:bodyPr/>
-                    <a:lstStyle/>
-                    <a:p>
-                      <a:pPr marL="0" marR="0" lvl="0" indent="0" algn="l" defTabSz="914400" rtl="0" eaLnBrk="1" fontAlgn="auto" latinLnBrk="0" hangingPunct="1">
-                        <a:lnSpc>
-                          <a:spcPct val="100000"/>
-                        </a:lnSpc>
-                        <a:spcBef>
-                          <a:spcPts val="0"/>
-                        </a:spcBef>
-                        <a:spcAft>
-                          <a:spcPts val="0"/>
-                        </a:spcAft>
-                        <a:buClrTx/>
-                        <a:buSzTx/>
-                        <a:buFontTx/>
-                        <a:buNone/>
-                        <a:tabLst/>
-                        <a:defRPr/>
-                      </a:pPr>
-                      <a:r>
-                        <a:rPr lang="it-IT" sz="1200" kern="1200" dirty="0">
-                          <a:solidFill>
-                            <a:sysClr val="windowText" lastClr="000000"/>
-                          </a:solidFill>
-                        </a:rPr>
-                        <a:t>10^5 </a:t>
-                      </a:r>
-                      <a:r>
-                        <a:rPr lang="it-IT" sz="1200" kern="1200" dirty="0" err="1">
-                          <a:solidFill>
-                            <a:sysClr val="windowText" lastClr="000000"/>
-                          </a:solidFill>
-                        </a:rPr>
-                        <a:t>instructions</a:t>
-                      </a:r>
-                      <a:r>
-                        <a:rPr lang="it-IT" sz="1200" kern="1200" dirty="0">
-                          <a:solidFill>
-                            <a:sysClr val="windowText" lastClr="000000"/>
-                          </a:solidFill>
-                        </a:rPr>
-                        <a:t>/s</a:t>
-                      </a:r>
-                      <a:endParaRPr lang="it-IT" sz="1200" kern="1200" dirty="0">
-                        <a:solidFill>
-                          <a:sysClr val="windowText" lastClr="000000"/>
-                        </a:solidFill>
-                        <a:latin typeface="+mj-lt"/>
-                        <a:ea typeface="+mn-ea"/>
-                        <a:cs typeface="+mn-cs"/>
-                      </a:endParaRPr>
-                    </a:p>
-                  </a:txBody>
-                  <a:tcPr>
-                    <a:lnL w="12700" cap="flat" cmpd="sng" algn="ctr">
-                      <a:solidFill>
-                        <a:schemeClr val="tx1"/>
-                      </a:solidFill>
-                      <a:prstDash val="solid"/>
-                      <a:round/>
-                      <a:headEnd type="none" w="med" len="med"/>
-                      <a:tailEnd type="none" w="med" len="med"/>
-                    </a:lnL>
-                    <a:lnR w="12700" cap="flat" cmpd="sng" algn="ctr">
-                      <a:solidFill>
-                        <a:schemeClr val="tx1"/>
-                      </a:solidFill>
-                      <a:prstDash val="solid"/>
-                      <a:round/>
-                      <a:headEnd type="none" w="med" len="med"/>
-                      <a:tailEnd type="none" w="med" len="med"/>
-                    </a:lnR>
-                    <a:lnT w="12700" cap="flat" cmpd="sng" algn="ctr">
-                      <a:solidFill>
-                        <a:schemeClr val="tx1"/>
-                      </a:solidFill>
-                      <a:prstDash val="solid"/>
-                      <a:round/>
-                      <a:headEnd type="none" w="med" len="med"/>
-                      <a:tailEnd type="none" w="med" len="med"/>
-                    </a:lnT>
-                    <a:lnB w="12700" cap="flat" cmpd="sng" algn="ctr">
-                      <a:solidFill>
-                        <a:schemeClr val="tx1"/>
-                      </a:solidFill>
-                      <a:prstDash val="solid"/>
-                      <a:round/>
-                      <a:headEnd type="none" w="med" len="med"/>
-                      <a:tailEnd type="none" w="med" len="med"/>
-                    </a:lnB>
-                  </a:tcPr>
-                </a:tc>
-                <a:extLst>
-                  <a:ext uri="{0D108BD9-81ED-4DB2-BD59-A6C34878D82A}">
-                    <a16:rowId xmlns:a16="http://schemas.microsoft.com/office/drawing/2014/main" val="1143669215"/>
-                  </a:ext>
-                </a:extLst>
-              </a:tr>
-              <a:tr h="493604">
-                <a:tc>
-                  <a:txBody>
-                    <a:bodyPr/>
-                    <a:lstStyle/>
-                    <a:p>
-                      <a:r>
-                        <a:rPr lang="it-IT" sz="1200" b="1" dirty="0">
-                          <a:solidFill>
-                            <a:sysClr val="windowText" lastClr="000000"/>
-                          </a:solidFill>
-                        </a:rPr>
-                        <a:t>UNIFORM</a:t>
-                      </a:r>
-                      <a:endParaRPr lang="it-IT" sz="1200" b="1" dirty="0">
-                        <a:solidFill>
-                          <a:sysClr val="windowText" lastClr="000000"/>
-                        </a:solidFill>
-                        <a:latin typeface="+mj-lt"/>
-                      </a:endParaRPr>
-                    </a:p>
-                  </a:txBody>
-                  <a:tcPr>
-                    <a:lnL w="12700" cap="flat" cmpd="sng" algn="ctr">
-                      <a:solidFill>
-                        <a:schemeClr val="tx1"/>
-                      </a:solidFill>
-                      <a:prstDash val="solid"/>
-                      <a:round/>
-                      <a:headEnd type="none" w="med" len="med"/>
-                      <a:tailEnd type="none" w="med" len="med"/>
-                    </a:lnL>
-                    <a:lnR w="12700" cap="flat" cmpd="sng" algn="ctr">
-                      <a:solidFill>
-                        <a:schemeClr val="tx1"/>
-                      </a:solidFill>
-                      <a:prstDash val="solid"/>
-                      <a:round/>
-                      <a:headEnd type="none" w="med" len="med"/>
-                      <a:tailEnd type="none" w="med" len="med"/>
-                    </a:lnR>
-                    <a:lnT w="12700" cap="flat" cmpd="sng" algn="ctr">
-                      <a:solidFill>
-                        <a:schemeClr val="tx1"/>
-                      </a:solidFill>
-                      <a:prstDash val="solid"/>
-                      <a:round/>
-                      <a:headEnd type="none" w="med" len="med"/>
-                      <a:tailEnd type="none" w="med" len="med"/>
-                    </a:lnT>
-                    <a:lnB w="12700" cap="flat" cmpd="sng" algn="ctr">
-                      <a:solidFill>
-                        <a:schemeClr val="tx1"/>
-                      </a:solidFill>
-                      <a:prstDash val="solid"/>
-                      <a:round/>
-                      <a:headEnd type="none" w="med" len="med"/>
-                      <a:tailEnd type="none" w="med" len="med"/>
-                    </a:lnB>
-                  </a:tcPr>
-                </a:tc>
-                <a:tc>
-                  <a:txBody>
-                    <a:bodyPr/>
-                    <a:lstStyle/>
-                    <a:p>
-                      <a:pPr marL="285750" indent="-285750">
-                        <a:buFont typeface="Wingdings" pitchFamily="2" charset="2"/>
-                        <a:buChar char="§"/>
-                      </a:pPr>
-                      <a:r>
-                        <a:rPr kumimoji="0" lang="it-IT" altLang="it-IT" sz="1200" b="0" u="none" strike="noStrike" kern="1200" cap="none" normalizeH="0" baseline="0" dirty="0" err="1">
-                          <a:ln>
-                            <a:noFill/>
-                          </a:ln>
-                          <a:solidFill>
-                            <a:sysClr val="windowText" lastClr="000000"/>
-                          </a:solidFill>
-                          <a:effectLst/>
-                        </a:rPr>
-                        <a:t>x∼U</a:t>
-                      </a:r>
-                      <a:r>
-                        <a:rPr kumimoji="0" lang="it-IT" altLang="it-IT" sz="1200" b="0" u="none" strike="noStrike" kern="1200" cap="none" normalizeH="0" baseline="0" dirty="0">
-                          <a:ln>
-                            <a:noFill/>
-                          </a:ln>
-                          <a:solidFill>
-                            <a:sysClr val="windowText" lastClr="000000"/>
-                          </a:solidFill>
-                          <a:effectLst/>
-                        </a:rPr>
-                        <a:t>(0, </a:t>
-                      </a:r>
-                      <a:r>
-                        <a:rPr kumimoji="0" lang="it-IT" altLang="it-IT" sz="1200" b="0" u="none" strike="noStrike" kern="1200" cap="none" normalizeH="0" baseline="0" dirty="0" err="1">
-                          <a:ln>
-                            <a:noFill/>
-                          </a:ln>
-                          <a:solidFill>
-                            <a:sysClr val="windowText" lastClr="000000"/>
-                          </a:solidFill>
-                          <a:effectLst/>
-                        </a:rPr>
-                        <a:t>Width</a:t>
-                      </a:r>
-                      <a:r>
-                        <a:rPr kumimoji="0" lang="it-IT" altLang="it-IT" sz="1200" b="0" u="none" strike="noStrike" kern="1200" cap="none" normalizeH="0" baseline="0" dirty="0">
-                          <a:ln>
-                            <a:noFill/>
-                          </a:ln>
-                          <a:solidFill>
-                            <a:sysClr val="windowText" lastClr="000000"/>
-                          </a:solidFill>
-                          <a:effectLst/>
-                        </a:rPr>
-                        <a:t>)</a:t>
-                      </a:r>
-                    </a:p>
-                    <a:p>
-                      <a:pPr marL="285750" indent="-285750">
-                        <a:buFont typeface="Wingdings" pitchFamily="2" charset="2"/>
-                        <a:buChar char="§"/>
-                      </a:pPr>
-                      <a:r>
-                        <a:rPr kumimoji="0" lang="it-IT" altLang="it-IT" sz="1200" b="0" u="none" strike="noStrike" kern="1200" cap="none" normalizeH="0" baseline="0" dirty="0" err="1">
-                          <a:ln>
-                            <a:noFill/>
-                          </a:ln>
-                          <a:solidFill>
-                            <a:sysClr val="windowText" lastClr="000000"/>
-                          </a:solidFill>
-                          <a:effectLst/>
-                        </a:rPr>
-                        <a:t>y∼U</a:t>
-                      </a:r>
-                      <a:r>
-                        <a:rPr kumimoji="0" lang="it-IT" altLang="it-IT" sz="1200" b="0" u="none" strike="noStrike" kern="1200" cap="none" normalizeH="0" baseline="0" dirty="0">
-                          <a:ln>
-                            <a:noFill/>
-                          </a:ln>
-                          <a:solidFill>
-                            <a:sysClr val="windowText" lastClr="000000"/>
-                          </a:solidFill>
-                          <a:effectLst/>
-                        </a:rPr>
-                        <a:t>(0, </a:t>
-                      </a:r>
-                      <a:r>
-                        <a:rPr kumimoji="0" lang="it-IT" altLang="it-IT" sz="1200" b="0" u="none" strike="noStrike" kern="1200" cap="none" normalizeH="0" baseline="0" dirty="0" err="1">
-                          <a:ln>
-                            <a:noFill/>
-                          </a:ln>
-                          <a:solidFill>
-                            <a:sysClr val="windowText" lastClr="000000"/>
-                          </a:solidFill>
-                          <a:effectLst/>
-                        </a:rPr>
-                        <a:t>Height</a:t>
-                      </a:r>
-                      <a:r>
-                        <a:rPr kumimoji="0" lang="it-IT" altLang="it-IT" sz="1200" b="0" u="none" strike="noStrike" kern="1200" cap="none" normalizeH="0" baseline="0" dirty="0">
-                          <a:ln>
-                            <a:noFill/>
-                          </a:ln>
-                          <a:solidFill>
-                            <a:sysClr val="windowText" lastClr="000000"/>
-                          </a:solidFill>
-                          <a:effectLst/>
-                        </a:rPr>
-                        <a:t>)</a:t>
-                      </a:r>
-                      <a:endParaRPr kumimoji="0" lang="it-IT" altLang="it-IT" sz="1200" b="0" i="0" u="none" strike="noStrike" kern="1200" cap="none" normalizeH="0" baseline="0" dirty="0">
-                        <a:ln>
-                          <a:noFill/>
-                        </a:ln>
-                        <a:solidFill>
-                          <a:sysClr val="windowText" lastClr="000000"/>
-                        </a:solidFill>
-                        <a:effectLst/>
-                        <a:latin typeface="+mj-lt"/>
-                        <a:ea typeface="+mn-ea"/>
-                        <a:cs typeface="+mn-cs"/>
-                      </a:endParaRPr>
-                    </a:p>
-                  </a:txBody>
-                  <a:tcPr>
-                    <a:lnL w="12700" cap="flat" cmpd="sng" algn="ctr">
-                      <a:solidFill>
-                        <a:schemeClr val="tx1"/>
-                      </a:solidFill>
-                      <a:prstDash val="solid"/>
-                      <a:round/>
-                      <a:headEnd type="none" w="med" len="med"/>
-                      <a:tailEnd type="none" w="med" len="med"/>
-                    </a:lnL>
-                    <a:lnR w="12700" cap="flat" cmpd="sng" algn="ctr">
-                      <a:solidFill>
-                        <a:schemeClr val="tx1"/>
-                      </a:solidFill>
-                      <a:prstDash val="solid"/>
-                      <a:round/>
-                      <a:headEnd type="none" w="med" len="med"/>
-                      <a:tailEnd type="none" w="med" len="med"/>
-                    </a:lnR>
-                    <a:lnT w="12700" cap="flat" cmpd="sng" algn="ctr">
-                      <a:solidFill>
-                        <a:schemeClr val="tx1"/>
-                      </a:solidFill>
-                      <a:prstDash val="solid"/>
-                      <a:round/>
-                      <a:headEnd type="none" w="med" len="med"/>
-                      <a:tailEnd type="none" w="med" len="med"/>
-                    </a:lnT>
-                    <a:lnB w="12700" cap="flat" cmpd="sng" algn="ctr">
-                      <a:solidFill>
-                        <a:schemeClr val="tx1"/>
-                      </a:solidFill>
-                      <a:prstDash val="solid"/>
-                      <a:round/>
-                      <a:headEnd type="none" w="med" len="med"/>
-                      <a:tailEnd type="none" w="med" len="med"/>
-                    </a:lnB>
-                  </a:tcPr>
-                </a:tc>
-                <a:extLst>
-                  <a:ext uri="{0D108BD9-81ED-4DB2-BD59-A6C34878D82A}">
-                    <a16:rowId xmlns:a16="http://schemas.microsoft.com/office/drawing/2014/main" val="2878744497"/>
-                  </a:ext>
-                </a:extLst>
-              </a:tr>
-              <a:tr h="493604">
-                <a:tc>
-                  <a:txBody>
-                    <a:bodyPr/>
-                    <a:lstStyle/>
-                    <a:p>
-                      <a:r>
-                        <a:rPr lang="it-IT" sz="1200" b="1" dirty="0">
-                          <a:solidFill>
-                            <a:sysClr val="windowText" lastClr="000000"/>
-                          </a:solidFill>
-                        </a:rPr>
-                        <a:t>LOGNORMAL</a:t>
-                      </a:r>
-                      <a:endParaRPr lang="it-IT" sz="1200" b="1" dirty="0">
-                        <a:solidFill>
-                          <a:sysClr val="windowText" lastClr="000000"/>
-                        </a:solidFill>
-                        <a:latin typeface="+mj-lt"/>
-                      </a:endParaRPr>
-                    </a:p>
-                  </a:txBody>
-                  <a:tcPr>
-                    <a:lnL w="12700" cap="flat" cmpd="sng" algn="ctr">
-                      <a:solidFill>
-                        <a:schemeClr val="tx1"/>
-                      </a:solidFill>
-                      <a:prstDash val="solid"/>
-                      <a:round/>
-                      <a:headEnd type="none" w="med" len="med"/>
-                      <a:tailEnd type="none" w="med" len="med"/>
-                    </a:lnL>
-                    <a:lnR w="12700" cap="flat" cmpd="sng" algn="ctr">
-                      <a:solidFill>
-                        <a:schemeClr val="tx1"/>
-                      </a:solidFill>
-                      <a:prstDash val="solid"/>
-                      <a:round/>
-                      <a:headEnd type="none" w="med" len="med"/>
-                      <a:tailEnd type="none" w="med" len="med"/>
-                    </a:lnR>
-                    <a:lnT w="12700" cap="flat" cmpd="sng" algn="ctr">
-                      <a:solidFill>
-                        <a:schemeClr val="tx1"/>
-                      </a:solidFill>
-                      <a:prstDash val="solid"/>
-                      <a:round/>
-                      <a:headEnd type="none" w="med" len="med"/>
-                      <a:tailEnd type="none" w="med" len="med"/>
-                    </a:lnT>
-                    <a:lnB w="12700" cap="flat" cmpd="sng" algn="ctr">
-                      <a:solidFill>
-                        <a:schemeClr val="tx1"/>
-                      </a:solidFill>
-                      <a:prstDash val="solid"/>
-                      <a:round/>
-                      <a:headEnd type="none" w="med" len="med"/>
-                      <a:tailEnd type="none" w="med" len="med"/>
-                    </a:lnB>
-                  </a:tcPr>
-                </a:tc>
-                <a:tc>
-                  <a:txBody>
-                    <a:bodyPr/>
-                    <a:lstStyle/>
-                    <a:p>
-                      <a:pPr marL="29718" lvl="0" indent="-285750">
-                        <a:buFont typeface="Wingdings" pitchFamily="2" charset="2"/>
-                        <a:buChar char="§"/>
-                      </a:pPr>
-                      <a:r>
-                        <a:rPr lang="it-IT" sz="1200" kern="1200" dirty="0" err="1">
-                          <a:solidFill>
-                            <a:sysClr val="windowText" lastClr="000000"/>
-                          </a:solidFill>
-                        </a:rPr>
-                        <a:t>x∼Lognormal</a:t>
-                      </a:r>
-                      <a:r>
-                        <a:rPr lang="it-IT" sz="1200" kern="1200" dirty="0">
-                          <a:solidFill>
-                            <a:sysClr val="windowText" lastClr="000000"/>
-                          </a:solidFill>
-                        </a:rPr>
-                        <a:t>(</a:t>
-                      </a:r>
-                      <a:r>
-                        <a:rPr lang="el-GR" sz="1200" kern="1200" dirty="0">
-                          <a:solidFill>
-                            <a:sysClr val="windowText" lastClr="000000"/>
-                          </a:solidFill>
-                        </a:rPr>
-                        <a:t>μ=</a:t>
-                      </a:r>
-                      <a:r>
-                        <a:rPr lang="it-IT" sz="1200" kern="1200" dirty="0">
-                          <a:solidFill>
-                            <a:sysClr val="windowText" lastClr="000000"/>
-                          </a:solidFill>
-                        </a:rPr>
-                        <a:t>ln(</a:t>
-                      </a:r>
-                      <a:r>
-                        <a:rPr kumimoji="0" lang="it-IT" altLang="it-IT" sz="1200" b="0" u="none" strike="noStrike" kern="1200" cap="none" normalizeH="0" baseline="0" dirty="0" err="1">
-                          <a:ln>
-                            <a:noFill/>
-                          </a:ln>
-                          <a:solidFill>
-                            <a:sysClr val="windowText" lastClr="000000"/>
-                          </a:solidFill>
-                          <a:effectLst/>
-                        </a:rPr>
-                        <a:t>Width</a:t>
-                      </a:r>
-                      <a:r>
-                        <a:rPr kumimoji="0" lang="it-IT" altLang="it-IT" sz="1200" b="0" u="none" strike="noStrike" kern="1200" cap="none" normalizeH="0" baseline="0" dirty="0">
-                          <a:ln>
-                            <a:noFill/>
-                          </a:ln>
-                          <a:solidFill>
-                            <a:sysClr val="windowText" lastClr="000000"/>
-                          </a:solidFill>
-                          <a:effectLst/>
-                        </a:rPr>
-                        <a:t> </a:t>
-                      </a:r>
-                      <a:r>
-                        <a:rPr lang="it-IT" sz="1200" kern="1200" dirty="0">
-                          <a:solidFill>
-                            <a:sysClr val="windowText" lastClr="000000"/>
-                          </a:solidFill>
-                        </a:rPr>
-                        <a:t>/2),</a:t>
-                      </a:r>
-                      <a:r>
-                        <a:rPr lang="el-GR" sz="1200" kern="1200" dirty="0">
-                          <a:solidFill>
-                            <a:sysClr val="windowText" lastClr="000000"/>
-                          </a:solidFill>
-                        </a:rPr>
-                        <a:t>σ</a:t>
-                      </a:r>
-                      <a:r>
-                        <a:rPr lang="it-IT" sz="1200" kern="1200" dirty="0">
-                          <a:solidFill>
-                            <a:sysClr val="windowText" lastClr="000000"/>
-                          </a:solidFill>
-                        </a:rPr>
-                        <a:t>^2</a:t>
-                      </a:r>
-                      <a:r>
-                        <a:rPr lang="el-GR" sz="1200" kern="1200" dirty="0">
-                          <a:solidFill>
-                            <a:sysClr val="windowText" lastClr="000000"/>
-                          </a:solidFill>
-                        </a:rPr>
-                        <a:t>=0.4)</a:t>
-                      </a:r>
-                      <a:endParaRPr lang="it-IT" sz="1200" kern="1200" dirty="0">
-                        <a:solidFill>
-                          <a:sysClr val="windowText" lastClr="000000"/>
-                        </a:solidFill>
-                      </a:endParaRPr>
-                    </a:p>
-                    <a:p>
-                      <a:pPr marL="29718" lvl="0" indent="-285750">
-                        <a:buFont typeface="Wingdings" pitchFamily="2" charset="2"/>
-                        <a:buChar char="§"/>
-                      </a:pPr>
-                      <a:r>
-                        <a:rPr kumimoji="0" lang="it-IT" altLang="it-IT" sz="1200" b="0" u="none" strike="noStrike" kern="1200" cap="none" normalizeH="0" baseline="0" dirty="0" err="1">
-                          <a:ln>
-                            <a:noFill/>
-                          </a:ln>
-                          <a:solidFill>
-                            <a:sysClr val="windowText" lastClr="000000"/>
-                          </a:solidFill>
-                          <a:effectLst/>
-                        </a:rPr>
-                        <a:t>y∼Lognormal</a:t>
-                      </a:r>
-                      <a:r>
-                        <a:rPr kumimoji="0" lang="it-IT" altLang="it-IT" sz="1200" b="0" u="none" strike="noStrike" kern="1200" cap="none" normalizeH="0" baseline="0" dirty="0">
-                          <a:ln>
-                            <a:noFill/>
-                          </a:ln>
-                          <a:solidFill>
-                            <a:sysClr val="windowText" lastClr="000000"/>
-                          </a:solidFill>
-                          <a:effectLst/>
-                        </a:rPr>
-                        <a:t>(</a:t>
-                      </a:r>
-                      <a:r>
-                        <a:rPr kumimoji="0" lang="el-GR" altLang="it-IT" sz="1200" b="0" u="none" strike="noStrike" kern="1200" cap="none" normalizeH="0" baseline="0" dirty="0">
-                          <a:ln>
-                            <a:noFill/>
-                          </a:ln>
-                          <a:solidFill>
-                            <a:sysClr val="windowText" lastClr="000000"/>
-                          </a:solidFill>
-                          <a:effectLst/>
-                        </a:rPr>
-                        <a:t>μ=</a:t>
-                      </a:r>
-                      <a:r>
-                        <a:rPr kumimoji="0" lang="it-IT" altLang="it-IT" sz="1200" b="0" u="none" strike="noStrike" kern="1200" cap="none" normalizeH="0" baseline="0" dirty="0">
-                          <a:ln>
-                            <a:noFill/>
-                          </a:ln>
-                          <a:solidFill>
-                            <a:sysClr val="windowText" lastClr="000000"/>
-                          </a:solidFill>
-                          <a:effectLst/>
-                        </a:rPr>
-                        <a:t>ln(</a:t>
-                      </a:r>
-                      <a:r>
-                        <a:rPr kumimoji="0" lang="it-IT" altLang="it-IT" sz="1200" b="0" u="none" strike="noStrike" kern="1200" cap="none" normalizeH="0" baseline="0" dirty="0" err="1">
-                          <a:ln>
-                            <a:noFill/>
-                          </a:ln>
-                          <a:solidFill>
-                            <a:sysClr val="windowText" lastClr="000000"/>
-                          </a:solidFill>
-                          <a:effectLst/>
-                        </a:rPr>
-                        <a:t>Height</a:t>
-                      </a:r>
-                      <a:r>
-                        <a:rPr kumimoji="0" lang="it-IT" altLang="it-IT" sz="1200" b="0" u="none" strike="noStrike" kern="1200" cap="none" normalizeH="0" baseline="0" dirty="0">
-                          <a:ln>
-                            <a:noFill/>
-                          </a:ln>
-                          <a:solidFill>
-                            <a:sysClr val="windowText" lastClr="000000"/>
-                          </a:solidFill>
-                          <a:effectLst/>
-                        </a:rPr>
-                        <a:t> /2),</a:t>
-                      </a:r>
-                      <a:r>
-                        <a:rPr kumimoji="0" lang="el-GR" altLang="it-IT" sz="1200" b="0" u="none" strike="noStrike" kern="1200" cap="none" normalizeH="0" baseline="0" dirty="0">
-                          <a:ln>
-                            <a:noFill/>
-                          </a:ln>
-                          <a:solidFill>
-                            <a:sysClr val="windowText" lastClr="000000"/>
-                          </a:solidFill>
-                          <a:effectLst/>
-                        </a:rPr>
-                        <a:t>σ</a:t>
-                      </a:r>
-                      <a:r>
-                        <a:rPr kumimoji="0" lang="it-IT" altLang="it-IT" sz="1200" b="0" u="none" strike="noStrike" kern="1200" cap="none" normalizeH="0" baseline="0" dirty="0">
-                          <a:ln>
-                            <a:noFill/>
-                          </a:ln>
-                          <a:solidFill>
-                            <a:sysClr val="windowText" lastClr="000000"/>
-                          </a:solidFill>
-                          <a:effectLst/>
-                        </a:rPr>
-                        <a:t>^2</a:t>
-                      </a:r>
-                      <a:r>
-                        <a:rPr kumimoji="0" lang="el-GR" altLang="it-IT" sz="1200" b="0" u="none" strike="noStrike" kern="1200" cap="none" normalizeH="0" baseline="0" dirty="0">
-                          <a:ln>
-                            <a:noFill/>
-                          </a:ln>
-                          <a:solidFill>
-                            <a:sysClr val="windowText" lastClr="000000"/>
-                          </a:solidFill>
-                          <a:effectLst/>
-                        </a:rPr>
-                        <a:t>=0.4)</a:t>
-                      </a:r>
-                      <a:endParaRPr kumimoji="0" lang="it-IT" altLang="it-IT" sz="1200" b="0" i="0" u="none" strike="noStrike" kern="1200" cap="none" normalizeH="0" baseline="0" dirty="0">
-                        <a:ln>
-                          <a:noFill/>
-                        </a:ln>
-                        <a:solidFill>
-                          <a:sysClr val="windowText" lastClr="000000"/>
-                        </a:solidFill>
-                        <a:effectLst/>
-                        <a:latin typeface="+mj-lt"/>
-                        <a:ea typeface="Calibri" panose="020F0502020204030204" pitchFamily="34" charset="0"/>
-                        <a:cs typeface="Calibri" panose="020F0502020204030204" pitchFamily="34" charset="0"/>
-                      </a:endParaRPr>
-                    </a:p>
-                  </a:txBody>
-                  <a:tcPr>
-                    <a:lnL w="12700" cap="flat" cmpd="sng" algn="ctr">
-                      <a:solidFill>
-                        <a:schemeClr val="tx1"/>
-                      </a:solidFill>
-                      <a:prstDash val="solid"/>
-                      <a:round/>
-                      <a:headEnd type="none" w="med" len="med"/>
-                      <a:tailEnd type="none" w="med" len="med"/>
-                    </a:lnL>
-                    <a:lnR w="12700" cap="flat" cmpd="sng" algn="ctr">
-                      <a:solidFill>
-                        <a:schemeClr val="tx1"/>
-                      </a:solidFill>
-                      <a:prstDash val="solid"/>
-                      <a:round/>
-                      <a:headEnd type="none" w="med" len="med"/>
-                      <a:tailEnd type="none" w="med" len="med"/>
-                    </a:lnR>
-                    <a:lnT w="12700" cap="flat" cmpd="sng" algn="ctr">
-                      <a:solidFill>
-                        <a:schemeClr val="tx1"/>
-                      </a:solidFill>
-                      <a:prstDash val="solid"/>
-                      <a:round/>
-                      <a:headEnd type="none" w="med" len="med"/>
-                      <a:tailEnd type="none" w="med" len="med"/>
-                    </a:lnT>
-                    <a:lnB w="12700" cap="flat" cmpd="sng" algn="ctr">
-                      <a:solidFill>
-                        <a:schemeClr val="tx1"/>
-                      </a:solidFill>
-                      <a:prstDash val="solid"/>
-                      <a:round/>
-                      <a:headEnd type="none" w="med" len="med"/>
-                      <a:tailEnd type="none" w="med" len="med"/>
-                    </a:lnB>
-                  </a:tcPr>
-                </a:tc>
-                <a:extLst>
-                  <a:ext uri="{0D108BD9-81ED-4DB2-BD59-A6C34878D82A}">
-                    <a16:rowId xmlns:a16="http://schemas.microsoft.com/office/drawing/2014/main" val="3565715207"/>
-                  </a:ext>
-                </a:extLst>
-              </a:tr>
-              <a:tr h="285771">
-                <a:tc>
-                  <a:txBody>
-                    <a:bodyPr/>
-                    <a:lstStyle/>
-                    <a:p>
-                      <a:r>
-                        <a:rPr lang="it-IT" sz="1200" b="1" dirty="0">
-                          <a:solidFill>
-                            <a:sysClr val="windowText" lastClr="000000"/>
-                          </a:solidFill>
-                        </a:rPr>
-                        <a:t>NUMBER OF USERS </a:t>
-                      </a:r>
-                      <a:endParaRPr lang="it-IT" sz="1200" b="1" dirty="0">
-                        <a:solidFill>
-                          <a:sysClr val="windowText" lastClr="000000"/>
-                        </a:solidFill>
-                        <a:latin typeface="+mj-lt"/>
-                      </a:endParaRPr>
-                    </a:p>
-                  </a:txBody>
-                  <a:tcPr>
-                    <a:lnL w="12700" cap="flat" cmpd="sng" algn="ctr">
-                      <a:solidFill>
-                        <a:schemeClr val="tx1"/>
-                      </a:solidFill>
-                      <a:prstDash val="solid"/>
-                      <a:round/>
-                      <a:headEnd type="none" w="med" len="med"/>
-                      <a:tailEnd type="none" w="med" len="med"/>
-                    </a:lnL>
-                    <a:lnR w="12700" cap="flat" cmpd="sng" algn="ctr">
-                      <a:solidFill>
-                        <a:schemeClr val="tx1"/>
-                      </a:solidFill>
-                      <a:prstDash val="solid"/>
-                      <a:round/>
-                      <a:headEnd type="none" w="med" len="med"/>
-                      <a:tailEnd type="none" w="med" len="med"/>
-                    </a:lnR>
-                    <a:lnT w="12700" cap="flat" cmpd="sng" algn="ctr">
-                      <a:solidFill>
-                        <a:schemeClr val="tx1"/>
-                      </a:solidFill>
-                      <a:prstDash val="solid"/>
-                      <a:round/>
-                      <a:headEnd type="none" w="med" len="med"/>
-                      <a:tailEnd type="none" w="med" len="med"/>
-                    </a:lnT>
-                    <a:lnB w="12700" cap="flat" cmpd="sng" algn="ctr">
-                      <a:solidFill>
-                        <a:schemeClr val="tx1"/>
-                      </a:solidFill>
-                      <a:prstDash val="solid"/>
-                      <a:round/>
-                      <a:headEnd type="none" w="med" len="med"/>
-                      <a:tailEnd type="none" w="med" len="med"/>
-                    </a:lnB>
-                  </a:tcPr>
-                </a:tc>
-                <a:tc>
-                  <a:txBody>
-                    <a:bodyPr/>
-                    <a:lstStyle/>
-                    <a:p>
-                      <a:pPr marL="0" marR="0" lvl="0" indent="0" algn="l" defTabSz="914400" rtl="0" eaLnBrk="1" fontAlgn="auto" latinLnBrk="0" hangingPunct="1">
-                        <a:lnSpc>
-                          <a:spcPct val="100000"/>
-                        </a:lnSpc>
-                        <a:spcBef>
-                          <a:spcPts val="0"/>
-                        </a:spcBef>
-                        <a:spcAft>
-                          <a:spcPts val="0"/>
-                        </a:spcAft>
-                        <a:buClrTx/>
-                        <a:buSzTx/>
-                        <a:buFontTx/>
-                        <a:buNone/>
-                        <a:tabLst/>
-                        <a:defRPr/>
-                      </a:pPr>
-                      <a:r>
-                        <a:rPr lang="it-IT" sz="1200" kern="1200" dirty="0">
-                          <a:solidFill>
-                            <a:sysClr val="windowText" lastClr="000000"/>
-                          </a:solidFill>
-                        </a:rPr>
-                        <a:t>[100, 200, 300, 400, 500]</a:t>
-                      </a:r>
-                      <a:endParaRPr lang="it-IT" sz="1200" kern="1200" dirty="0">
-                        <a:solidFill>
-                          <a:sysClr val="windowText" lastClr="000000"/>
-                        </a:solidFill>
-                        <a:latin typeface="+mj-lt"/>
-                        <a:ea typeface="+mn-ea"/>
-                        <a:cs typeface="+mn-cs"/>
-                      </a:endParaRPr>
-                    </a:p>
-                  </a:txBody>
-                  <a:tcPr>
-                    <a:lnL w="12700" cap="flat" cmpd="sng" algn="ctr">
-                      <a:solidFill>
-                        <a:schemeClr val="tx1"/>
-                      </a:solidFill>
-                      <a:prstDash val="solid"/>
-                      <a:round/>
-                      <a:headEnd type="none" w="med" len="med"/>
-                      <a:tailEnd type="none" w="med" len="med"/>
-                    </a:lnL>
-                    <a:lnR w="12700" cap="flat" cmpd="sng" algn="ctr">
-                      <a:solidFill>
-                        <a:schemeClr val="tx1"/>
-                      </a:solidFill>
-                      <a:prstDash val="solid"/>
-                      <a:round/>
-                      <a:headEnd type="none" w="med" len="med"/>
-                      <a:tailEnd type="none" w="med" len="med"/>
-                    </a:lnR>
-                    <a:lnT w="12700" cap="flat" cmpd="sng" algn="ctr">
-                      <a:solidFill>
-                        <a:schemeClr val="tx1"/>
-                      </a:solidFill>
-                      <a:prstDash val="solid"/>
-                      <a:round/>
-                      <a:headEnd type="none" w="med" len="med"/>
-                      <a:tailEnd type="none" w="med" len="med"/>
-                    </a:lnT>
-                    <a:lnB w="12700" cap="flat" cmpd="sng" algn="ctr">
-                      <a:solidFill>
-                        <a:schemeClr val="tx1"/>
-                      </a:solidFill>
-                      <a:prstDash val="solid"/>
-                      <a:round/>
-                      <a:headEnd type="none" w="med" len="med"/>
-                      <a:tailEnd type="none" w="med" len="med"/>
-                    </a:lnB>
-                  </a:tcPr>
-                </a:tc>
-                <a:extLst>
-                  <a:ext uri="{0D108BD9-81ED-4DB2-BD59-A6C34878D82A}">
-                    <a16:rowId xmlns:a16="http://schemas.microsoft.com/office/drawing/2014/main" val="1930219407"/>
-                  </a:ext>
-                </a:extLst>
-              </a:tr>
-              <a:tr h="285771">
-                <a:tc>
-                  <a:txBody>
-                    <a:bodyPr/>
-                    <a:lstStyle/>
-                    <a:p>
-                      <a:r>
-                        <a:rPr lang="it-IT" sz="1200" b="1" dirty="0">
-                          <a:solidFill>
-                            <a:sysClr val="windowText" lastClr="000000"/>
-                          </a:solidFill>
-                        </a:rPr>
-                        <a:t>INTERVAL RATE </a:t>
-                      </a:r>
-                      <a:endParaRPr lang="it-IT" sz="1200" b="1" dirty="0">
-                        <a:solidFill>
-                          <a:sysClr val="windowText" lastClr="000000"/>
-                        </a:solidFill>
-                        <a:latin typeface="+mj-lt"/>
-                      </a:endParaRPr>
-                    </a:p>
-                  </a:txBody>
-                  <a:tcPr>
-                    <a:lnL w="12700" cap="flat" cmpd="sng" algn="ctr">
-                      <a:solidFill>
-                        <a:schemeClr val="tx1"/>
-                      </a:solidFill>
-                      <a:prstDash val="solid"/>
-                      <a:round/>
-                      <a:headEnd type="none" w="med" len="med"/>
-                      <a:tailEnd type="none" w="med" len="med"/>
-                    </a:lnL>
-                    <a:lnR w="12700" cap="flat" cmpd="sng" algn="ctr">
-                      <a:solidFill>
-                        <a:schemeClr val="tx1"/>
-                      </a:solidFill>
-                      <a:prstDash val="solid"/>
-                      <a:round/>
-                      <a:headEnd type="none" w="med" len="med"/>
-                      <a:tailEnd type="none" w="med" len="med"/>
-                    </a:lnR>
-                    <a:lnT w="12700" cap="flat" cmpd="sng" algn="ctr">
-                      <a:solidFill>
-                        <a:schemeClr val="tx1"/>
-                      </a:solidFill>
-                      <a:prstDash val="solid"/>
-                      <a:round/>
-                      <a:headEnd type="none" w="med" len="med"/>
-                      <a:tailEnd type="none" w="med" len="med"/>
-                    </a:lnT>
-                    <a:lnB w="12700" cap="flat" cmpd="sng" algn="ctr">
-                      <a:solidFill>
-                        <a:schemeClr val="tx1"/>
-                      </a:solidFill>
-                      <a:prstDash val="solid"/>
-                      <a:round/>
-                      <a:headEnd type="none" w="med" len="med"/>
-                      <a:tailEnd type="none" w="med" len="med"/>
-                    </a:lnB>
-                  </a:tcPr>
-                </a:tc>
-                <a:tc>
-                  <a:txBody>
-                    <a:bodyPr/>
-                    <a:lstStyle/>
-                    <a:p>
-                      <a:pPr marL="0" marR="0" lvl="0" indent="0" algn="l" defTabSz="914400" rtl="0" eaLnBrk="1" fontAlgn="auto" latinLnBrk="0" hangingPunct="1">
-                        <a:lnSpc>
-                          <a:spcPct val="100000"/>
-                        </a:lnSpc>
-                        <a:spcBef>
-                          <a:spcPts val="0"/>
-                        </a:spcBef>
-                        <a:spcAft>
-                          <a:spcPts val="0"/>
-                        </a:spcAft>
-                        <a:buClrTx/>
-                        <a:buSzTx/>
-                        <a:buFontTx/>
-                        <a:buNone/>
-                        <a:tabLst/>
-                        <a:defRPr/>
-                      </a:pPr>
-                      <a:r>
-                        <a:rPr lang="it-IT" sz="1200" kern="1200" dirty="0">
-                          <a:solidFill>
-                            <a:sysClr val="windowText" lastClr="000000"/>
-                          </a:solidFill>
-                        </a:rPr>
-                        <a:t>[1/0.5, 1/0,1] 1/</a:t>
-                      </a:r>
-                      <a:r>
-                        <a:rPr lang="it-IT" sz="1200" kern="1200" dirty="0" err="1">
-                          <a:solidFill>
-                            <a:sysClr val="windowText" lastClr="000000"/>
-                          </a:solidFill>
-                        </a:rPr>
-                        <a:t>s</a:t>
-                      </a:r>
-                      <a:endParaRPr lang="it-IT" sz="1200" kern="1200" dirty="0">
-                        <a:solidFill>
-                          <a:sysClr val="windowText" lastClr="000000"/>
-                        </a:solidFill>
-                        <a:latin typeface="+mj-lt"/>
-                        <a:ea typeface="+mn-ea"/>
-                        <a:cs typeface="+mn-cs"/>
-                      </a:endParaRPr>
-                    </a:p>
-                  </a:txBody>
-                  <a:tcPr>
-                    <a:lnL w="12700" cap="flat" cmpd="sng" algn="ctr">
-                      <a:solidFill>
-                        <a:schemeClr val="tx1"/>
-                      </a:solidFill>
-                      <a:prstDash val="solid"/>
-                      <a:round/>
-                      <a:headEnd type="none" w="med" len="med"/>
-                      <a:tailEnd type="none" w="med" len="med"/>
-                    </a:lnL>
-                    <a:lnR w="12700" cap="flat" cmpd="sng" algn="ctr">
-                      <a:solidFill>
-                        <a:schemeClr val="tx1"/>
-                      </a:solidFill>
-                      <a:prstDash val="solid"/>
-                      <a:round/>
-                      <a:headEnd type="none" w="med" len="med"/>
-                      <a:tailEnd type="none" w="med" len="med"/>
-                    </a:lnR>
-                    <a:lnT w="12700" cap="flat" cmpd="sng" algn="ctr">
-                      <a:solidFill>
-                        <a:schemeClr val="tx1"/>
-                      </a:solidFill>
-                      <a:prstDash val="solid"/>
-                      <a:round/>
-                      <a:headEnd type="none" w="med" len="med"/>
-                      <a:tailEnd type="none" w="med" len="med"/>
-                    </a:lnT>
-                    <a:lnB w="12700" cap="flat" cmpd="sng" algn="ctr">
-                      <a:solidFill>
-                        <a:schemeClr val="tx1"/>
-                      </a:solidFill>
-                      <a:prstDash val="solid"/>
-                      <a:round/>
-                      <a:headEnd type="none" w="med" len="med"/>
-                      <a:tailEnd type="none" w="med" len="med"/>
-                    </a:lnB>
-                  </a:tcPr>
-                </a:tc>
-                <a:extLst>
-                  <a:ext uri="{0D108BD9-81ED-4DB2-BD59-A6C34878D82A}">
-                    <a16:rowId xmlns:a16="http://schemas.microsoft.com/office/drawing/2014/main" val="57858945"/>
-                  </a:ext>
-                </a:extLst>
-              </a:tr>
-              <a:tr h="285771">
-                <a:tc>
-                  <a:txBody>
-                    <a:bodyPr/>
-                    <a:lstStyle/>
-                    <a:p>
-                      <a:r>
-                        <a:rPr lang="it-IT" sz="1200" b="1" dirty="0">
-                          <a:solidFill>
-                            <a:sysClr val="windowText" lastClr="000000"/>
-                          </a:solidFill>
-                        </a:rPr>
-                        <a:t>SIZE RATE </a:t>
-                      </a:r>
-                      <a:endParaRPr lang="it-IT" sz="1200" b="1" dirty="0">
-                        <a:solidFill>
-                          <a:sysClr val="windowText" lastClr="000000"/>
-                        </a:solidFill>
-                        <a:latin typeface="+mj-lt"/>
-                      </a:endParaRPr>
-                    </a:p>
-                  </a:txBody>
-                  <a:tcPr>
-                    <a:lnL w="12700" cap="flat" cmpd="sng" algn="ctr">
-                      <a:solidFill>
-                        <a:schemeClr val="tx1"/>
-                      </a:solidFill>
-                      <a:prstDash val="solid"/>
-                      <a:round/>
-                      <a:headEnd type="none" w="med" len="med"/>
-                      <a:tailEnd type="none" w="med" len="med"/>
-                    </a:lnL>
-                    <a:lnR w="12700" cap="flat" cmpd="sng" algn="ctr">
-                      <a:solidFill>
-                        <a:schemeClr val="tx1"/>
-                      </a:solidFill>
-                      <a:prstDash val="solid"/>
-                      <a:round/>
-                      <a:headEnd type="none" w="med" len="med"/>
-                      <a:tailEnd type="none" w="med" len="med"/>
-                    </a:lnR>
-                    <a:lnT w="12700" cap="flat" cmpd="sng" algn="ctr">
-                      <a:solidFill>
-                        <a:schemeClr val="tx1"/>
-                      </a:solidFill>
-                      <a:prstDash val="solid"/>
-                      <a:round/>
-                      <a:headEnd type="none" w="med" len="med"/>
-                      <a:tailEnd type="none" w="med" len="med"/>
-                    </a:lnT>
-                    <a:lnB w="12700" cap="flat" cmpd="sng" algn="ctr">
-                      <a:solidFill>
-                        <a:schemeClr val="tx1"/>
-                      </a:solidFill>
-                      <a:prstDash val="solid"/>
-                      <a:round/>
-                      <a:headEnd type="none" w="med" len="med"/>
-                      <a:tailEnd type="none" w="med" len="med"/>
-                    </a:lnB>
-                  </a:tcPr>
-                </a:tc>
-                <a:tc>
-                  <a:txBody>
-                    <a:bodyPr/>
-                    <a:lstStyle/>
-                    <a:p>
-                      <a:pPr marL="0" marR="0" lvl="0" indent="0" algn="l" defTabSz="914400" rtl="0" eaLnBrk="1" fontAlgn="auto" latinLnBrk="0" hangingPunct="1">
-                        <a:lnSpc>
-                          <a:spcPct val="100000"/>
-                        </a:lnSpc>
-                        <a:spcBef>
-                          <a:spcPts val="0"/>
-                        </a:spcBef>
-                        <a:spcAft>
-                          <a:spcPts val="0"/>
-                        </a:spcAft>
-                        <a:buClrTx/>
-                        <a:buSzTx/>
-                        <a:buFontTx/>
-                        <a:buNone/>
-                        <a:tabLst/>
-                        <a:defRPr/>
-                      </a:pPr>
-                      <a:r>
-                        <a:rPr lang="it-IT" sz="1200" kern="1200" dirty="0">
-                          <a:solidFill>
-                            <a:sysClr val="windowText" lastClr="000000"/>
-                          </a:solidFill>
-                        </a:rPr>
-                        <a:t>[1/10^3, 1/10^4] 1/</a:t>
-                      </a:r>
-                      <a:r>
-                        <a:rPr lang="it-IT" sz="1200" kern="1200" dirty="0" err="1">
-                          <a:solidFill>
-                            <a:sysClr val="windowText" lastClr="000000"/>
-                          </a:solidFill>
-                        </a:rPr>
-                        <a:t>instructions</a:t>
-                      </a:r>
-                      <a:endParaRPr lang="it-IT" sz="1200" kern="1200" dirty="0">
-                        <a:solidFill>
-                          <a:sysClr val="windowText" lastClr="000000"/>
-                        </a:solidFill>
-                        <a:latin typeface="+mj-lt"/>
-                        <a:ea typeface="+mn-ea"/>
-                        <a:cs typeface="+mn-cs"/>
-                      </a:endParaRPr>
-                    </a:p>
-                  </a:txBody>
-                  <a:tcPr>
-                    <a:lnL w="12700" cap="flat" cmpd="sng" algn="ctr">
-                      <a:solidFill>
-                        <a:schemeClr val="tx1"/>
-                      </a:solidFill>
-                      <a:prstDash val="solid"/>
-                      <a:round/>
-                      <a:headEnd type="none" w="med" len="med"/>
-                      <a:tailEnd type="none" w="med" len="med"/>
-                    </a:lnL>
-                    <a:lnR w="12700" cap="flat" cmpd="sng" algn="ctr">
-                      <a:solidFill>
-                        <a:schemeClr val="tx1"/>
-                      </a:solidFill>
-                      <a:prstDash val="solid"/>
-                      <a:round/>
-                      <a:headEnd type="none" w="med" len="med"/>
-                      <a:tailEnd type="none" w="med" len="med"/>
-                    </a:lnR>
-                    <a:lnT w="12700" cap="flat" cmpd="sng" algn="ctr">
-                      <a:solidFill>
-                        <a:schemeClr val="tx1"/>
-                      </a:solidFill>
-                      <a:prstDash val="solid"/>
-                      <a:round/>
-                      <a:headEnd type="none" w="med" len="med"/>
-                      <a:tailEnd type="none" w="med" len="med"/>
-                    </a:lnT>
-                    <a:lnB w="12700" cap="flat" cmpd="sng" algn="ctr">
-                      <a:solidFill>
-                        <a:schemeClr val="tx1"/>
-                      </a:solidFill>
-                      <a:prstDash val="solid"/>
-                      <a:round/>
-                      <a:headEnd type="none" w="med" len="med"/>
-                      <a:tailEnd type="none" w="med" len="med"/>
-                    </a:lnB>
-                  </a:tcPr>
-                </a:tc>
-                <a:extLst>
-                  <a:ext uri="{0D108BD9-81ED-4DB2-BD59-A6C34878D82A}">
-                    <a16:rowId xmlns:a16="http://schemas.microsoft.com/office/drawing/2014/main" val="1317677281"/>
-                  </a:ext>
-                </a:extLst>
-              </a:tr>
-              <a:tr h="285771">
-                <a:tc>
-                  <a:txBody>
-                    <a:bodyPr/>
-                    <a:lstStyle/>
-                    <a:p>
-                      <a:r>
-                        <a:rPr lang="it-IT" sz="1200" b="1" dirty="0">
-                          <a:solidFill>
-                            <a:sysClr val="windowText" lastClr="000000"/>
-                          </a:solidFill>
-                        </a:rPr>
-                        <a:t>NUMBER OF REPETITIONS</a:t>
-                      </a:r>
-                      <a:endParaRPr lang="it-IT" sz="1200" b="1" dirty="0">
-                        <a:solidFill>
-                          <a:sysClr val="windowText" lastClr="000000"/>
-                        </a:solidFill>
-                        <a:latin typeface="+mj-lt"/>
-                      </a:endParaRPr>
-                    </a:p>
-                  </a:txBody>
-                  <a:tcPr>
-                    <a:lnL w="12700" cap="flat" cmpd="sng" algn="ctr">
-                      <a:solidFill>
-                        <a:schemeClr val="tx1"/>
-                      </a:solidFill>
-                      <a:prstDash val="solid"/>
-                      <a:round/>
-                      <a:headEnd type="none" w="med" len="med"/>
-                      <a:tailEnd type="none" w="med" len="med"/>
-                    </a:lnL>
-                    <a:lnR w="12700" cap="flat" cmpd="sng" algn="ctr">
-                      <a:solidFill>
-                        <a:schemeClr val="tx1"/>
-                      </a:solidFill>
-                      <a:prstDash val="solid"/>
-                      <a:round/>
-                      <a:headEnd type="none" w="med" len="med"/>
-                      <a:tailEnd type="none" w="med" len="med"/>
-                    </a:lnR>
-                    <a:lnT w="12700" cap="flat" cmpd="sng" algn="ctr">
-                      <a:solidFill>
-                        <a:schemeClr val="tx1"/>
-                      </a:solidFill>
-                      <a:prstDash val="solid"/>
-                      <a:round/>
-                      <a:headEnd type="none" w="med" len="med"/>
-                      <a:tailEnd type="none" w="med" len="med"/>
-                    </a:lnT>
-                    <a:lnB w="12700" cap="flat" cmpd="sng" algn="ctr">
-                      <a:solidFill>
-                        <a:schemeClr val="tx1"/>
-                      </a:solidFill>
-                      <a:prstDash val="solid"/>
-                      <a:round/>
-                      <a:headEnd type="none" w="med" len="med"/>
-                      <a:tailEnd type="none" w="med" len="med"/>
-                    </a:lnB>
-                  </a:tcPr>
-                </a:tc>
-                <a:tc>
-                  <a:txBody>
-                    <a:bodyPr/>
-                    <a:lstStyle/>
-                    <a:p>
-                      <a:r>
-                        <a:rPr lang="it-IT" sz="1200" dirty="0">
-                          <a:solidFill>
-                            <a:sysClr val="windowText" lastClr="000000"/>
-                          </a:solidFill>
-                        </a:rPr>
-                        <a:t>30</a:t>
-                      </a:r>
-                      <a:endParaRPr lang="it-IT" sz="1200" dirty="0">
-                        <a:solidFill>
-                          <a:sysClr val="windowText" lastClr="000000"/>
-                        </a:solidFill>
-                        <a:latin typeface="+mj-lt"/>
-                      </a:endParaRPr>
-                    </a:p>
-                  </a:txBody>
-                  <a:tcPr>
-                    <a:lnL w="12700" cap="flat" cmpd="sng" algn="ctr">
-                      <a:solidFill>
-                        <a:schemeClr val="tx1"/>
-                      </a:solidFill>
-                      <a:prstDash val="solid"/>
-                      <a:round/>
-                      <a:headEnd type="none" w="med" len="med"/>
-                      <a:tailEnd type="none" w="med" len="med"/>
-                    </a:lnL>
-                    <a:lnR w="12700" cap="flat" cmpd="sng" algn="ctr">
-                      <a:solidFill>
-                        <a:schemeClr val="tx1"/>
-                      </a:solidFill>
-                      <a:prstDash val="solid"/>
-                      <a:round/>
-                      <a:headEnd type="none" w="med" len="med"/>
-                      <a:tailEnd type="none" w="med" len="med"/>
-                    </a:lnR>
-                    <a:lnT w="12700" cap="flat" cmpd="sng" algn="ctr">
-                      <a:solidFill>
-                        <a:schemeClr val="tx1"/>
-                      </a:solidFill>
-                      <a:prstDash val="solid"/>
-                      <a:round/>
-                      <a:headEnd type="none" w="med" len="med"/>
-                      <a:tailEnd type="none" w="med" len="med"/>
-                    </a:lnT>
-                    <a:lnB w="12700" cap="flat" cmpd="sng" algn="ctr">
-                      <a:solidFill>
-                        <a:schemeClr val="tx1"/>
-                      </a:solidFill>
-                      <a:prstDash val="solid"/>
-                      <a:round/>
-                      <a:headEnd type="none" w="med" len="med"/>
-                      <a:tailEnd type="none" w="med" len="med"/>
-                    </a:lnB>
-                  </a:tcPr>
-                </a:tc>
-                <a:extLst>
-                  <a:ext uri="{0D108BD9-81ED-4DB2-BD59-A6C34878D82A}">
-                    <a16:rowId xmlns:a16="http://schemas.microsoft.com/office/drawing/2014/main" val="464696541"/>
-                  </a:ext>
-                </a:extLst>
-              </a:tr>
-              <a:tr h="285771">
-                <a:tc>
-                  <a:txBody>
-                    <a:bodyPr/>
-                    <a:lstStyle/>
-                    <a:p>
-                      <a:r>
-                        <a:rPr lang="it-IT" sz="1200" b="1" dirty="0">
-                          <a:solidFill>
-                            <a:sysClr val="windowText" lastClr="000000"/>
-                          </a:solidFill>
-                        </a:rPr>
-                        <a:t>SIMULATION TIME</a:t>
-                      </a:r>
-                      <a:endParaRPr lang="it-IT" sz="1200" b="1" dirty="0">
-                        <a:solidFill>
-                          <a:sysClr val="windowText" lastClr="000000"/>
-                        </a:solidFill>
-                        <a:latin typeface="+mj-lt"/>
-                      </a:endParaRPr>
-                    </a:p>
-                  </a:txBody>
-                  <a:tcPr>
-                    <a:lnL w="12700" cap="flat" cmpd="sng" algn="ctr">
-                      <a:solidFill>
-                        <a:schemeClr val="tx1"/>
-                      </a:solidFill>
-                      <a:prstDash val="solid"/>
-                      <a:round/>
-                      <a:headEnd type="none" w="med" len="med"/>
-                      <a:tailEnd type="none" w="med" len="med"/>
-                    </a:lnL>
-                    <a:lnR w="12700" cap="flat" cmpd="sng" algn="ctr">
-                      <a:solidFill>
-                        <a:schemeClr val="tx1"/>
-                      </a:solidFill>
-                      <a:prstDash val="solid"/>
-                      <a:round/>
-                      <a:headEnd type="none" w="med" len="med"/>
-                      <a:tailEnd type="none" w="med" len="med"/>
-                    </a:lnR>
-                    <a:lnT w="12700" cap="flat" cmpd="sng" algn="ctr">
-                      <a:solidFill>
-                        <a:schemeClr val="tx1"/>
-                      </a:solidFill>
-                      <a:prstDash val="solid"/>
-                      <a:round/>
-                      <a:headEnd type="none" w="med" len="med"/>
-                      <a:tailEnd type="none" w="med" len="med"/>
-                    </a:lnT>
-                    <a:lnB w="12700" cap="flat" cmpd="sng" algn="ctr">
-                      <a:solidFill>
-                        <a:schemeClr val="tx1"/>
-                      </a:solidFill>
-                      <a:prstDash val="solid"/>
-                      <a:round/>
-                      <a:headEnd type="none" w="med" len="med"/>
-                      <a:tailEnd type="none" w="med" len="med"/>
-                    </a:lnB>
-                  </a:tcPr>
-                </a:tc>
-                <a:tc>
-                  <a:txBody>
-                    <a:bodyPr/>
-                    <a:lstStyle/>
-                    <a:p>
-                      <a:r>
-                        <a:rPr lang="it-IT" sz="1200" dirty="0">
-                          <a:solidFill>
-                            <a:sysClr val="windowText" lastClr="000000"/>
-                          </a:solidFill>
-                        </a:rPr>
-                        <a:t>1000s</a:t>
-                      </a:r>
-                      <a:endParaRPr lang="it-IT" sz="1200" dirty="0">
-                        <a:solidFill>
-                          <a:sysClr val="windowText" lastClr="000000"/>
-                        </a:solidFill>
-                        <a:latin typeface="+mj-lt"/>
-                      </a:endParaRPr>
-                    </a:p>
-                  </a:txBody>
-                  <a:tcPr>
-                    <a:lnL w="12700" cap="flat" cmpd="sng" algn="ctr">
-                      <a:solidFill>
-                        <a:schemeClr val="tx1"/>
-                      </a:solidFill>
-                      <a:prstDash val="solid"/>
-                      <a:round/>
-                      <a:headEnd type="none" w="med" len="med"/>
-                      <a:tailEnd type="none" w="med" len="med"/>
-                    </a:lnL>
-                    <a:lnR w="12700" cap="flat" cmpd="sng" algn="ctr">
-                      <a:solidFill>
-                        <a:schemeClr val="tx1"/>
-                      </a:solidFill>
-                      <a:prstDash val="solid"/>
-                      <a:round/>
-                      <a:headEnd type="none" w="med" len="med"/>
-                      <a:tailEnd type="none" w="med" len="med"/>
-                    </a:lnR>
-                    <a:lnT w="12700" cap="flat" cmpd="sng" algn="ctr">
-                      <a:solidFill>
-                        <a:schemeClr val="tx1"/>
-                      </a:solidFill>
-                      <a:prstDash val="solid"/>
-                      <a:round/>
-                      <a:headEnd type="none" w="med" len="med"/>
-                      <a:tailEnd type="none" w="med" len="med"/>
-                    </a:lnT>
-                    <a:lnB w="12700" cap="flat" cmpd="sng" algn="ctr">
-                      <a:solidFill>
-                        <a:schemeClr val="tx1"/>
-                      </a:solidFill>
-                      <a:prstDash val="solid"/>
-                      <a:round/>
-                      <a:headEnd type="none" w="med" len="med"/>
-                      <a:tailEnd type="none" w="med" len="med"/>
-                    </a:lnB>
-                  </a:tcPr>
-                </a:tc>
-                <a:extLst>
-                  <a:ext uri="{0D108BD9-81ED-4DB2-BD59-A6C34878D82A}">
-                    <a16:rowId xmlns:a16="http://schemas.microsoft.com/office/drawing/2014/main" val="851438376"/>
-                  </a:ext>
-                </a:extLst>
-              </a:tr>
-              <a:tr h="285771">
-                <a:tc>
-                  <a:txBody>
-                    <a:bodyPr/>
-                    <a:lstStyle/>
-                    <a:p>
-                      <a:r>
-                        <a:rPr lang="it-IT" sz="1200" b="1" dirty="0">
-                          <a:solidFill>
-                            <a:sysClr val="windowText" lastClr="000000"/>
-                          </a:solidFill>
-                        </a:rPr>
-                        <a:t>WARM-UP TIME</a:t>
-                      </a:r>
-                      <a:endParaRPr lang="it-IT" sz="1200" b="1" dirty="0">
-                        <a:solidFill>
-                          <a:sysClr val="windowText" lastClr="000000"/>
-                        </a:solidFill>
-                        <a:latin typeface="+mj-lt"/>
-                      </a:endParaRPr>
-                    </a:p>
-                  </a:txBody>
-                  <a:tcPr>
-                    <a:lnL w="12700" cap="flat" cmpd="sng" algn="ctr">
-                      <a:solidFill>
-                        <a:schemeClr val="tx1"/>
-                      </a:solidFill>
-                      <a:prstDash val="solid"/>
-                      <a:round/>
-                      <a:headEnd type="none" w="med" len="med"/>
-                      <a:tailEnd type="none" w="med" len="med"/>
-                    </a:lnL>
-                    <a:lnR w="12700" cap="flat" cmpd="sng" algn="ctr">
-                      <a:solidFill>
-                        <a:schemeClr val="tx1"/>
-                      </a:solidFill>
-                      <a:prstDash val="solid"/>
-                      <a:round/>
-                      <a:headEnd type="none" w="med" len="med"/>
-                      <a:tailEnd type="none" w="med" len="med"/>
-                    </a:lnR>
-                    <a:lnT w="12700" cap="flat" cmpd="sng" algn="ctr">
-                      <a:solidFill>
-                        <a:schemeClr val="tx1"/>
-                      </a:solidFill>
-                      <a:prstDash val="solid"/>
-                      <a:round/>
-                      <a:headEnd type="none" w="med" len="med"/>
-                      <a:tailEnd type="none" w="med" len="med"/>
-                    </a:lnT>
-                    <a:lnB w="12700" cap="flat" cmpd="sng" algn="ctr">
-                      <a:solidFill>
-                        <a:schemeClr val="tx1"/>
-                      </a:solidFill>
-                      <a:prstDash val="solid"/>
-                      <a:round/>
-                      <a:headEnd type="none" w="med" len="med"/>
-                      <a:tailEnd type="none" w="med" len="med"/>
-                    </a:lnB>
-                  </a:tcPr>
-                </a:tc>
-                <a:tc>
-                  <a:txBody>
-                    <a:bodyPr/>
-                    <a:lstStyle/>
-                    <a:p>
-                      <a:r>
-                        <a:rPr lang="it-IT" sz="1200" dirty="0">
-                          <a:solidFill>
-                            <a:sysClr val="windowText" lastClr="000000"/>
-                          </a:solidFill>
-                        </a:rPr>
-                        <a:t>100s</a:t>
-                      </a:r>
-                      <a:endParaRPr lang="it-IT" sz="1200" dirty="0">
-                        <a:solidFill>
-                          <a:sysClr val="windowText" lastClr="000000"/>
-                        </a:solidFill>
-                        <a:latin typeface="+mj-lt"/>
-                      </a:endParaRPr>
-                    </a:p>
-                  </a:txBody>
-                  <a:tcPr>
-                    <a:lnL w="12700" cap="flat" cmpd="sng" algn="ctr">
-                      <a:solidFill>
-                        <a:schemeClr val="tx1"/>
-                      </a:solidFill>
-                      <a:prstDash val="solid"/>
-                      <a:round/>
-                      <a:headEnd type="none" w="med" len="med"/>
-                      <a:tailEnd type="none" w="med" len="med"/>
-                    </a:lnL>
-                    <a:lnR w="12700" cap="flat" cmpd="sng" algn="ctr">
-                      <a:solidFill>
-                        <a:schemeClr val="tx1"/>
-                      </a:solidFill>
-                      <a:prstDash val="solid"/>
-                      <a:round/>
-                      <a:headEnd type="none" w="med" len="med"/>
-                      <a:tailEnd type="none" w="med" len="med"/>
-                    </a:lnR>
-                    <a:lnT w="12700" cap="flat" cmpd="sng" algn="ctr">
-                      <a:solidFill>
-                        <a:schemeClr val="tx1"/>
-                      </a:solidFill>
-                      <a:prstDash val="solid"/>
-                      <a:round/>
-                      <a:headEnd type="none" w="med" len="med"/>
-                      <a:tailEnd type="none" w="med" len="med"/>
-                    </a:lnT>
-                    <a:lnB w="12700" cap="flat" cmpd="sng" algn="ctr">
-                      <a:solidFill>
-                        <a:schemeClr val="tx1"/>
-                      </a:solidFill>
-                      <a:prstDash val="solid"/>
-                      <a:round/>
-                      <a:headEnd type="none" w="med" len="med"/>
-                      <a:tailEnd type="none" w="med" len="med"/>
-                    </a:lnB>
-                  </a:tcPr>
-                </a:tc>
-                <a:extLst>
-                  <a:ext uri="{0D108BD9-81ED-4DB2-BD59-A6C34878D82A}">
-                    <a16:rowId xmlns:a16="http://schemas.microsoft.com/office/drawing/2014/main" val="355416652"/>
-                  </a:ext>
-                </a:extLst>
-              </a:tr>
-            </a:tbl>
-          </a:graphicData>
-        </a:graphic>
-      </p:graphicFrame>
+              </p:cNvPr>
+              <p:cNvGraphicFramePr>
+                <a:graphicFrameLocks noGrp="1"/>
+              </p:cNvGraphicFramePr>
+              <p:nvPr>
+                <p:extLst>
+                  <p:ext uri="{D42A27DB-BD31-4B8C-83A1-F6EECF244321}">
+                    <p14:modId xmlns:p14="http://schemas.microsoft.com/office/powerpoint/2010/main" val="844714992"/>
+                  </p:ext>
+                </p:extLst>
+              </p:nvPr>
+            </p:nvGraphicFramePr>
+            <p:xfrm>
+              <a:off x="772885" y="1900673"/>
+              <a:ext cx="10646230" cy="4130689"/>
+            </p:xfrm>
+            <a:graphic>
+              <a:graphicData uri="http://schemas.openxmlformats.org/drawingml/2006/table">
+                <a:tbl>
+                  <a:tblPr bandRow="1">
+                    <a:tableStyleId>{0660B408-B3CF-4A94-85FC-2B1E0A45F4A2}</a:tableStyleId>
+                  </a:tblPr>
+                  <a:tblGrid>
+                    <a:gridCol w="5323115">
+                      <a:extLst>
+                        <a:ext uri="{9D8B030D-6E8A-4147-A177-3AD203B41FA5}">
+                          <a16:colId xmlns:a16="http://schemas.microsoft.com/office/drawing/2014/main" val="3983390492"/>
+                        </a:ext>
+                      </a:extLst>
+                    </a:gridCol>
+                    <a:gridCol w="5323115">
+                      <a:extLst>
+                        <a:ext uri="{9D8B030D-6E8A-4147-A177-3AD203B41FA5}">
+                          <a16:colId xmlns:a16="http://schemas.microsoft.com/office/drawing/2014/main" val="423646684"/>
+                        </a:ext>
+                      </a:extLst>
+                    </a:gridCol>
+                  </a:tblGrid>
+                  <a:tr h="285771">
+                    <a:tc>
+                      <a:txBody>
+                        <a:bodyPr/>
+                        <a:lstStyle/>
+                        <a:p>
+                          <a:r>
+                            <a:rPr lang="it-IT" sz="1200" b="1" dirty="0">
+                              <a:solidFill>
+                                <a:sysClr val="windowText" lastClr="000000"/>
+                              </a:solidFill>
+                            </a:rPr>
+                            <a:t>NUMBERS OF BASE STATIONS </a:t>
+                          </a:r>
+                          <a:endParaRPr lang="it-IT" sz="1200" b="1" dirty="0">
+                            <a:solidFill>
+                              <a:sysClr val="windowText" lastClr="000000"/>
+                            </a:solidFill>
+                            <a:latin typeface="+mj-lt"/>
+                          </a:endParaRPr>
+                        </a:p>
+                      </a:txBody>
+                      <a:tcPr>
+                        <a:lnL w="12700" cap="flat" cmpd="sng" algn="ctr">
+                          <a:solidFill>
+                            <a:schemeClr val="tx1"/>
+                          </a:solidFill>
+                          <a:prstDash val="solid"/>
+                          <a:round/>
+                          <a:headEnd type="none" w="med" len="med"/>
+                          <a:tailEnd type="none" w="med" len="med"/>
+                        </a:lnL>
+                        <a:lnR w="12700" cap="flat" cmpd="sng" algn="ctr">
+                          <a:solidFill>
+                            <a:schemeClr val="tx1"/>
+                          </a:solidFill>
+                          <a:prstDash val="solid"/>
+                          <a:round/>
+                          <a:headEnd type="none" w="med" len="med"/>
+                          <a:tailEnd type="none" w="med" len="med"/>
+                        </a:lnR>
+                        <a:lnT w="12700" cap="flat" cmpd="sng" algn="ctr">
+                          <a:solidFill>
+                            <a:schemeClr val="tx1"/>
+                          </a:solidFill>
+                          <a:prstDash val="solid"/>
+                          <a:round/>
+                          <a:headEnd type="none" w="med" len="med"/>
+                          <a:tailEnd type="none" w="med" len="med"/>
+                        </a:lnT>
+                        <a:lnB w="12700" cap="flat" cmpd="sng" algn="ctr">
+                          <a:solidFill>
+                            <a:schemeClr val="tx1"/>
+                          </a:solidFill>
+                          <a:prstDash val="solid"/>
+                          <a:round/>
+                          <a:headEnd type="none" w="med" len="med"/>
+                          <a:tailEnd type="none" w="med" len="med"/>
+                        </a:lnB>
+                      </a:tcPr>
+                    </a:tc>
+                    <a:tc>
+                      <a:txBody>
+                        <a:bodyPr/>
+                        <a:lstStyle/>
+                        <a:p>
+                          <a:r>
+                            <a:rPr lang="it-IT" sz="1200" dirty="0">
+                              <a:solidFill>
+                                <a:sysClr val="windowText" lastClr="000000"/>
+                              </a:solidFill>
+                            </a:rPr>
+                            <a:t>9</a:t>
+                          </a:r>
+                          <a:endParaRPr lang="it-IT" sz="1200" dirty="0">
+                            <a:solidFill>
+                              <a:sysClr val="windowText" lastClr="000000"/>
+                            </a:solidFill>
+                            <a:latin typeface="+mj-lt"/>
+                          </a:endParaRPr>
+                        </a:p>
+                      </a:txBody>
+                      <a:tcPr>
+                        <a:lnL w="12700" cap="flat" cmpd="sng" algn="ctr">
+                          <a:solidFill>
+                            <a:schemeClr val="tx1"/>
+                          </a:solidFill>
+                          <a:prstDash val="solid"/>
+                          <a:round/>
+                          <a:headEnd type="none" w="med" len="med"/>
+                          <a:tailEnd type="none" w="med" len="med"/>
+                        </a:lnL>
+                        <a:lnR w="12700" cap="flat" cmpd="sng" algn="ctr">
+                          <a:solidFill>
+                            <a:schemeClr val="tx1"/>
+                          </a:solidFill>
+                          <a:prstDash val="solid"/>
+                          <a:round/>
+                          <a:headEnd type="none" w="med" len="med"/>
+                          <a:tailEnd type="none" w="med" len="med"/>
+                        </a:lnR>
+                        <a:lnT w="12700" cap="flat" cmpd="sng" algn="ctr">
+                          <a:solidFill>
+                            <a:schemeClr val="tx1"/>
+                          </a:solidFill>
+                          <a:prstDash val="solid"/>
+                          <a:round/>
+                          <a:headEnd type="none" w="med" len="med"/>
+                          <a:tailEnd type="none" w="med" len="med"/>
+                        </a:lnT>
+                        <a:lnB w="12700" cap="flat" cmpd="sng" algn="ctr">
+                          <a:solidFill>
+                            <a:schemeClr val="tx1"/>
+                          </a:solidFill>
+                          <a:prstDash val="solid"/>
+                          <a:round/>
+                          <a:headEnd type="none" w="med" len="med"/>
+                          <a:tailEnd type="none" w="med" len="med"/>
+                        </a:lnB>
+                      </a:tcPr>
+                    </a:tc>
+                    <a:extLst>
+                      <a:ext uri="{0D108BD9-81ED-4DB2-BD59-A6C34878D82A}">
+                        <a16:rowId xmlns:a16="http://schemas.microsoft.com/office/drawing/2014/main" val="3847775981"/>
+                      </a:ext>
+                    </a:extLst>
+                  </a:tr>
+                  <a:tr h="285771">
+                    <a:tc>
+                      <a:txBody>
+                        <a:bodyPr/>
+                        <a:lstStyle/>
+                        <a:p>
+                          <a:r>
+                            <a:rPr lang="it-IT" sz="1200" b="1" dirty="0">
+                              <a:solidFill>
+                                <a:sysClr val="windowText" lastClr="000000"/>
+                              </a:solidFill>
+                            </a:rPr>
+                            <a:t>QUEUE SIZE </a:t>
+                          </a:r>
+                          <a:endParaRPr lang="it-IT" sz="1200" b="1" dirty="0">
+                            <a:solidFill>
+                              <a:sysClr val="windowText" lastClr="000000"/>
+                            </a:solidFill>
+                            <a:latin typeface="+mj-lt"/>
+                          </a:endParaRPr>
+                        </a:p>
+                      </a:txBody>
+                      <a:tcPr>
+                        <a:lnL w="12700" cap="flat" cmpd="sng" algn="ctr">
+                          <a:solidFill>
+                            <a:schemeClr val="tx1"/>
+                          </a:solidFill>
+                          <a:prstDash val="solid"/>
+                          <a:round/>
+                          <a:headEnd type="none" w="med" len="med"/>
+                          <a:tailEnd type="none" w="med" len="med"/>
+                        </a:lnL>
+                        <a:lnR w="12700" cap="flat" cmpd="sng" algn="ctr">
+                          <a:solidFill>
+                            <a:schemeClr val="tx1"/>
+                          </a:solidFill>
+                          <a:prstDash val="solid"/>
+                          <a:round/>
+                          <a:headEnd type="none" w="med" len="med"/>
+                          <a:tailEnd type="none" w="med" len="med"/>
+                        </a:lnR>
+                        <a:lnT w="12700" cap="flat" cmpd="sng" algn="ctr">
+                          <a:solidFill>
+                            <a:schemeClr val="tx1"/>
+                          </a:solidFill>
+                          <a:prstDash val="solid"/>
+                          <a:round/>
+                          <a:headEnd type="none" w="med" len="med"/>
+                          <a:tailEnd type="none" w="med" len="med"/>
+                        </a:lnT>
+                        <a:lnB w="12700" cap="flat" cmpd="sng" algn="ctr">
+                          <a:solidFill>
+                            <a:schemeClr val="tx1"/>
+                          </a:solidFill>
+                          <a:prstDash val="solid"/>
+                          <a:round/>
+                          <a:headEnd type="none" w="med" len="med"/>
+                          <a:tailEnd type="none" w="med" len="med"/>
+                        </a:lnB>
+                      </a:tcPr>
+                    </a:tc>
+                    <a:tc>
+                      <a:txBody>
+                        <a:bodyPr/>
+                        <a:lstStyle/>
+                        <a:p>
+                          <a:r>
+                            <a:rPr lang="it-IT" sz="1200" dirty="0">
+                              <a:solidFill>
+                                <a:sysClr val="windowText" lastClr="000000"/>
+                              </a:solidFill>
+                            </a:rPr>
+                            <a:t>50</a:t>
+                          </a:r>
+                          <a:endParaRPr lang="it-IT" sz="1200" dirty="0">
+                            <a:solidFill>
+                              <a:sysClr val="windowText" lastClr="000000"/>
+                            </a:solidFill>
+                            <a:latin typeface="+mj-lt"/>
+                          </a:endParaRPr>
+                        </a:p>
+                      </a:txBody>
+                      <a:tcPr>
+                        <a:lnL w="12700" cap="flat" cmpd="sng" algn="ctr">
+                          <a:solidFill>
+                            <a:schemeClr val="tx1"/>
+                          </a:solidFill>
+                          <a:prstDash val="solid"/>
+                          <a:round/>
+                          <a:headEnd type="none" w="med" len="med"/>
+                          <a:tailEnd type="none" w="med" len="med"/>
+                        </a:lnL>
+                        <a:lnR w="12700" cap="flat" cmpd="sng" algn="ctr">
+                          <a:solidFill>
+                            <a:schemeClr val="tx1"/>
+                          </a:solidFill>
+                          <a:prstDash val="solid"/>
+                          <a:round/>
+                          <a:headEnd type="none" w="med" len="med"/>
+                          <a:tailEnd type="none" w="med" len="med"/>
+                        </a:lnR>
+                        <a:lnT w="12700" cap="flat" cmpd="sng" algn="ctr">
+                          <a:solidFill>
+                            <a:schemeClr val="tx1"/>
+                          </a:solidFill>
+                          <a:prstDash val="solid"/>
+                          <a:round/>
+                          <a:headEnd type="none" w="med" len="med"/>
+                          <a:tailEnd type="none" w="med" len="med"/>
+                        </a:lnT>
+                        <a:lnB w="12700" cap="flat" cmpd="sng" algn="ctr">
+                          <a:solidFill>
+                            <a:schemeClr val="tx1"/>
+                          </a:solidFill>
+                          <a:prstDash val="solid"/>
+                          <a:round/>
+                          <a:headEnd type="none" w="med" len="med"/>
+                          <a:tailEnd type="none" w="med" len="med"/>
+                        </a:lnB>
+                      </a:tcPr>
+                    </a:tc>
+                    <a:extLst>
+                      <a:ext uri="{0D108BD9-81ED-4DB2-BD59-A6C34878D82A}">
+                        <a16:rowId xmlns:a16="http://schemas.microsoft.com/office/drawing/2014/main" val="3225530755"/>
+                      </a:ext>
+                    </a:extLst>
+                  </a:tr>
+                  <a:tr h="285771">
+                    <a:tc>
+                      <a:txBody>
+                        <a:bodyPr/>
+                        <a:lstStyle/>
+                        <a:p>
+                          <a:r>
+                            <a:rPr lang="it-IT" sz="1200" b="1" dirty="0">
+                              <a:solidFill>
+                                <a:sysClr val="windowText" lastClr="000000"/>
+                              </a:solidFill>
+                            </a:rPr>
+                            <a:t>WIDTH</a:t>
+                          </a:r>
+                          <a:endParaRPr lang="it-IT" sz="1200" b="1" dirty="0">
+                            <a:solidFill>
+                              <a:sysClr val="windowText" lastClr="000000"/>
+                            </a:solidFill>
+                            <a:latin typeface="+mj-lt"/>
+                          </a:endParaRPr>
+                        </a:p>
+                      </a:txBody>
+                      <a:tcPr>
+                        <a:lnL w="12700" cap="flat" cmpd="sng" algn="ctr">
+                          <a:solidFill>
+                            <a:schemeClr val="tx1"/>
+                          </a:solidFill>
+                          <a:prstDash val="solid"/>
+                          <a:round/>
+                          <a:headEnd type="none" w="med" len="med"/>
+                          <a:tailEnd type="none" w="med" len="med"/>
+                        </a:lnL>
+                        <a:lnR w="12700" cap="flat" cmpd="sng" algn="ctr">
+                          <a:solidFill>
+                            <a:schemeClr val="tx1"/>
+                          </a:solidFill>
+                          <a:prstDash val="solid"/>
+                          <a:round/>
+                          <a:headEnd type="none" w="med" len="med"/>
+                          <a:tailEnd type="none" w="med" len="med"/>
+                        </a:lnR>
+                        <a:lnT w="12700" cap="flat" cmpd="sng" algn="ctr">
+                          <a:solidFill>
+                            <a:schemeClr val="tx1"/>
+                          </a:solidFill>
+                          <a:prstDash val="solid"/>
+                          <a:round/>
+                          <a:headEnd type="none" w="med" len="med"/>
+                          <a:tailEnd type="none" w="med" len="med"/>
+                        </a:lnT>
+                        <a:lnB w="12700" cap="flat" cmpd="sng" algn="ctr">
+                          <a:solidFill>
+                            <a:schemeClr val="tx1"/>
+                          </a:solidFill>
+                          <a:prstDash val="solid"/>
+                          <a:round/>
+                          <a:headEnd type="none" w="med" len="med"/>
+                          <a:tailEnd type="none" w="med" len="med"/>
+                        </a:lnB>
+                      </a:tcPr>
+                    </a:tc>
+                    <a:tc>
+                      <a:txBody>
+                        <a:bodyPr/>
+                        <a:lstStyle/>
+                        <a:p>
+                          <a:r>
+                            <a:rPr lang="it-IT" sz="1200" dirty="0">
+                              <a:solidFill>
+                                <a:sysClr val="windowText" lastClr="000000"/>
+                              </a:solidFill>
+                            </a:rPr>
+                            <a:t>1800</a:t>
+                          </a:r>
+                          <a:endParaRPr lang="it-IT" sz="1200" dirty="0">
+                            <a:solidFill>
+                              <a:sysClr val="windowText" lastClr="000000"/>
+                            </a:solidFill>
+                            <a:latin typeface="+mj-lt"/>
+                          </a:endParaRPr>
+                        </a:p>
+                      </a:txBody>
+                      <a:tcPr>
+                        <a:lnL w="12700" cap="flat" cmpd="sng" algn="ctr">
+                          <a:solidFill>
+                            <a:schemeClr val="tx1"/>
+                          </a:solidFill>
+                          <a:prstDash val="solid"/>
+                          <a:round/>
+                          <a:headEnd type="none" w="med" len="med"/>
+                          <a:tailEnd type="none" w="med" len="med"/>
+                        </a:lnL>
+                        <a:lnR w="12700" cap="flat" cmpd="sng" algn="ctr">
+                          <a:solidFill>
+                            <a:schemeClr val="tx1"/>
+                          </a:solidFill>
+                          <a:prstDash val="solid"/>
+                          <a:round/>
+                          <a:headEnd type="none" w="med" len="med"/>
+                          <a:tailEnd type="none" w="med" len="med"/>
+                        </a:lnR>
+                        <a:lnT w="12700" cap="flat" cmpd="sng" algn="ctr">
+                          <a:solidFill>
+                            <a:schemeClr val="tx1"/>
+                          </a:solidFill>
+                          <a:prstDash val="solid"/>
+                          <a:round/>
+                          <a:headEnd type="none" w="med" len="med"/>
+                          <a:tailEnd type="none" w="med" len="med"/>
+                        </a:lnT>
+                        <a:lnB w="12700" cap="flat" cmpd="sng" algn="ctr">
+                          <a:solidFill>
+                            <a:schemeClr val="tx1"/>
+                          </a:solidFill>
+                          <a:prstDash val="solid"/>
+                          <a:round/>
+                          <a:headEnd type="none" w="med" len="med"/>
+                          <a:tailEnd type="none" w="med" len="med"/>
+                        </a:lnB>
+                      </a:tcPr>
+                    </a:tc>
+                    <a:extLst>
+                      <a:ext uri="{0D108BD9-81ED-4DB2-BD59-A6C34878D82A}">
+                        <a16:rowId xmlns:a16="http://schemas.microsoft.com/office/drawing/2014/main" val="1098530153"/>
+                      </a:ext>
+                    </a:extLst>
+                  </a:tr>
+                  <a:tr h="285771">
+                    <a:tc>
+                      <a:txBody>
+                        <a:bodyPr/>
+                        <a:lstStyle/>
+                        <a:p>
+                          <a:r>
+                            <a:rPr lang="it-IT" sz="1200" b="1" dirty="0">
+                              <a:solidFill>
+                                <a:sysClr val="windowText" lastClr="000000"/>
+                              </a:solidFill>
+                            </a:rPr>
+                            <a:t>HEIGHT</a:t>
+                          </a:r>
+                          <a:endParaRPr lang="it-IT" sz="1200" b="1" dirty="0">
+                            <a:solidFill>
+                              <a:sysClr val="windowText" lastClr="000000"/>
+                            </a:solidFill>
+                            <a:latin typeface="+mj-lt"/>
+                          </a:endParaRPr>
+                        </a:p>
+                      </a:txBody>
+                      <a:tcPr>
+                        <a:lnL w="12700" cap="flat" cmpd="sng" algn="ctr">
+                          <a:solidFill>
+                            <a:schemeClr val="tx1"/>
+                          </a:solidFill>
+                          <a:prstDash val="solid"/>
+                          <a:round/>
+                          <a:headEnd type="none" w="med" len="med"/>
+                          <a:tailEnd type="none" w="med" len="med"/>
+                        </a:lnL>
+                        <a:lnR w="12700" cap="flat" cmpd="sng" algn="ctr">
+                          <a:solidFill>
+                            <a:schemeClr val="tx1"/>
+                          </a:solidFill>
+                          <a:prstDash val="solid"/>
+                          <a:round/>
+                          <a:headEnd type="none" w="med" len="med"/>
+                          <a:tailEnd type="none" w="med" len="med"/>
+                        </a:lnR>
+                        <a:lnT w="12700" cap="flat" cmpd="sng" algn="ctr">
+                          <a:solidFill>
+                            <a:schemeClr val="tx1"/>
+                          </a:solidFill>
+                          <a:prstDash val="solid"/>
+                          <a:round/>
+                          <a:headEnd type="none" w="med" len="med"/>
+                          <a:tailEnd type="none" w="med" len="med"/>
+                        </a:lnT>
+                        <a:lnB w="12700" cap="flat" cmpd="sng" algn="ctr">
+                          <a:solidFill>
+                            <a:schemeClr val="tx1"/>
+                          </a:solidFill>
+                          <a:prstDash val="solid"/>
+                          <a:round/>
+                          <a:headEnd type="none" w="med" len="med"/>
+                          <a:tailEnd type="none" w="med" len="med"/>
+                        </a:lnB>
+                      </a:tcPr>
+                    </a:tc>
+                    <a:tc>
+                      <a:txBody>
+                        <a:bodyPr/>
+                        <a:lstStyle/>
+                        <a:p>
+                          <a:r>
+                            <a:rPr lang="it-IT" sz="1200" dirty="0">
+                              <a:solidFill>
+                                <a:sysClr val="windowText" lastClr="000000"/>
+                              </a:solidFill>
+                            </a:rPr>
+                            <a:t>1800</a:t>
+                          </a:r>
+                          <a:endParaRPr lang="it-IT" sz="1200" dirty="0">
+                            <a:solidFill>
+                              <a:sysClr val="windowText" lastClr="000000"/>
+                            </a:solidFill>
+                            <a:latin typeface="+mj-lt"/>
+                          </a:endParaRPr>
+                        </a:p>
+                      </a:txBody>
+                      <a:tcPr>
+                        <a:lnL w="12700" cap="flat" cmpd="sng" algn="ctr">
+                          <a:solidFill>
+                            <a:schemeClr val="tx1"/>
+                          </a:solidFill>
+                          <a:prstDash val="solid"/>
+                          <a:round/>
+                          <a:headEnd type="none" w="med" len="med"/>
+                          <a:tailEnd type="none" w="med" len="med"/>
+                        </a:lnL>
+                        <a:lnR w="12700" cap="flat" cmpd="sng" algn="ctr">
+                          <a:solidFill>
+                            <a:schemeClr val="tx1"/>
+                          </a:solidFill>
+                          <a:prstDash val="solid"/>
+                          <a:round/>
+                          <a:headEnd type="none" w="med" len="med"/>
+                          <a:tailEnd type="none" w="med" len="med"/>
+                        </a:lnR>
+                        <a:lnT w="12700" cap="flat" cmpd="sng" algn="ctr">
+                          <a:solidFill>
+                            <a:schemeClr val="tx1"/>
+                          </a:solidFill>
+                          <a:prstDash val="solid"/>
+                          <a:round/>
+                          <a:headEnd type="none" w="med" len="med"/>
+                          <a:tailEnd type="none" w="med" len="med"/>
+                        </a:lnT>
+                        <a:lnB w="12700" cap="flat" cmpd="sng" algn="ctr">
+                          <a:solidFill>
+                            <a:schemeClr val="tx1"/>
+                          </a:solidFill>
+                          <a:prstDash val="solid"/>
+                          <a:round/>
+                          <a:headEnd type="none" w="med" len="med"/>
+                          <a:tailEnd type="none" w="med" len="med"/>
+                        </a:lnB>
+                      </a:tcPr>
+                    </a:tc>
+                    <a:extLst>
+                      <a:ext uri="{0D108BD9-81ED-4DB2-BD59-A6C34878D82A}">
+                        <a16:rowId xmlns:a16="http://schemas.microsoft.com/office/drawing/2014/main" val="2339486655"/>
+                      </a:ext>
+                    </a:extLst>
+                  </a:tr>
+                  <a:tr h="285771">
+                    <a:tc>
+                      <a:txBody>
+                        <a:bodyPr/>
+                        <a:lstStyle/>
+                        <a:p>
+                          <a:r>
+                            <a:rPr lang="it-IT" sz="1200" b="1" dirty="0">
+                              <a:solidFill>
+                                <a:sysClr val="windowText" lastClr="000000"/>
+                              </a:solidFill>
+                            </a:rPr>
+                            <a:t>SERVICE RATE </a:t>
+                          </a:r>
+                          <a:endParaRPr lang="it-IT" sz="1200" b="1" dirty="0">
+                            <a:solidFill>
+                              <a:sysClr val="windowText" lastClr="000000"/>
+                            </a:solidFill>
+                            <a:latin typeface="+mj-lt"/>
+                          </a:endParaRPr>
+                        </a:p>
+                      </a:txBody>
+                      <a:tcPr>
+                        <a:lnL w="12700" cap="flat" cmpd="sng" algn="ctr">
+                          <a:solidFill>
+                            <a:schemeClr val="tx1"/>
+                          </a:solidFill>
+                          <a:prstDash val="solid"/>
+                          <a:round/>
+                          <a:headEnd type="none" w="med" len="med"/>
+                          <a:tailEnd type="none" w="med" len="med"/>
+                        </a:lnL>
+                        <a:lnR w="12700" cap="flat" cmpd="sng" algn="ctr">
+                          <a:solidFill>
+                            <a:schemeClr val="tx1"/>
+                          </a:solidFill>
+                          <a:prstDash val="solid"/>
+                          <a:round/>
+                          <a:headEnd type="none" w="med" len="med"/>
+                          <a:tailEnd type="none" w="med" len="med"/>
+                        </a:lnR>
+                        <a:lnT w="12700" cap="flat" cmpd="sng" algn="ctr">
+                          <a:solidFill>
+                            <a:schemeClr val="tx1"/>
+                          </a:solidFill>
+                          <a:prstDash val="solid"/>
+                          <a:round/>
+                          <a:headEnd type="none" w="med" len="med"/>
+                          <a:tailEnd type="none" w="med" len="med"/>
+                        </a:lnT>
+                        <a:lnB w="12700" cap="flat" cmpd="sng" algn="ctr">
+                          <a:solidFill>
+                            <a:schemeClr val="tx1"/>
+                          </a:solidFill>
+                          <a:prstDash val="solid"/>
+                          <a:round/>
+                          <a:headEnd type="none" w="med" len="med"/>
+                          <a:tailEnd type="none" w="med" len="med"/>
+                        </a:lnB>
+                      </a:tcPr>
+                    </a:tc>
+                    <a:tc>
+                      <a:txBody>
+                        <a:bodyPr/>
+                        <a:lstStyle/>
+                        <a:p>
+                          <a:endParaRPr lang="it-IT"/>
+                        </a:p>
+                      </a:txBody>
+                      <a:tcPr>
+                        <a:lnL w="12700" cap="flat" cmpd="sng" algn="ctr">
+                          <a:solidFill>
+                            <a:schemeClr val="tx1"/>
+                          </a:solidFill>
+                          <a:prstDash val="solid"/>
+                          <a:round/>
+                          <a:headEnd type="none" w="med" len="med"/>
+                          <a:tailEnd type="none" w="med" len="med"/>
+                        </a:lnL>
+                        <a:lnR w="12700" cap="flat" cmpd="sng" algn="ctr">
+                          <a:solidFill>
+                            <a:schemeClr val="tx1"/>
+                          </a:solidFill>
+                          <a:prstDash val="solid"/>
+                          <a:round/>
+                          <a:headEnd type="none" w="med" len="med"/>
+                          <a:tailEnd type="none" w="med" len="med"/>
+                        </a:lnR>
+                        <a:lnT w="12700" cap="flat" cmpd="sng" algn="ctr">
+                          <a:solidFill>
+                            <a:schemeClr val="tx1"/>
+                          </a:solidFill>
+                          <a:prstDash val="solid"/>
+                          <a:round/>
+                          <a:headEnd type="none" w="med" len="med"/>
+                          <a:tailEnd type="none" w="med" len="med"/>
+                        </a:lnT>
+                        <a:lnB w="12700" cap="flat" cmpd="sng" algn="ctr">
+                          <a:solidFill>
+                            <a:schemeClr val="tx1"/>
+                          </a:solidFill>
+                          <a:prstDash val="solid"/>
+                          <a:round/>
+                          <a:headEnd type="none" w="med" len="med"/>
+                          <a:tailEnd type="none" w="med" len="med"/>
+                        </a:lnB>
+                        <a:blipFill>
+                          <a:blip r:embed="rId3"/>
+                          <a:stretch>
+                            <a:fillRect l="-100114" t="-402128" r="-229" b="-957447"/>
+                          </a:stretch>
+                        </a:blipFill>
+                      </a:tcPr>
+                    </a:tc>
+                    <a:extLst>
+                      <a:ext uri="{0D108BD9-81ED-4DB2-BD59-A6C34878D82A}">
+                        <a16:rowId xmlns:a16="http://schemas.microsoft.com/office/drawing/2014/main" val="1143669215"/>
+                      </a:ext>
+                    </a:extLst>
+                  </a:tr>
+                  <a:tr h="493604">
+                    <a:tc>
+                      <a:txBody>
+                        <a:bodyPr/>
+                        <a:lstStyle/>
+                        <a:p>
+                          <a:r>
+                            <a:rPr lang="it-IT" sz="1200" b="1" dirty="0">
+                              <a:solidFill>
+                                <a:sysClr val="windowText" lastClr="000000"/>
+                              </a:solidFill>
+                            </a:rPr>
+                            <a:t>UNIFORM</a:t>
+                          </a:r>
+                          <a:endParaRPr lang="it-IT" sz="1200" b="1" dirty="0">
+                            <a:solidFill>
+                              <a:sysClr val="windowText" lastClr="000000"/>
+                            </a:solidFill>
+                            <a:latin typeface="+mj-lt"/>
+                          </a:endParaRPr>
+                        </a:p>
+                      </a:txBody>
+                      <a:tcPr>
+                        <a:lnL w="12700" cap="flat" cmpd="sng" algn="ctr">
+                          <a:solidFill>
+                            <a:schemeClr val="tx1"/>
+                          </a:solidFill>
+                          <a:prstDash val="solid"/>
+                          <a:round/>
+                          <a:headEnd type="none" w="med" len="med"/>
+                          <a:tailEnd type="none" w="med" len="med"/>
+                        </a:lnL>
+                        <a:lnR w="12700" cap="flat" cmpd="sng" algn="ctr">
+                          <a:solidFill>
+                            <a:schemeClr val="tx1"/>
+                          </a:solidFill>
+                          <a:prstDash val="solid"/>
+                          <a:round/>
+                          <a:headEnd type="none" w="med" len="med"/>
+                          <a:tailEnd type="none" w="med" len="med"/>
+                        </a:lnR>
+                        <a:lnT w="12700" cap="flat" cmpd="sng" algn="ctr">
+                          <a:solidFill>
+                            <a:schemeClr val="tx1"/>
+                          </a:solidFill>
+                          <a:prstDash val="solid"/>
+                          <a:round/>
+                          <a:headEnd type="none" w="med" len="med"/>
+                          <a:tailEnd type="none" w="med" len="med"/>
+                        </a:lnT>
+                        <a:lnB w="12700" cap="flat" cmpd="sng" algn="ctr">
+                          <a:solidFill>
+                            <a:schemeClr val="tx1"/>
+                          </a:solidFill>
+                          <a:prstDash val="solid"/>
+                          <a:round/>
+                          <a:headEnd type="none" w="med" len="med"/>
+                          <a:tailEnd type="none" w="med" len="med"/>
+                        </a:lnB>
+                      </a:tcPr>
+                    </a:tc>
+                    <a:tc>
+                      <a:txBody>
+                        <a:bodyPr/>
+                        <a:lstStyle/>
+                        <a:p>
+                          <a:pPr marL="285750" indent="-285750">
+                            <a:buFont typeface="Wingdings" pitchFamily="2" charset="2"/>
+                            <a:buChar char="§"/>
+                          </a:pPr>
+                          <a:r>
+                            <a:rPr kumimoji="0" lang="it-IT" altLang="it-IT" sz="1200" b="0" u="none" strike="noStrike" kern="1200" cap="none" normalizeH="0" baseline="0" dirty="0" err="1">
+                              <a:ln>
+                                <a:noFill/>
+                              </a:ln>
+                              <a:solidFill>
+                                <a:sysClr val="windowText" lastClr="000000"/>
+                              </a:solidFill>
+                              <a:effectLst/>
+                            </a:rPr>
+                            <a:t>x∼U</a:t>
+                          </a:r>
+                          <a:r>
+                            <a:rPr kumimoji="0" lang="it-IT" altLang="it-IT" sz="1200" b="0" u="none" strike="noStrike" kern="1200" cap="none" normalizeH="0" baseline="0" dirty="0">
+                              <a:ln>
+                                <a:noFill/>
+                              </a:ln>
+                              <a:solidFill>
+                                <a:sysClr val="windowText" lastClr="000000"/>
+                              </a:solidFill>
+                              <a:effectLst/>
+                            </a:rPr>
+                            <a:t>(0, </a:t>
+                          </a:r>
+                          <a:r>
+                            <a:rPr kumimoji="0" lang="it-IT" altLang="it-IT" sz="1200" b="0" u="none" strike="noStrike" kern="1200" cap="none" normalizeH="0" baseline="0" dirty="0" err="1">
+                              <a:ln>
+                                <a:noFill/>
+                              </a:ln>
+                              <a:solidFill>
+                                <a:sysClr val="windowText" lastClr="000000"/>
+                              </a:solidFill>
+                              <a:effectLst/>
+                            </a:rPr>
+                            <a:t>Width</a:t>
+                          </a:r>
+                          <a:r>
+                            <a:rPr kumimoji="0" lang="it-IT" altLang="it-IT" sz="1200" b="0" u="none" strike="noStrike" kern="1200" cap="none" normalizeH="0" baseline="0" dirty="0">
+                              <a:ln>
+                                <a:noFill/>
+                              </a:ln>
+                              <a:solidFill>
+                                <a:sysClr val="windowText" lastClr="000000"/>
+                              </a:solidFill>
+                              <a:effectLst/>
+                            </a:rPr>
+                            <a:t>)</a:t>
+                          </a:r>
+                        </a:p>
+                        <a:p>
+                          <a:pPr marL="285750" indent="-285750">
+                            <a:buFont typeface="Wingdings" pitchFamily="2" charset="2"/>
+                            <a:buChar char="§"/>
+                          </a:pPr>
+                          <a:r>
+                            <a:rPr kumimoji="0" lang="it-IT" altLang="it-IT" sz="1200" b="0" u="none" strike="noStrike" kern="1200" cap="none" normalizeH="0" baseline="0" dirty="0" err="1">
+                              <a:ln>
+                                <a:noFill/>
+                              </a:ln>
+                              <a:solidFill>
+                                <a:sysClr val="windowText" lastClr="000000"/>
+                              </a:solidFill>
+                              <a:effectLst/>
+                            </a:rPr>
+                            <a:t>y∼U</a:t>
+                          </a:r>
+                          <a:r>
+                            <a:rPr kumimoji="0" lang="it-IT" altLang="it-IT" sz="1200" b="0" u="none" strike="noStrike" kern="1200" cap="none" normalizeH="0" baseline="0" dirty="0">
+                              <a:ln>
+                                <a:noFill/>
+                              </a:ln>
+                              <a:solidFill>
+                                <a:sysClr val="windowText" lastClr="000000"/>
+                              </a:solidFill>
+                              <a:effectLst/>
+                            </a:rPr>
+                            <a:t>(0, </a:t>
+                          </a:r>
+                          <a:r>
+                            <a:rPr kumimoji="0" lang="it-IT" altLang="it-IT" sz="1200" b="0" u="none" strike="noStrike" kern="1200" cap="none" normalizeH="0" baseline="0" dirty="0" err="1">
+                              <a:ln>
+                                <a:noFill/>
+                              </a:ln>
+                              <a:solidFill>
+                                <a:sysClr val="windowText" lastClr="000000"/>
+                              </a:solidFill>
+                              <a:effectLst/>
+                            </a:rPr>
+                            <a:t>Height</a:t>
+                          </a:r>
+                          <a:r>
+                            <a:rPr kumimoji="0" lang="it-IT" altLang="it-IT" sz="1200" b="0" u="none" strike="noStrike" kern="1200" cap="none" normalizeH="0" baseline="0" dirty="0">
+                              <a:ln>
+                                <a:noFill/>
+                              </a:ln>
+                              <a:solidFill>
+                                <a:sysClr val="windowText" lastClr="000000"/>
+                              </a:solidFill>
+                              <a:effectLst/>
+                            </a:rPr>
+                            <a:t>)</a:t>
+                          </a:r>
+                          <a:endParaRPr kumimoji="0" lang="it-IT" altLang="it-IT" sz="1200" b="0" i="0" u="none" strike="noStrike" kern="1200" cap="none" normalizeH="0" baseline="0" dirty="0">
+                            <a:ln>
+                              <a:noFill/>
+                            </a:ln>
+                            <a:solidFill>
+                              <a:sysClr val="windowText" lastClr="000000"/>
+                            </a:solidFill>
+                            <a:effectLst/>
+                            <a:latin typeface="+mj-lt"/>
+                            <a:ea typeface="+mn-ea"/>
+                            <a:cs typeface="+mn-cs"/>
+                          </a:endParaRPr>
+                        </a:p>
+                      </a:txBody>
+                      <a:tcPr>
+                        <a:lnL w="12700" cap="flat" cmpd="sng" algn="ctr">
+                          <a:solidFill>
+                            <a:schemeClr val="tx1"/>
+                          </a:solidFill>
+                          <a:prstDash val="solid"/>
+                          <a:round/>
+                          <a:headEnd type="none" w="med" len="med"/>
+                          <a:tailEnd type="none" w="med" len="med"/>
+                        </a:lnL>
+                        <a:lnR w="12700" cap="flat" cmpd="sng" algn="ctr">
+                          <a:solidFill>
+                            <a:schemeClr val="tx1"/>
+                          </a:solidFill>
+                          <a:prstDash val="solid"/>
+                          <a:round/>
+                          <a:headEnd type="none" w="med" len="med"/>
+                          <a:tailEnd type="none" w="med" len="med"/>
+                        </a:lnR>
+                        <a:lnT w="12700" cap="flat" cmpd="sng" algn="ctr">
+                          <a:solidFill>
+                            <a:schemeClr val="tx1"/>
+                          </a:solidFill>
+                          <a:prstDash val="solid"/>
+                          <a:round/>
+                          <a:headEnd type="none" w="med" len="med"/>
+                          <a:tailEnd type="none" w="med" len="med"/>
+                        </a:lnT>
+                        <a:lnB w="12700" cap="flat" cmpd="sng" algn="ctr">
+                          <a:solidFill>
+                            <a:schemeClr val="tx1"/>
+                          </a:solidFill>
+                          <a:prstDash val="solid"/>
+                          <a:round/>
+                          <a:headEnd type="none" w="med" len="med"/>
+                          <a:tailEnd type="none" w="med" len="med"/>
+                        </a:lnB>
+                      </a:tcPr>
+                    </a:tc>
+                    <a:extLst>
+                      <a:ext uri="{0D108BD9-81ED-4DB2-BD59-A6C34878D82A}">
+                        <a16:rowId xmlns:a16="http://schemas.microsoft.com/office/drawing/2014/main" val="2878744497"/>
+                      </a:ext>
+                    </a:extLst>
+                  </a:tr>
+                  <a:tr h="493604">
+                    <a:tc>
+                      <a:txBody>
+                        <a:bodyPr/>
+                        <a:lstStyle/>
+                        <a:p>
+                          <a:r>
+                            <a:rPr lang="it-IT" sz="1200" b="1" dirty="0">
+                              <a:solidFill>
+                                <a:sysClr val="windowText" lastClr="000000"/>
+                              </a:solidFill>
+                            </a:rPr>
+                            <a:t>LOGNORMAL</a:t>
+                          </a:r>
+                          <a:endParaRPr lang="it-IT" sz="1200" b="1" dirty="0">
+                            <a:solidFill>
+                              <a:sysClr val="windowText" lastClr="000000"/>
+                            </a:solidFill>
+                            <a:latin typeface="+mj-lt"/>
+                          </a:endParaRPr>
+                        </a:p>
+                      </a:txBody>
+                      <a:tcPr>
+                        <a:lnL w="12700" cap="flat" cmpd="sng" algn="ctr">
+                          <a:solidFill>
+                            <a:schemeClr val="tx1"/>
+                          </a:solidFill>
+                          <a:prstDash val="solid"/>
+                          <a:round/>
+                          <a:headEnd type="none" w="med" len="med"/>
+                          <a:tailEnd type="none" w="med" len="med"/>
+                        </a:lnL>
+                        <a:lnR w="12700" cap="flat" cmpd="sng" algn="ctr">
+                          <a:solidFill>
+                            <a:schemeClr val="tx1"/>
+                          </a:solidFill>
+                          <a:prstDash val="solid"/>
+                          <a:round/>
+                          <a:headEnd type="none" w="med" len="med"/>
+                          <a:tailEnd type="none" w="med" len="med"/>
+                        </a:lnR>
+                        <a:lnT w="12700" cap="flat" cmpd="sng" algn="ctr">
+                          <a:solidFill>
+                            <a:schemeClr val="tx1"/>
+                          </a:solidFill>
+                          <a:prstDash val="solid"/>
+                          <a:round/>
+                          <a:headEnd type="none" w="med" len="med"/>
+                          <a:tailEnd type="none" w="med" len="med"/>
+                        </a:lnT>
+                        <a:lnB w="12700" cap="flat" cmpd="sng" algn="ctr">
+                          <a:solidFill>
+                            <a:schemeClr val="tx1"/>
+                          </a:solidFill>
+                          <a:prstDash val="solid"/>
+                          <a:round/>
+                          <a:headEnd type="none" w="med" len="med"/>
+                          <a:tailEnd type="none" w="med" len="med"/>
+                        </a:lnB>
+                      </a:tcPr>
+                    </a:tc>
+                    <a:tc>
+                      <a:txBody>
+                        <a:bodyPr/>
+                        <a:lstStyle/>
+                        <a:p>
+                          <a:endParaRPr lang="it-IT"/>
+                        </a:p>
+                      </a:txBody>
+                      <a:tcPr>
+                        <a:lnL w="12700" cap="flat" cmpd="sng" algn="ctr">
+                          <a:solidFill>
+                            <a:schemeClr val="tx1"/>
+                          </a:solidFill>
+                          <a:prstDash val="solid"/>
+                          <a:round/>
+                          <a:headEnd type="none" w="med" len="med"/>
+                          <a:tailEnd type="none" w="med" len="med"/>
+                        </a:lnL>
+                        <a:lnR w="12700" cap="flat" cmpd="sng" algn="ctr">
+                          <a:solidFill>
+                            <a:schemeClr val="tx1"/>
+                          </a:solidFill>
+                          <a:prstDash val="solid"/>
+                          <a:round/>
+                          <a:headEnd type="none" w="med" len="med"/>
+                          <a:tailEnd type="none" w="med" len="med"/>
+                        </a:lnR>
+                        <a:lnT w="12700" cap="flat" cmpd="sng" algn="ctr">
+                          <a:solidFill>
+                            <a:schemeClr val="tx1"/>
+                          </a:solidFill>
+                          <a:prstDash val="solid"/>
+                          <a:round/>
+                          <a:headEnd type="none" w="med" len="med"/>
+                          <a:tailEnd type="none" w="med" len="med"/>
+                        </a:lnT>
+                        <a:lnB w="12700" cap="flat" cmpd="sng" algn="ctr">
+                          <a:solidFill>
+                            <a:schemeClr val="tx1"/>
+                          </a:solidFill>
+                          <a:prstDash val="solid"/>
+                          <a:round/>
+                          <a:headEnd type="none" w="med" len="med"/>
+                          <a:tailEnd type="none" w="med" len="med"/>
+                        </a:lnB>
+                        <a:blipFill>
+                          <a:blip r:embed="rId3"/>
+                          <a:stretch>
+                            <a:fillRect l="-100114" t="-391358" r="-229" b="-355556"/>
+                          </a:stretch>
+                        </a:blipFill>
+                      </a:tcPr>
+                    </a:tc>
+                    <a:extLst>
+                      <a:ext uri="{0D108BD9-81ED-4DB2-BD59-A6C34878D82A}">
+                        <a16:rowId xmlns:a16="http://schemas.microsoft.com/office/drawing/2014/main" val="3565715207"/>
+                      </a:ext>
+                    </a:extLst>
+                  </a:tr>
+                  <a:tr h="285771">
+                    <a:tc>
+                      <a:txBody>
+                        <a:bodyPr/>
+                        <a:lstStyle/>
+                        <a:p>
+                          <a:r>
+                            <a:rPr lang="it-IT" sz="1200" b="1" dirty="0">
+                              <a:solidFill>
+                                <a:sysClr val="windowText" lastClr="000000"/>
+                              </a:solidFill>
+                            </a:rPr>
+                            <a:t>NUMBER OF USERS </a:t>
+                          </a:r>
+                          <a:endParaRPr lang="it-IT" sz="1200" b="1" dirty="0">
+                            <a:solidFill>
+                              <a:sysClr val="windowText" lastClr="000000"/>
+                            </a:solidFill>
+                            <a:latin typeface="+mj-lt"/>
+                          </a:endParaRPr>
+                        </a:p>
+                      </a:txBody>
+                      <a:tcPr>
+                        <a:lnL w="12700" cap="flat" cmpd="sng" algn="ctr">
+                          <a:solidFill>
+                            <a:schemeClr val="tx1"/>
+                          </a:solidFill>
+                          <a:prstDash val="solid"/>
+                          <a:round/>
+                          <a:headEnd type="none" w="med" len="med"/>
+                          <a:tailEnd type="none" w="med" len="med"/>
+                        </a:lnL>
+                        <a:lnR w="12700" cap="flat" cmpd="sng" algn="ctr">
+                          <a:solidFill>
+                            <a:schemeClr val="tx1"/>
+                          </a:solidFill>
+                          <a:prstDash val="solid"/>
+                          <a:round/>
+                          <a:headEnd type="none" w="med" len="med"/>
+                          <a:tailEnd type="none" w="med" len="med"/>
+                        </a:lnR>
+                        <a:lnT w="12700" cap="flat" cmpd="sng" algn="ctr">
+                          <a:solidFill>
+                            <a:schemeClr val="tx1"/>
+                          </a:solidFill>
+                          <a:prstDash val="solid"/>
+                          <a:round/>
+                          <a:headEnd type="none" w="med" len="med"/>
+                          <a:tailEnd type="none" w="med" len="med"/>
+                        </a:lnT>
+                        <a:lnB w="12700" cap="flat" cmpd="sng" algn="ctr">
+                          <a:solidFill>
+                            <a:schemeClr val="tx1"/>
+                          </a:solidFill>
+                          <a:prstDash val="solid"/>
+                          <a:round/>
+                          <a:headEnd type="none" w="med" len="med"/>
+                          <a:tailEnd type="none" w="med" len="med"/>
+                        </a:lnB>
+                      </a:tcPr>
+                    </a:tc>
+                    <a:tc>
+                      <a:txBody>
+                        <a:bodyPr/>
+                        <a:lstStyle/>
+                        <a:p>
+                          <a:pPr marL="0" marR="0" lvl="0" indent="0" algn="l" defTabSz="914400" rtl="0" eaLnBrk="1" fontAlgn="auto" latinLnBrk="0" hangingPunct="1">
+                            <a:lnSpc>
+                              <a:spcPct val="100000"/>
+                            </a:lnSpc>
+                            <a:spcBef>
+                              <a:spcPts val="0"/>
+                            </a:spcBef>
+                            <a:spcAft>
+                              <a:spcPts val="0"/>
+                            </a:spcAft>
+                            <a:buClrTx/>
+                            <a:buSzTx/>
+                            <a:buFontTx/>
+                            <a:buNone/>
+                            <a:tabLst/>
+                            <a:defRPr/>
+                          </a:pPr>
+                          <a:r>
+                            <a:rPr lang="it-IT" sz="1200" kern="1200" dirty="0">
+                              <a:solidFill>
+                                <a:sysClr val="windowText" lastClr="000000"/>
+                              </a:solidFill>
+                            </a:rPr>
+                            <a:t>[100, 200, 300, 400, 500]</a:t>
+                          </a:r>
+                          <a:endParaRPr lang="it-IT" sz="1200" kern="1200" dirty="0">
+                            <a:solidFill>
+                              <a:sysClr val="windowText" lastClr="000000"/>
+                            </a:solidFill>
+                            <a:latin typeface="+mj-lt"/>
+                            <a:ea typeface="+mn-ea"/>
+                            <a:cs typeface="+mn-cs"/>
+                          </a:endParaRPr>
+                        </a:p>
+                      </a:txBody>
+                      <a:tcPr>
+                        <a:lnL w="12700" cap="flat" cmpd="sng" algn="ctr">
+                          <a:solidFill>
+                            <a:schemeClr val="tx1"/>
+                          </a:solidFill>
+                          <a:prstDash val="solid"/>
+                          <a:round/>
+                          <a:headEnd type="none" w="med" len="med"/>
+                          <a:tailEnd type="none" w="med" len="med"/>
+                        </a:lnL>
+                        <a:lnR w="12700" cap="flat" cmpd="sng" algn="ctr">
+                          <a:solidFill>
+                            <a:schemeClr val="tx1"/>
+                          </a:solidFill>
+                          <a:prstDash val="solid"/>
+                          <a:round/>
+                          <a:headEnd type="none" w="med" len="med"/>
+                          <a:tailEnd type="none" w="med" len="med"/>
+                        </a:lnR>
+                        <a:lnT w="12700" cap="flat" cmpd="sng" algn="ctr">
+                          <a:solidFill>
+                            <a:schemeClr val="tx1"/>
+                          </a:solidFill>
+                          <a:prstDash val="solid"/>
+                          <a:round/>
+                          <a:headEnd type="none" w="med" len="med"/>
+                          <a:tailEnd type="none" w="med" len="med"/>
+                        </a:lnT>
+                        <a:lnB w="12700" cap="flat" cmpd="sng" algn="ctr">
+                          <a:solidFill>
+                            <a:schemeClr val="tx1"/>
+                          </a:solidFill>
+                          <a:prstDash val="solid"/>
+                          <a:round/>
+                          <a:headEnd type="none" w="med" len="med"/>
+                          <a:tailEnd type="none" w="med" len="med"/>
+                        </a:lnB>
+                      </a:tcPr>
+                    </a:tc>
+                    <a:extLst>
+                      <a:ext uri="{0D108BD9-81ED-4DB2-BD59-A6C34878D82A}">
+                        <a16:rowId xmlns:a16="http://schemas.microsoft.com/office/drawing/2014/main" val="1930219407"/>
+                      </a:ext>
+                    </a:extLst>
+                  </a:tr>
+                  <a:tr h="285771">
+                    <a:tc>
+                      <a:txBody>
+                        <a:bodyPr/>
+                        <a:lstStyle/>
+                        <a:p>
+                          <a:r>
+                            <a:rPr lang="it-IT" sz="1200" b="1" dirty="0">
+                              <a:solidFill>
+                                <a:sysClr val="windowText" lastClr="000000"/>
+                              </a:solidFill>
+                            </a:rPr>
+                            <a:t>INTERVAL RATE </a:t>
+                          </a:r>
+                          <a:endParaRPr lang="it-IT" sz="1200" b="1" dirty="0">
+                            <a:solidFill>
+                              <a:sysClr val="windowText" lastClr="000000"/>
+                            </a:solidFill>
+                            <a:latin typeface="+mj-lt"/>
+                          </a:endParaRPr>
+                        </a:p>
+                      </a:txBody>
+                      <a:tcPr>
+                        <a:lnL w="12700" cap="flat" cmpd="sng" algn="ctr">
+                          <a:solidFill>
+                            <a:schemeClr val="tx1"/>
+                          </a:solidFill>
+                          <a:prstDash val="solid"/>
+                          <a:round/>
+                          <a:headEnd type="none" w="med" len="med"/>
+                          <a:tailEnd type="none" w="med" len="med"/>
+                        </a:lnL>
+                        <a:lnR w="12700" cap="flat" cmpd="sng" algn="ctr">
+                          <a:solidFill>
+                            <a:schemeClr val="tx1"/>
+                          </a:solidFill>
+                          <a:prstDash val="solid"/>
+                          <a:round/>
+                          <a:headEnd type="none" w="med" len="med"/>
+                          <a:tailEnd type="none" w="med" len="med"/>
+                        </a:lnR>
+                        <a:lnT w="12700" cap="flat" cmpd="sng" algn="ctr">
+                          <a:solidFill>
+                            <a:schemeClr val="tx1"/>
+                          </a:solidFill>
+                          <a:prstDash val="solid"/>
+                          <a:round/>
+                          <a:headEnd type="none" w="med" len="med"/>
+                          <a:tailEnd type="none" w="med" len="med"/>
+                        </a:lnT>
+                        <a:lnB w="12700" cap="flat" cmpd="sng" algn="ctr">
+                          <a:solidFill>
+                            <a:schemeClr val="tx1"/>
+                          </a:solidFill>
+                          <a:prstDash val="solid"/>
+                          <a:round/>
+                          <a:headEnd type="none" w="med" len="med"/>
+                          <a:tailEnd type="none" w="med" len="med"/>
+                        </a:lnB>
+                      </a:tcPr>
+                    </a:tc>
+                    <a:tc>
+                      <a:txBody>
+                        <a:bodyPr/>
+                        <a:lstStyle/>
+                        <a:p>
+                          <a:pPr marL="0" marR="0" lvl="0" indent="0" algn="l" defTabSz="914400" rtl="0" eaLnBrk="1" fontAlgn="auto" latinLnBrk="0" hangingPunct="1">
+                            <a:lnSpc>
+                              <a:spcPct val="100000"/>
+                            </a:lnSpc>
+                            <a:spcBef>
+                              <a:spcPts val="0"/>
+                            </a:spcBef>
+                            <a:spcAft>
+                              <a:spcPts val="0"/>
+                            </a:spcAft>
+                            <a:buClrTx/>
+                            <a:buSzTx/>
+                            <a:buFontTx/>
+                            <a:buNone/>
+                            <a:tabLst/>
+                            <a:defRPr/>
+                          </a:pPr>
+                          <a:r>
+                            <a:rPr lang="it-IT" sz="1200" kern="1200" dirty="0">
+                              <a:solidFill>
+                                <a:sysClr val="windowText" lastClr="000000"/>
+                              </a:solidFill>
+                            </a:rPr>
+                            <a:t>[1/1, 1/0.5, 1/0,1] 1/s</a:t>
+                          </a:r>
+                          <a:endParaRPr lang="it-IT" sz="1200" kern="1200" dirty="0">
+                            <a:solidFill>
+                              <a:sysClr val="windowText" lastClr="000000"/>
+                            </a:solidFill>
+                            <a:latin typeface="+mj-lt"/>
+                            <a:ea typeface="+mn-ea"/>
+                            <a:cs typeface="+mn-cs"/>
+                          </a:endParaRPr>
+                        </a:p>
+                      </a:txBody>
+                      <a:tcPr>
+                        <a:lnL w="12700" cap="flat" cmpd="sng" algn="ctr">
+                          <a:solidFill>
+                            <a:schemeClr val="tx1"/>
+                          </a:solidFill>
+                          <a:prstDash val="solid"/>
+                          <a:round/>
+                          <a:headEnd type="none" w="med" len="med"/>
+                          <a:tailEnd type="none" w="med" len="med"/>
+                        </a:lnL>
+                        <a:lnR w="12700" cap="flat" cmpd="sng" algn="ctr">
+                          <a:solidFill>
+                            <a:schemeClr val="tx1"/>
+                          </a:solidFill>
+                          <a:prstDash val="solid"/>
+                          <a:round/>
+                          <a:headEnd type="none" w="med" len="med"/>
+                          <a:tailEnd type="none" w="med" len="med"/>
+                        </a:lnR>
+                        <a:lnT w="12700" cap="flat" cmpd="sng" algn="ctr">
+                          <a:solidFill>
+                            <a:schemeClr val="tx1"/>
+                          </a:solidFill>
+                          <a:prstDash val="solid"/>
+                          <a:round/>
+                          <a:headEnd type="none" w="med" len="med"/>
+                          <a:tailEnd type="none" w="med" len="med"/>
+                        </a:lnT>
+                        <a:lnB w="12700" cap="flat" cmpd="sng" algn="ctr">
+                          <a:solidFill>
+                            <a:schemeClr val="tx1"/>
+                          </a:solidFill>
+                          <a:prstDash val="solid"/>
+                          <a:round/>
+                          <a:headEnd type="none" w="med" len="med"/>
+                          <a:tailEnd type="none" w="med" len="med"/>
+                        </a:lnB>
+                      </a:tcPr>
+                    </a:tc>
+                    <a:extLst>
+                      <a:ext uri="{0D108BD9-81ED-4DB2-BD59-A6C34878D82A}">
+                        <a16:rowId xmlns:a16="http://schemas.microsoft.com/office/drawing/2014/main" val="57858945"/>
+                      </a:ext>
+                    </a:extLst>
+                  </a:tr>
+                  <a:tr h="285771">
+                    <a:tc>
+                      <a:txBody>
+                        <a:bodyPr/>
+                        <a:lstStyle/>
+                        <a:p>
+                          <a:r>
+                            <a:rPr lang="it-IT" sz="1200" b="1" dirty="0">
+                              <a:solidFill>
+                                <a:sysClr val="windowText" lastClr="000000"/>
+                              </a:solidFill>
+                            </a:rPr>
+                            <a:t>SIZE RATE </a:t>
+                          </a:r>
+                          <a:endParaRPr lang="it-IT" sz="1200" b="1" dirty="0">
+                            <a:solidFill>
+                              <a:sysClr val="windowText" lastClr="000000"/>
+                            </a:solidFill>
+                            <a:latin typeface="+mj-lt"/>
+                          </a:endParaRPr>
+                        </a:p>
+                      </a:txBody>
+                      <a:tcPr>
+                        <a:lnL w="12700" cap="flat" cmpd="sng" algn="ctr">
+                          <a:solidFill>
+                            <a:schemeClr val="tx1"/>
+                          </a:solidFill>
+                          <a:prstDash val="solid"/>
+                          <a:round/>
+                          <a:headEnd type="none" w="med" len="med"/>
+                          <a:tailEnd type="none" w="med" len="med"/>
+                        </a:lnL>
+                        <a:lnR w="12700" cap="flat" cmpd="sng" algn="ctr">
+                          <a:solidFill>
+                            <a:schemeClr val="tx1"/>
+                          </a:solidFill>
+                          <a:prstDash val="solid"/>
+                          <a:round/>
+                          <a:headEnd type="none" w="med" len="med"/>
+                          <a:tailEnd type="none" w="med" len="med"/>
+                        </a:lnR>
+                        <a:lnT w="12700" cap="flat" cmpd="sng" algn="ctr">
+                          <a:solidFill>
+                            <a:schemeClr val="tx1"/>
+                          </a:solidFill>
+                          <a:prstDash val="solid"/>
+                          <a:round/>
+                          <a:headEnd type="none" w="med" len="med"/>
+                          <a:tailEnd type="none" w="med" len="med"/>
+                        </a:lnT>
+                        <a:lnB w="12700" cap="flat" cmpd="sng" algn="ctr">
+                          <a:solidFill>
+                            <a:schemeClr val="tx1"/>
+                          </a:solidFill>
+                          <a:prstDash val="solid"/>
+                          <a:round/>
+                          <a:headEnd type="none" w="med" len="med"/>
+                          <a:tailEnd type="none" w="med" len="med"/>
+                        </a:lnB>
+                      </a:tcPr>
+                    </a:tc>
+                    <a:tc>
+                      <a:txBody>
+                        <a:bodyPr/>
+                        <a:lstStyle/>
+                        <a:p>
+                          <a:endParaRPr lang="it-IT"/>
+                        </a:p>
+                      </a:txBody>
+                      <a:tcPr>
+                        <a:lnL w="12700" cap="flat" cmpd="sng" algn="ctr">
+                          <a:solidFill>
+                            <a:schemeClr val="tx1"/>
+                          </a:solidFill>
+                          <a:prstDash val="solid"/>
+                          <a:round/>
+                          <a:headEnd type="none" w="med" len="med"/>
+                          <a:tailEnd type="none" w="med" len="med"/>
+                        </a:lnL>
+                        <a:lnR w="12700" cap="flat" cmpd="sng" algn="ctr">
+                          <a:solidFill>
+                            <a:schemeClr val="tx1"/>
+                          </a:solidFill>
+                          <a:prstDash val="solid"/>
+                          <a:round/>
+                          <a:headEnd type="none" w="med" len="med"/>
+                          <a:tailEnd type="none" w="med" len="med"/>
+                        </a:lnR>
+                        <a:lnT w="12700" cap="flat" cmpd="sng" algn="ctr">
+                          <a:solidFill>
+                            <a:schemeClr val="tx1"/>
+                          </a:solidFill>
+                          <a:prstDash val="solid"/>
+                          <a:round/>
+                          <a:headEnd type="none" w="med" len="med"/>
+                          <a:tailEnd type="none" w="med" len="med"/>
+                        </a:lnT>
+                        <a:lnB w="12700" cap="flat" cmpd="sng" algn="ctr">
+                          <a:solidFill>
+                            <a:schemeClr val="tx1"/>
+                          </a:solidFill>
+                          <a:prstDash val="solid"/>
+                          <a:round/>
+                          <a:headEnd type="none" w="med" len="med"/>
+                          <a:tailEnd type="none" w="med" len="med"/>
+                        </a:lnB>
+                        <a:blipFill>
+                          <a:blip r:embed="rId3"/>
+                          <a:stretch>
+                            <a:fillRect l="-100114" t="-1046809" r="-229" b="-312766"/>
+                          </a:stretch>
+                        </a:blipFill>
+                      </a:tcPr>
+                    </a:tc>
+                    <a:extLst>
+                      <a:ext uri="{0D108BD9-81ED-4DB2-BD59-A6C34878D82A}">
+                        <a16:rowId xmlns:a16="http://schemas.microsoft.com/office/drawing/2014/main" val="1317677281"/>
+                      </a:ext>
+                    </a:extLst>
+                  </a:tr>
+                  <a:tr h="285771">
+                    <a:tc>
+                      <a:txBody>
+                        <a:bodyPr/>
+                        <a:lstStyle/>
+                        <a:p>
+                          <a:r>
+                            <a:rPr lang="it-IT" sz="1200" b="1" dirty="0">
+                              <a:solidFill>
+                                <a:sysClr val="windowText" lastClr="000000"/>
+                              </a:solidFill>
+                            </a:rPr>
+                            <a:t>NUMBER OF REPETITIONS</a:t>
+                          </a:r>
+                          <a:endParaRPr lang="it-IT" sz="1200" b="1" dirty="0">
+                            <a:solidFill>
+                              <a:sysClr val="windowText" lastClr="000000"/>
+                            </a:solidFill>
+                            <a:latin typeface="+mj-lt"/>
+                          </a:endParaRPr>
+                        </a:p>
+                      </a:txBody>
+                      <a:tcPr>
+                        <a:lnL w="12700" cap="flat" cmpd="sng" algn="ctr">
+                          <a:solidFill>
+                            <a:schemeClr val="tx1"/>
+                          </a:solidFill>
+                          <a:prstDash val="solid"/>
+                          <a:round/>
+                          <a:headEnd type="none" w="med" len="med"/>
+                          <a:tailEnd type="none" w="med" len="med"/>
+                        </a:lnL>
+                        <a:lnR w="12700" cap="flat" cmpd="sng" algn="ctr">
+                          <a:solidFill>
+                            <a:schemeClr val="tx1"/>
+                          </a:solidFill>
+                          <a:prstDash val="solid"/>
+                          <a:round/>
+                          <a:headEnd type="none" w="med" len="med"/>
+                          <a:tailEnd type="none" w="med" len="med"/>
+                        </a:lnR>
+                        <a:lnT w="12700" cap="flat" cmpd="sng" algn="ctr">
+                          <a:solidFill>
+                            <a:schemeClr val="tx1"/>
+                          </a:solidFill>
+                          <a:prstDash val="solid"/>
+                          <a:round/>
+                          <a:headEnd type="none" w="med" len="med"/>
+                          <a:tailEnd type="none" w="med" len="med"/>
+                        </a:lnT>
+                        <a:lnB w="12700" cap="flat" cmpd="sng" algn="ctr">
+                          <a:solidFill>
+                            <a:schemeClr val="tx1"/>
+                          </a:solidFill>
+                          <a:prstDash val="solid"/>
+                          <a:round/>
+                          <a:headEnd type="none" w="med" len="med"/>
+                          <a:tailEnd type="none" w="med" len="med"/>
+                        </a:lnB>
+                      </a:tcPr>
+                    </a:tc>
+                    <a:tc>
+                      <a:txBody>
+                        <a:bodyPr/>
+                        <a:lstStyle/>
+                        <a:p>
+                          <a:r>
+                            <a:rPr lang="it-IT" sz="1200" dirty="0">
+                              <a:solidFill>
+                                <a:sysClr val="windowText" lastClr="000000"/>
+                              </a:solidFill>
+                            </a:rPr>
+                            <a:t>30</a:t>
+                          </a:r>
+                          <a:endParaRPr lang="it-IT" sz="1200" dirty="0">
+                            <a:solidFill>
+                              <a:sysClr val="windowText" lastClr="000000"/>
+                            </a:solidFill>
+                            <a:latin typeface="+mj-lt"/>
+                          </a:endParaRPr>
+                        </a:p>
+                      </a:txBody>
+                      <a:tcPr>
+                        <a:lnL w="12700" cap="flat" cmpd="sng" algn="ctr">
+                          <a:solidFill>
+                            <a:schemeClr val="tx1"/>
+                          </a:solidFill>
+                          <a:prstDash val="solid"/>
+                          <a:round/>
+                          <a:headEnd type="none" w="med" len="med"/>
+                          <a:tailEnd type="none" w="med" len="med"/>
+                        </a:lnL>
+                        <a:lnR w="12700" cap="flat" cmpd="sng" algn="ctr">
+                          <a:solidFill>
+                            <a:schemeClr val="tx1"/>
+                          </a:solidFill>
+                          <a:prstDash val="solid"/>
+                          <a:round/>
+                          <a:headEnd type="none" w="med" len="med"/>
+                          <a:tailEnd type="none" w="med" len="med"/>
+                        </a:lnR>
+                        <a:lnT w="12700" cap="flat" cmpd="sng" algn="ctr">
+                          <a:solidFill>
+                            <a:schemeClr val="tx1"/>
+                          </a:solidFill>
+                          <a:prstDash val="solid"/>
+                          <a:round/>
+                          <a:headEnd type="none" w="med" len="med"/>
+                          <a:tailEnd type="none" w="med" len="med"/>
+                        </a:lnT>
+                        <a:lnB w="12700" cap="flat" cmpd="sng" algn="ctr">
+                          <a:solidFill>
+                            <a:schemeClr val="tx1"/>
+                          </a:solidFill>
+                          <a:prstDash val="solid"/>
+                          <a:round/>
+                          <a:headEnd type="none" w="med" len="med"/>
+                          <a:tailEnd type="none" w="med" len="med"/>
+                        </a:lnB>
+                      </a:tcPr>
+                    </a:tc>
+                    <a:extLst>
+                      <a:ext uri="{0D108BD9-81ED-4DB2-BD59-A6C34878D82A}">
+                        <a16:rowId xmlns:a16="http://schemas.microsoft.com/office/drawing/2014/main" val="464696541"/>
+                      </a:ext>
+                    </a:extLst>
+                  </a:tr>
+                  <a:tr h="285771">
+                    <a:tc>
+                      <a:txBody>
+                        <a:bodyPr/>
+                        <a:lstStyle/>
+                        <a:p>
+                          <a:r>
+                            <a:rPr lang="it-IT" sz="1200" b="1" dirty="0">
+                              <a:solidFill>
+                                <a:sysClr val="windowText" lastClr="000000"/>
+                              </a:solidFill>
+                            </a:rPr>
+                            <a:t>SIMULATION TIME</a:t>
+                          </a:r>
+                          <a:endParaRPr lang="it-IT" sz="1200" b="1" dirty="0">
+                            <a:solidFill>
+                              <a:sysClr val="windowText" lastClr="000000"/>
+                            </a:solidFill>
+                            <a:latin typeface="+mj-lt"/>
+                          </a:endParaRPr>
+                        </a:p>
+                      </a:txBody>
+                      <a:tcPr>
+                        <a:lnL w="12700" cap="flat" cmpd="sng" algn="ctr">
+                          <a:solidFill>
+                            <a:schemeClr val="tx1"/>
+                          </a:solidFill>
+                          <a:prstDash val="solid"/>
+                          <a:round/>
+                          <a:headEnd type="none" w="med" len="med"/>
+                          <a:tailEnd type="none" w="med" len="med"/>
+                        </a:lnL>
+                        <a:lnR w="12700" cap="flat" cmpd="sng" algn="ctr">
+                          <a:solidFill>
+                            <a:schemeClr val="tx1"/>
+                          </a:solidFill>
+                          <a:prstDash val="solid"/>
+                          <a:round/>
+                          <a:headEnd type="none" w="med" len="med"/>
+                          <a:tailEnd type="none" w="med" len="med"/>
+                        </a:lnR>
+                        <a:lnT w="12700" cap="flat" cmpd="sng" algn="ctr">
+                          <a:solidFill>
+                            <a:schemeClr val="tx1"/>
+                          </a:solidFill>
+                          <a:prstDash val="solid"/>
+                          <a:round/>
+                          <a:headEnd type="none" w="med" len="med"/>
+                          <a:tailEnd type="none" w="med" len="med"/>
+                        </a:lnT>
+                        <a:lnB w="12700" cap="flat" cmpd="sng" algn="ctr">
+                          <a:solidFill>
+                            <a:schemeClr val="tx1"/>
+                          </a:solidFill>
+                          <a:prstDash val="solid"/>
+                          <a:round/>
+                          <a:headEnd type="none" w="med" len="med"/>
+                          <a:tailEnd type="none" w="med" len="med"/>
+                        </a:lnB>
+                      </a:tcPr>
+                    </a:tc>
+                    <a:tc>
+                      <a:txBody>
+                        <a:bodyPr/>
+                        <a:lstStyle/>
+                        <a:p>
+                          <a:r>
+                            <a:rPr lang="it-IT" sz="1200" dirty="0">
+                              <a:solidFill>
+                                <a:sysClr val="windowText" lastClr="000000"/>
+                              </a:solidFill>
+                            </a:rPr>
+                            <a:t>1000s</a:t>
+                          </a:r>
+                          <a:endParaRPr lang="it-IT" sz="1200" dirty="0">
+                            <a:solidFill>
+                              <a:sysClr val="windowText" lastClr="000000"/>
+                            </a:solidFill>
+                            <a:latin typeface="+mj-lt"/>
+                          </a:endParaRPr>
+                        </a:p>
+                      </a:txBody>
+                      <a:tcPr>
+                        <a:lnL w="12700" cap="flat" cmpd="sng" algn="ctr">
+                          <a:solidFill>
+                            <a:schemeClr val="tx1"/>
+                          </a:solidFill>
+                          <a:prstDash val="solid"/>
+                          <a:round/>
+                          <a:headEnd type="none" w="med" len="med"/>
+                          <a:tailEnd type="none" w="med" len="med"/>
+                        </a:lnL>
+                        <a:lnR w="12700" cap="flat" cmpd="sng" algn="ctr">
+                          <a:solidFill>
+                            <a:schemeClr val="tx1"/>
+                          </a:solidFill>
+                          <a:prstDash val="solid"/>
+                          <a:round/>
+                          <a:headEnd type="none" w="med" len="med"/>
+                          <a:tailEnd type="none" w="med" len="med"/>
+                        </a:lnR>
+                        <a:lnT w="12700" cap="flat" cmpd="sng" algn="ctr">
+                          <a:solidFill>
+                            <a:schemeClr val="tx1"/>
+                          </a:solidFill>
+                          <a:prstDash val="solid"/>
+                          <a:round/>
+                          <a:headEnd type="none" w="med" len="med"/>
+                          <a:tailEnd type="none" w="med" len="med"/>
+                        </a:lnT>
+                        <a:lnB w="12700" cap="flat" cmpd="sng" algn="ctr">
+                          <a:solidFill>
+                            <a:schemeClr val="tx1"/>
+                          </a:solidFill>
+                          <a:prstDash val="solid"/>
+                          <a:round/>
+                          <a:headEnd type="none" w="med" len="med"/>
+                          <a:tailEnd type="none" w="med" len="med"/>
+                        </a:lnB>
+                      </a:tcPr>
+                    </a:tc>
+                    <a:extLst>
+                      <a:ext uri="{0D108BD9-81ED-4DB2-BD59-A6C34878D82A}">
+                        <a16:rowId xmlns:a16="http://schemas.microsoft.com/office/drawing/2014/main" val="851438376"/>
+                      </a:ext>
+                    </a:extLst>
+                  </a:tr>
+                  <a:tr h="285771">
+                    <a:tc>
+                      <a:txBody>
+                        <a:bodyPr/>
+                        <a:lstStyle/>
+                        <a:p>
+                          <a:r>
+                            <a:rPr lang="it-IT" sz="1200" b="1" dirty="0">
+                              <a:solidFill>
+                                <a:sysClr val="windowText" lastClr="000000"/>
+                              </a:solidFill>
+                            </a:rPr>
+                            <a:t>WARM-UP TIME</a:t>
+                          </a:r>
+                          <a:endParaRPr lang="it-IT" sz="1200" b="1" dirty="0">
+                            <a:solidFill>
+                              <a:sysClr val="windowText" lastClr="000000"/>
+                            </a:solidFill>
+                            <a:latin typeface="+mj-lt"/>
+                          </a:endParaRPr>
+                        </a:p>
+                      </a:txBody>
+                      <a:tcPr>
+                        <a:lnL w="12700" cap="flat" cmpd="sng" algn="ctr">
+                          <a:solidFill>
+                            <a:schemeClr val="tx1"/>
+                          </a:solidFill>
+                          <a:prstDash val="solid"/>
+                          <a:round/>
+                          <a:headEnd type="none" w="med" len="med"/>
+                          <a:tailEnd type="none" w="med" len="med"/>
+                        </a:lnL>
+                        <a:lnR w="12700" cap="flat" cmpd="sng" algn="ctr">
+                          <a:solidFill>
+                            <a:schemeClr val="tx1"/>
+                          </a:solidFill>
+                          <a:prstDash val="solid"/>
+                          <a:round/>
+                          <a:headEnd type="none" w="med" len="med"/>
+                          <a:tailEnd type="none" w="med" len="med"/>
+                        </a:lnR>
+                        <a:lnT w="12700" cap="flat" cmpd="sng" algn="ctr">
+                          <a:solidFill>
+                            <a:schemeClr val="tx1"/>
+                          </a:solidFill>
+                          <a:prstDash val="solid"/>
+                          <a:round/>
+                          <a:headEnd type="none" w="med" len="med"/>
+                          <a:tailEnd type="none" w="med" len="med"/>
+                        </a:lnT>
+                        <a:lnB w="12700" cap="flat" cmpd="sng" algn="ctr">
+                          <a:solidFill>
+                            <a:schemeClr val="tx1"/>
+                          </a:solidFill>
+                          <a:prstDash val="solid"/>
+                          <a:round/>
+                          <a:headEnd type="none" w="med" len="med"/>
+                          <a:tailEnd type="none" w="med" len="med"/>
+                        </a:lnB>
+                      </a:tcPr>
+                    </a:tc>
+                    <a:tc>
+                      <a:txBody>
+                        <a:bodyPr/>
+                        <a:lstStyle/>
+                        <a:p>
+                          <a:r>
+                            <a:rPr lang="it-IT" sz="1200" dirty="0">
+                              <a:solidFill>
+                                <a:sysClr val="windowText" lastClr="000000"/>
+                              </a:solidFill>
+                            </a:rPr>
+                            <a:t>100s</a:t>
+                          </a:r>
+                          <a:endParaRPr lang="it-IT" sz="1200" dirty="0">
+                            <a:solidFill>
+                              <a:sysClr val="windowText" lastClr="000000"/>
+                            </a:solidFill>
+                            <a:latin typeface="+mj-lt"/>
+                          </a:endParaRPr>
+                        </a:p>
+                      </a:txBody>
+                      <a:tcPr>
+                        <a:lnL w="12700" cap="flat" cmpd="sng" algn="ctr">
+                          <a:solidFill>
+                            <a:schemeClr val="tx1"/>
+                          </a:solidFill>
+                          <a:prstDash val="solid"/>
+                          <a:round/>
+                          <a:headEnd type="none" w="med" len="med"/>
+                          <a:tailEnd type="none" w="med" len="med"/>
+                        </a:lnL>
+                        <a:lnR w="12700" cap="flat" cmpd="sng" algn="ctr">
+                          <a:solidFill>
+                            <a:schemeClr val="tx1"/>
+                          </a:solidFill>
+                          <a:prstDash val="solid"/>
+                          <a:round/>
+                          <a:headEnd type="none" w="med" len="med"/>
+                          <a:tailEnd type="none" w="med" len="med"/>
+                        </a:lnR>
+                        <a:lnT w="12700" cap="flat" cmpd="sng" algn="ctr">
+                          <a:solidFill>
+                            <a:schemeClr val="tx1"/>
+                          </a:solidFill>
+                          <a:prstDash val="solid"/>
+                          <a:round/>
+                          <a:headEnd type="none" w="med" len="med"/>
+                          <a:tailEnd type="none" w="med" len="med"/>
+                        </a:lnT>
+                        <a:lnB w="12700" cap="flat" cmpd="sng" algn="ctr">
+                          <a:solidFill>
+                            <a:schemeClr val="tx1"/>
+                          </a:solidFill>
+                          <a:prstDash val="solid"/>
+                          <a:round/>
+                          <a:headEnd type="none" w="med" len="med"/>
+                          <a:tailEnd type="none" w="med" len="med"/>
+                        </a:lnB>
+                      </a:tcPr>
+                    </a:tc>
+                    <a:extLst>
+                      <a:ext uri="{0D108BD9-81ED-4DB2-BD59-A6C34878D82A}">
+                        <a16:rowId xmlns:a16="http://schemas.microsoft.com/office/drawing/2014/main" val="355416652"/>
+                      </a:ext>
+                    </a:extLst>
+                  </a:tr>
+                </a:tbl>
+              </a:graphicData>
+            </a:graphic>
+          </p:graphicFrame>
+        </mc:Fallback>
+      </mc:AlternateContent>
     </p:spTree>
     <p:extLst>
       <p:ext uri="{BB962C8B-B14F-4D97-AF65-F5344CB8AC3E}">
@@ -12114,18 +14160,18 @@
 </file>
 
 <file path=customXml/item2.xml><?xml version="1.0" encoding="utf-8"?>
+<p:properties xmlns:p="http://schemas.microsoft.com/office/2006/metadata/properties" xmlns:xsi="http://www.w3.org/2001/XMLSchema-instance" xmlns:pc="http://schemas.microsoft.com/office/infopath/2007/PartnerControls">
+  <documentManagement/>
+</p:properties>
+</file>
+
+<file path=customXml/item3.xml><?xml version="1.0" encoding="utf-8"?>
 <?mso-contentType ?>
 <FormTemplates xmlns="http://schemas.microsoft.com/sharepoint/v3/contenttype/forms">
   <Display>DocumentLibraryForm</Display>
   <Edit>DocumentLibraryForm</Edit>
   <New>DocumentLibraryForm</New>
 </FormTemplates>
-</file>
-
-<file path=customXml/item3.xml><?xml version="1.0" encoding="utf-8"?>
-<p:properties xmlns:p="http://schemas.microsoft.com/office/2006/metadata/properties" xmlns:xsi="http://www.w3.org/2001/XMLSchema-instance" xmlns:pc="http://schemas.microsoft.com/office/infopath/2007/PartnerControls">
-  <documentManagement/>
-</p:properties>
 </file>
 
 <file path=customXml/itemProps1.xml><?xml version="1.0" encoding="utf-8"?>
@@ -12147,18 +14193,18 @@
 </file>
 
 <file path=customXml/itemProps2.xml><?xml version="1.0" encoding="utf-8"?>
-<ds:datastoreItem xmlns:ds="http://schemas.openxmlformats.org/officeDocument/2006/customXml" ds:itemID="{D5304DF2-6389-48C9-8F35-A690427AB6FF}">
-  <ds:schemaRefs>
-    <ds:schemaRef ds:uri="http://schemas.microsoft.com/sharepoint/v3/contenttype/forms"/>
-  </ds:schemaRefs>
-</ds:datastoreItem>
-</file>
-
-<file path=customXml/itemProps3.xml><?xml version="1.0" encoding="utf-8"?>
 <ds:datastoreItem xmlns:ds="http://schemas.openxmlformats.org/officeDocument/2006/customXml" ds:itemID="{AEE6738E-6D5F-48DC-A1F8-D1AF491FEE92}">
   <ds:schemaRefs>
     <ds:schemaRef ds:uri="http://schemas.microsoft.com/office/2006/metadata/properties"/>
     <ds:schemaRef ds:uri="http://schemas.microsoft.com/office/infopath/2007/PartnerControls"/>
   </ds:schemaRefs>
 </ds:datastoreItem>
+</file>
+
+<file path=customXml/itemProps3.xml><?xml version="1.0" encoding="utf-8"?>
+<ds:datastoreItem xmlns:ds="http://schemas.openxmlformats.org/officeDocument/2006/customXml" ds:itemID="{D5304DF2-6389-48C9-8F35-A690427AB6FF}">
+  <ds:schemaRefs>
+    <ds:schemaRef ds:uri="http://schemas.microsoft.com/sharepoint/v3/contenttype/forms"/>
+  </ds:schemaRefs>
+</ds:datastoreItem>
 </file>
--- a/docs/PECSN_Presentation.pptx
+++ b/docs/PECSN_Presentation.pptx
@@ -7625,7 +7625,7 @@
               <p:nvPr>
                 <p:extLst>
                   <p:ext uri="{D42A27DB-BD31-4B8C-83A1-F6EECF244321}">
-                    <p14:modId xmlns:p14="http://schemas.microsoft.com/office/powerpoint/2010/main" val="844714992"/>
+                    <p14:modId xmlns:p14="http://schemas.microsoft.com/office/powerpoint/2010/main" val="1223093180"/>
                   </p:ext>
                 </p:extLst>
               </p:nvPr>
@@ -9413,12 +9413,20 @@
                             </m:oMath>
                           </a14:m>
                           <a:r>
+                            <a:rPr lang="it-IT" sz="1200" u="none" kern="1200" dirty="0">
+                              <a:solidFill>
+                                <a:sysClr val="windowText" lastClr="000000"/>
+                              </a:solidFill>
+                            </a:rPr>
+                            <a:t>, 1/5</a:t>
+                          </a:r>
+                          <a:r>
                             <a:rPr lang="it-IT" sz="1200" kern="1200" dirty="0">
                               <a:solidFill>
                                 <a:sysClr val="windowText" lastClr="000000"/>
                               </a:solidFill>
                             </a:rPr>
-                            <a:t>, 5*</a:t>
+                            <a:t>*</a:t>
                           </a:r>
                           <a14:m>
                             <m:oMath xmlns:m="http://schemas.openxmlformats.org/officeDocument/2006/math">
@@ -9977,7 +9985,7 @@
               <p:nvPr>
                 <p:extLst>
                   <p:ext uri="{D42A27DB-BD31-4B8C-83A1-F6EECF244321}">
-                    <p14:modId xmlns:p14="http://schemas.microsoft.com/office/powerpoint/2010/main" val="844714992"/>
+                    <p14:modId xmlns:p14="http://schemas.microsoft.com/office/powerpoint/2010/main" val="1223093180"/>
                   </p:ext>
                 </p:extLst>
               </p:nvPr>
@@ -14016,6 +14024,12 @@
 </file>
 
 <file path=customXml/item1.xml><?xml version="1.0" encoding="utf-8"?>
+<p:properties xmlns:p="http://schemas.microsoft.com/office/2006/metadata/properties" xmlns:xsi="http://www.w3.org/2001/XMLSchema-instance" xmlns:pc="http://schemas.microsoft.com/office/infopath/2007/PartnerControls">
+  <documentManagement/>
+</p:properties>
+</file>
+
+<file path=customXml/item2.xml><?xml version="1.0" encoding="utf-8"?>
 <ct:contentTypeSchema xmlns:ct="http://schemas.microsoft.com/office/2006/metadata/contentType" xmlns:ma="http://schemas.microsoft.com/office/2006/metadata/properties/metaAttributes" ct:_="" ma:_="" ma:contentTypeName="Document" ma:contentTypeID="0x010100DFBC08DA2ECE6C4A82232EFE3D9DA530" ma:contentTypeVersion="4" ma:contentTypeDescription="Create a new document." ma:contentTypeScope="" ma:versionID="5939b094f451fcf84c19959f770f2ffd">
   <xsd:schema xmlns:xsd="http://www.w3.org/2001/XMLSchema" xmlns:xs="http://www.w3.org/2001/XMLSchema" xmlns:p="http://schemas.microsoft.com/office/2006/metadata/properties" xmlns:ns2="716b397f-796d-431a-b7aa-650caf8debb4" targetNamespace="http://schemas.microsoft.com/office/2006/metadata/properties" ma:root="true" ma:fieldsID="614b3d2208c0a74a906553d7121343e2" ns2:_="">
     <xsd:import namespace="716b397f-796d-431a-b7aa-650caf8debb4"/>
@@ -14159,12 +14173,6 @@
 </ct:contentTypeSchema>
 </file>
 
-<file path=customXml/item2.xml><?xml version="1.0" encoding="utf-8"?>
-<p:properties xmlns:p="http://schemas.microsoft.com/office/2006/metadata/properties" xmlns:xsi="http://www.w3.org/2001/XMLSchema-instance" xmlns:pc="http://schemas.microsoft.com/office/infopath/2007/PartnerControls">
-  <documentManagement/>
-</p:properties>
-</file>
-
 <file path=customXml/item3.xml><?xml version="1.0" encoding="utf-8"?>
 <?mso-contentType ?>
 <FormTemplates xmlns="http://schemas.microsoft.com/sharepoint/v3/contenttype/forms">
@@ -14175,6 +14183,15 @@
 </file>
 
 <file path=customXml/itemProps1.xml><?xml version="1.0" encoding="utf-8"?>
+<ds:datastoreItem xmlns:ds="http://schemas.openxmlformats.org/officeDocument/2006/customXml" ds:itemID="{AEE6738E-6D5F-48DC-A1F8-D1AF491FEE92}">
+  <ds:schemaRefs>
+    <ds:schemaRef ds:uri="http://schemas.microsoft.com/office/2006/metadata/properties"/>
+    <ds:schemaRef ds:uri="http://schemas.microsoft.com/office/infopath/2007/PartnerControls"/>
+  </ds:schemaRefs>
+</ds:datastoreItem>
+</file>
+
+<file path=customXml/itemProps2.xml><?xml version="1.0" encoding="utf-8"?>
 <ds:datastoreItem xmlns:ds="http://schemas.openxmlformats.org/officeDocument/2006/customXml" ds:itemID="{A9212A06-90E2-43D6-AA05-4E3BA8D73425}">
   <ds:schemaRefs>
     <ds:schemaRef ds:uri="http://schemas.microsoft.com/office/2006/metadata/contentType"/>
@@ -14192,15 +14209,6 @@
 </ds:datastoreItem>
 </file>
 
-<file path=customXml/itemProps2.xml><?xml version="1.0" encoding="utf-8"?>
-<ds:datastoreItem xmlns:ds="http://schemas.openxmlformats.org/officeDocument/2006/customXml" ds:itemID="{AEE6738E-6D5F-48DC-A1F8-D1AF491FEE92}">
-  <ds:schemaRefs>
-    <ds:schemaRef ds:uri="http://schemas.microsoft.com/office/2006/metadata/properties"/>
-    <ds:schemaRef ds:uri="http://schemas.microsoft.com/office/infopath/2007/PartnerControls"/>
-  </ds:schemaRefs>
-</ds:datastoreItem>
-</file>
-
 <file path=customXml/itemProps3.xml><?xml version="1.0" encoding="utf-8"?>
 <ds:datastoreItem xmlns:ds="http://schemas.openxmlformats.org/officeDocument/2006/customXml" ds:itemID="{D5304DF2-6389-48C9-8F35-A690427AB6FF}">
   <ds:schemaRefs>
